--- a/Presentations/ElasticSearch/ElasticSearch.pptx
+++ b/Presentations/ElasticSearch/ElasticSearch.pptx
@@ -16,25 +16,35 @@
     <p:sldId id="377" r:id="rId10"/>
     <p:sldId id="386" r:id="rId11"/>
     <p:sldId id="387" r:id="rId12"/>
-    <p:sldId id="388" r:id="rId13"/>
-    <p:sldId id="378" r:id="rId14"/>
-    <p:sldId id="379" r:id="rId15"/>
-    <p:sldId id="380" r:id="rId16"/>
-    <p:sldId id="381" r:id="rId17"/>
-    <p:sldId id="392" r:id="rId18"/>
-    <p:sldId id="382" r:id="rId19"/>
-    <p:sldId id="383" r:id="rId20"/>
-    <p:sldId id="385" r:id="rId21"/>
-    <p:sldId id="376" r:id="rId22"/>
-    <p:sldId id="394" r:id="rId23"/>
-    <p:sldId id="396" r:id="rId24"/>
-    <p:sldId id="395" r:id="rId25"/>
-    <p:sldId id="397" r:id="rId26"/>
-    <p:sldId id="398" r:id="rId27"/>
-    <p:sldId id="393" r:id="rId28"/>
-    <p:sldId id="400" r:id="rId29"/>
-    <p:sldId id="401" r:id="rId30"/>
-    <p:sldId id="259" r:id="rId31"/>
+    <p:sldId id="404" r:id="rId13"/>
+    <p:sldId id="388" r:id="rId14"/>
+    <p:sldId id="378" r:id="rId15"/>
+    <p:sldId id="402" r:id="rId16"/>
+    <p:sldId id="403" r:id="rId17"/>
+    <p:sldId id="409" r:id="rId18"/>
+    <p:sldId id="405" r:id="rId19"/>
+    <p:sldId id="379" r:id="rId20"/>
+    <p:sldId id="410" r:id="rId21"/>
+    <p:sldId id="406" r:id="rId22"/>
+    <p:sldId id="380" r:id="rId23"/>
+    <p:sldId id="381" r:id="rId24"/>
+    <p:sldId id="392" r:id="rId25"/>
+    <p:sldId id="382" r:id="rId26"/>
+    <p:sldId id="383" r:id="rId27"/>
+    <p:sldId id="385" r:id="rId28"/>
+    <p:sldId id="376" r:id="rId29"/>
+    <p:sldId id="394" r:id="rId30"/>
+    <p:sldId id="396" r:id="rId31"/>
+    <p:sldId id="395" r:id="rId32"/>
+    <p:sldId id="397" r:id="rId33"/>
+    <p:sldId id="398" r:id="rId34"/>
+    <p:sldId id="407" r:id="rId35"/>
+    <p:sldId id="408" r:id="rId36"/>
+    <p:sldId id="411" r:id="rId37"/>
+    <p:sldId id="393" r:id="rId38"/>
+    <p:sldId id="400" r:id="rId39"/>
+    <p:sldId id="401" r:id="rId40"/>
+    <p:sldId id="259" r:id="rId41"/>
   </p:sldIdLst>
   <p:sldSz cx="9144000" cy="6858000" type="screen4x3"/>
   <p:notesSz cx="6858000" cy="9144000"/>
@@ -163,6 +173,22 @@
       </a:defRPr>
     </a:lvl9pPr>
   </p:defaultTextStyle>
+  <p:extLst>
+    <p:ext uri="{EFAFB233-063F-42B5-8137-9DF3F51BA10A}">
+      <p15:sldGuideLst xmlns:p15="http://schemas.microsoft.com/office/powerpoint/2012/main">
+        <p15:guide id="1" orient="horz" pos="2160">
+          <p15:clr>
+            <a:srgbClr val="A4A3A4"/>
+          </p15:clr>
+        </p15:guide>
+        <p15:guide id="2" pos="2880">
+          <p15:clr>
+            <a:srgbClr val="A4A3A4"/>
+          </p15:clr>
+        </p15:guide>
+      </p15:sldGuideLst>
+    </p:ext>
+  </p:extLst>
 </p:presentation>
 </file>
 
@@ -204,7 +230,7 @@
           <a:lstStyle/>
           <a:p>
             <a:r>
-              <a:rPr lang="en-US" smtClean="0"/>
+              <a:rPr lang="en-US"/>
               <a:t>Click to edit Master title style</a:t>
             </a:r>
             <a:endParaRPr lang="fr-CA"/>
@@ -323,7 +349,7 @@
           </a:lstStyle>
           <a:p>
             <a:r>
-              <a:rPr lang="en-US" smtClean="0"/>
+              <a:rPr lang="en-US"/>
               <a:t>Click to edit Master subtitle style</a:t>
             </a:r>
             <a:endParaRPr lang="fr-CA"/>
@@ -357,7 +383,7 @@
               <a:pPr>
                 <a:defRPr/>
               </a:pPr>
-              <a:t>22/02/2015</a:t>
+              <a:t>03/05/2022</a:t>
             </a:fld>
             <a:endParaRPr lang="fr-CA"/>
           </a:p>
@@ -463,7 +489,7 @@
           <a:lstStyle/>
           <a:p>
             <a:r>
-              <a:rPr lang="en-US" smtClean="0"/>
+              <a:rPr lang="en-US"/>
               <a:t>Click to edit Master title style</a:t>
             </a:r>
             <a:endParaRPr lang="fr-CA"/>
@@ -487,35 +513,35 @@
           <a:p>
             <a:pPr lvl="0"/>
             <a:r>
-              <a:rPr lang="en-US" smtClean="0"/>
+              <a:rPr lang="en-US"/>
               <a:t>Click to edit Master text styles</a:t>
             </a:r>
           </a:p>
           <a:p>
             <a:pPr lvl="1"/>
             <a:r>
-              <a:rPr lang="en-US" smtClean="0"/>
+              <a:rPr lang="en-US"/>
               <a:t>Second level</a:t>
             </a:r>
           </a:p>
           <a:p>
             <a:pPr lvl="2"/>
             <a:r>
-              <a:rPr lang="en-US" smtClean="0"/>
+              <a:rPr lang="en-US"/>
               <a:t>Third level</a:t>
             </a:r>
           </a:p>
           <a:p>
             <a:pPr lvl="3"/>
             <a:r>
-              <a:rPr lang="en-US" smtClean="0"/>
+              <a:rPr lang="en-US"/>
               <a:t>Fourth level</a:t>
             </a:r>
           </a:p>
           <a:p>
             <a:pPr lvl="4"/>
             <a:r>
-              <a:rPr lang="en-US" smtClean="0"/>
+              <a:rPr lang="en-US"/>
               <a:t>Fifth level</a:t>
             </a:r>
             <a:endParaRPr lang="fr-CA"/>
@@ -549,7 +575,7 @@
               <a:pPr>
                 <a:defRPr/>
               </a:pPr>
-              <a:t>22/02/2015</a:t>
+              <a:t>03/05/2022</a:t>
             </a:fld>
             <a:endParaRPr lang="fr-CA"/>
           </a:p>
@@ -660,7 +686,7 @@
           <a:lstStyle/>
           <a:p>
             <a:r>
-              <a:rPr lang="en-US" smtClean="0"/>
+              <a:rPr lang="en-US"/>
               <a:t>Click to edit Master title style</a:t>
             </a:r>
             <a:endParaRPr lang="fr-CA"/>
@@ -689,35 +715,35 @@
           <a:p>
             <a:pPr lvl="0"/>
             <a:r>
-              <a:rPr lang="en-US" smtClean="0"/>
+              <a:rPr lang="en-US"/>
               <a:t>Click to edit Master text styles</a:t>
             </a:r>
           </a:p>
           <a:p>
             <a:pPr lvl="1"/>
             <a:r>
-              <a:rPr lang="en-US" smtClean="0"/>
+              <a:rPr lang="en-US"/>
               <a:t>Second level</a:t>
             </a:r>
           </a:p>
           <a:p>
             <a:pPr lvl="2"/>
             <a:r>
-              <a:rPr lang="en-US" smtClean="0"/>
+              <a:rPr lang="en-US"/>
               <a:t>Third level</a:t>
             </a:r>
           </a:p>
           <a:p>
             <a:pPr lvl="3"/>
             <a:r>
-              <a:rPr lang="en-US" smtClean="0"/>
+              <a:rPr lang="en-US"/>
               <a:t>Fourth level</a:t>
             </a:r>
           </a:p>
           <a:p>
             <a:pPr lvl="4"/>
             <a:r>
-              <a:rPr lang="en-US" smtClean="0"/>
+              <a:rPr lang="en-US"/>
               <a:t>Fifth level</a:t>
             </a:r>
             <a:endParaRPr lang="fr-CA"/>
@@ -751,7 +777,7 @@
               <a:pPr>
                 <a:defRPr/>
               </a:pPr>
-              <a:t>22/02/2015</a:t>
+              <a:t>03/05/2022</a:t>
             </a:fld>
             <a:endParaRPr lang="fr-CA"/>
           </a:p>
@@ -857,7 +883,7 @@
           <a:lstStyle/>
           <a:p>
             <a:r>
-              <a:rPr lang="en-US" smtClean="0"/>
+              <a:rPr lang="en-US"/>
               <a:t>Click to edit Master title style</a:t>
             </a:r>
             <a:endParaRPr lang="fr-CA"/>
@@ -881,35 +907,35 @@
           <a:p>
             <a:pPr lvl="0"/>
             <a:r>
-              <a:rPr lang="en-US" smtClean="0"/>
+              <a:rPr lang="en-US"/>
               <a:t>Click to edit Master text styles</a:t>
             </a:r>
           </a:p>
           <a:p>
             <a:pPr lvl="1"/>
             <a:r>
-              <a:rPr lang="en-US" smtClean="0"/>
+              <a:rPr lang="en-US"/>
               <a:t>Second level</a:t>
             </a:r>
           </a:p>
           <a:p>
             <a:pPr lvl="2"/>
             <a:r>
-              <a:rPr lang="en-US" smtClean="0"/>
+              <a:rPr lang="en-US"/>
               <a:t>Third level</a:t>
             </a:r>
           </a:p>
           <a:p>
             <a:pPr lvl="3"/>
             <a:r>
-              <a:rPr lang="en-US" smtClean="0"/>
+              <a:rPr lang="en-US"/>
               <a:t>Fourth level</a:t>
             </a:r>
           </a:p>
           <a:p>
             <a:pPr lvl="4"/>
             <a:r>
-              <a:rPr lang="en-US" smtClean="0"/>
+              <a:rPr lang="en-US"/>
               <a:t>Fifth level</a:t>
             </a:r>
             <a:endParaRPr lang="fr-CA"/>
@@ -943,7 +969,7 @@
               <a:pPr>
                 <a:defRPr/>
               </a:pPr>
-              <a:t>22/02/2015</a:t>
+              <a:t>03/05/2022</a:t>
             </a:fld>
             <a:endParaRPr lang="fr-CA"/>
           </a:p>
@@ -1058,7 +1084,7 @@
           </a:lstStyle>
           <a:p>
             <a:r>
-              <a:rPr lang="en-US" smtClean="0"/>
+              <a:rPr lang="en-US"/>
               <a:t>Click to edit Master title style</a:t>
             </a:r>
             <a:endParaRPr lang="fr-CA"/>
@@ -1178,7 +1204,7 @@
           <a:p>
             <a:pPr lvl="0"/>
             <a:r>
-              <a:rPr lang="en-US" smtClean="0"/>
+              <a:rPr lang="en-US"/>
               <a:t>Click to edit Master text styles</a:t>
             </a:r>
           </a:p>
@@ -1211,7 +1237,7 @@
               <a:pPr>
                 <a:defRPr/>
               </a:pPr>
-              <a:t>22/02/2015</a:t>
+              <a:t>03/05/2022</a:t>
             </a:fld>
             <a:endParaRPr lang="fr-CA"/>
           </a:p>
@@ -1317,7 +1343,7 @@
           <a:lstStyle/>
           <a:p>
             <a:r>
-              <a:rPr lang="en-US" smtClean="0"/>
+              <a:rPr lang="en-US"/>
               <a:t>Click to edit Master title style</a:t>
             </a:r>
             <a:endParaRPr lang="fr-CA"/>
@@ -1374,35 +1400,35 @@
           <a:p>
             <a:pPr lvl="0"/>
             <a:r>
-              <a:rPr lang="en-US" smtClean="0"/>
+              <a:rPr lang="en-US"/>
               <a:t>Click to edit Master text styles</a:t>
             </a:r>
           </a:p>
           <a:p>
             <a:pPr lvl="1"/>
             <a:r>
-              <a:rPr lang="en-US" smtClean="0"/>
+              <a:rPr lang="en-US"/>
               <a:t>Second level</a:t>
             </a:r>
           </a:p>
           <a:p>
             <a:pPr lvl="2"/>
             <a:r>
-              <a:rPr lang="en-US" smtClean="0"/>
+              <a:rPr lang="en-US"/>
               <a:t>Third level</a:t>
             </a:r>
           </a:p>
           <a:p>
             <a:pPr lvl="3"/>
             <a:r>
-              <a:rPr lang="en-US" smtClean="0"/>
+              <a:rPr lang="en-US"/>
               <a:t>Fourth level</a:t>
             </a:r>
           </a:p>
           <a:p>
             <a:pPr lvl="4"/>
             <a:r>
-              <a:rPr lang="en-US" smtClean="0"/>
+              <a:rPr lang="en-US"/>
               <a:t>Fifth level</a:t>
             </a:r>
             <a:endParaRPr lang="fr-CA"/>
@@ -1459,35 +1485,35 @@
           <a:p>
             <a:pPr lvl="0"/>
             <a:r>
-              <a:rPr lang="en-US" smtClean="0"/>
+              <a:rPr lang="en-US"/>
               <a:t>Click to edit Master text styles</a:t>
             </a:r>
           </a:p>
           <a:p>
             <a:pPr lvl="1"/>
             <a:r>
-              <a:rPr lang="en-US" smtClean="0"/>
+              <a:rPr lang="en-US"/>
               <a:t>Second level</a:t>
             </a:r>
           </a:p>
           <a:p>
             <a:pPr lvl="2"/>
             <a:r>
-              <a:rPr lang="en-US" smtClean="0"/>
+              <a:rPr lang="en-US"/>
               <a:t>Third level</a:t>
             </a:r>
           </a:p>
           <a:p>
             <a:pPr lvl="3"/>
             <a:r>
-              <a:rPr lang="en-US" smtClean="0"/>
+              <a:rPr lang="en-US"/>
               <a:t>Fourth level</a:t>
             </a:r>
           </a:p>
           <a:p>
             <a:pPr lvl="4"/>
             <a:r>
-              <a:rPr lang="en-US" smtClean="0"/>
+              <a:rPr lang="en-US"/>
               <a:t>Fifth level</a:t>
             </a:r>
             <a:endParaRPr lang="fr-CA"/>
@@ -1521,7 +1547,7 @@
               <a:pPr>
                 <a:defRPr/>
               </a:pPr>
-              <a:t>22/02/2015</a:t>
+              <a:t>03/05/2022</a:t>
             </a:fld>
             <a:endParaRPr lang="fr-CA"/>
           </a:p>
@@ -1631,7 +1657,7 @@
           </a:lstStyle>
           <a:p>
             <a:r>
-              <a:rPr lang="en-US" smtClean="0"/>
+              <a:rPr lang="en-US"/>
               <a:t>Click to edit Master title style</a:t>
             </a:r>
             <a:endParaRPr lang="fr-CA"/>
@@ -1697,7 +1723,7 @@
           <a:p>
             <a:pPr lvl="0"/>
             <a:r>
-              <a:rPr lang="en-US" smtClean="0"/>
+              <a:rPr lang="en-US"/>
               <a:t>Click to edit Master text styles</a:t>
             </a:r>
           </a:p>
@@ -1753,35 +1779,35 @@
           <a:p>
             <a:pPr lvl="0"/>
             <a:r>
-              <a:rPr lang="en-US" smtClean="0"/>
+              <a:rPr lang="en-US"/>
               <a:t>Click to edit Master text styles</a:t>
             </a:r>
           </a:p>
           <a:p>
             <a:pPr lvl="1"/>
             <a:r>
-              <a:rPr lang="en-US" smtClean="0"/>
+              <a:rPr lang="en-US"/>
               <a:t>Second level</a:t>
             </a:r>
           </a:p>
           <a:p>
             <a:pPr lvl="2"/>
             <a:r>
-              <a:rPr lang="en-US" smtClean="0"/>
+              <a:rPr lang="en-US"/>
               <a:t>Third level</a:t>
             </a:r>
           </a:p>
           <a:p>
             <a:pPr lvl="3"/>
             <a:r>
-              <a:rPr lang="en-US" smtClean="0"/>
+              <a:rPr lang="en-US"/>
               <a:t>Fourth level</a:t>
             </a:r>
           </a:p>
           <a:p>
             <a:pPr lvl="4"/>
             <a:r>
-              <a:rPr lang="en-US" smtClean="0"/>
+              <a:rPr lang="en-US"/>
               <a:t>Fifth level</a:t>
             </a:r>
             <a:endParaRPr lang="fr-CA"/>
@@ -1847,7 +1873,7 @@
           <a:p>
             <a:pPr lvl="0"/>
             <a:r>
-              <a:rPr lang="en-US" smtClean="0"/>
+              <a:rPr lang="en-US"/>
               <a:t>Click to edit Master text styles</a:t>
             </a:r>
           </a:p>
@@ -1903,35 +1929,35 @@
           <a:p>
             <a:pPr lvl="0"/>
             <a:r>
-              <a:rPr lang="en-US" smtClean="0"/>
+              <a:rPr lang="en-US"/>
               <a:t>Click to edit Master text styles</a:t>
             </a:r>
           </a:p>
           <a:p>
             <a:pPr lvl="1"/>
             <a:r>
-              <a:rPr lang="en-US" smtClean="0"/>
+              <a:rPr lang="en-US"/>
               <a:t>Second level</a:t>
             </a:r>
           </a:p>
           <a:p>
             <a:pPr lvl="2"/>
             <a:r>
-              <a:rPr lang="en-US" smtClean="0"/>
+              <a:rPr lang="en-US"/>
               <a:t>Third level</a:t>
             </a:r>
           </a:p>
           <a:p>
             <a:pPr lvl="3"/>
             <a:r>
-              <a:rPr lang="en-US" smtClean="0"/>
+              <a:rPr lang="en-US"/>
               <a:t>Fourth level</a:t>
             </a:r>
           </a:p>
           <a:p>
             <a:pPr lvl="4"/>
             <a:r>
-              <a:rPr lang="en-US" smtClean="0"/>
+              <a:rPr lang="en-US"/>
               <a:t>Fifth level</a:t>
             </a:r>
             <a:endParaRPr lang="fr-CA"/>
@@ -1965,7 +1991,7 @@
               <a:pPr>
                 <a:defRPr/>
               </a:pPr>
-              <a:t>22/02/2015</a:t>
+              <a:t>03/05/2022</a:t>
             </a:fld>
             <a:endParaRPr lang="fr-CA"/>
           </a:p>
@@ -2071,7 +2097,7 @@
           <a:lstStyle/>
           <a:p>
             <a:r>
-              <a:rPr lang="en-US" smtClean="0"/>
+              <a:rPr lang="en-US"/>
               <a:t>Click to edit Master title style</a:t>
             </a:r>
             <a:endParaRPr lang="fr-CA"/>
@@ -2105,7 +2131,7 @@
               <a:pPr>
                 <a:defRPr/>
               </a:pPr>
-              <a:t>22/02/2015</a:t>
+              <a:t>03/05/2022</a:t>
             </a:fld>
             <a:endParaRPr lang="fr-CA"/>
           </a:p>
@@ -2222,7 +2248,7 @@
               <a:pPr>
                 <a:defRPr/>
               </a:pPr>
-              <a:t>22/02/2015</a:t>
+              <a:t>03/05/2022</a:t>
             </a:fld>
             <a:endParaRPr lang="fr-CA"/>
           </a:p>
@@ -2337,7 +2363,7 @@
           </a:lstStyle>
           <a:p>
             <a:r>
-              <a:rPr lang="en-US" smtClean="0"/>
+              <a:rPr lang="en-US"/>
               <a:t>Click to edit Master title style</a:t>
             </a:r>
             <a:endParaRPr lang="fr-CA"/>
@@ -2394,35 +2420,35 @@
           <a:p>
             <a:pPr lvl="0"/>
             <a:r>
-              <a:rPr lang="en-US" smtClean="0"/>
+              <a:rPr lang="en-US"/>
               <a:t>Click to edit Master text styles</a:t>
             </a:r>
           </a:p>
           <a:p>
             <a:pPr lvl="1"/>
             <a:r>
-              <a:rPr lang="en-US" smtClean="0"/>
+              <a:rPr lang="en-US"/>
               <a:t>Second level</a:t>
             </a:r>
           </a:p>
           <a:p>
             <a:pPr lvl="2"/>
             <a:r>
-              <a:rPr lang="en-US" smtClean="0"/>
+              <a:rPr lang="en-US"/>
               <a:t>Third level</a:t>
             </a:r>
           </a:p>
           <a:p>
             <a:pPr lvl="3"/>
             <a:r>
-              <a:rPr lang="en-US" smtClean="0"/>
+              <a:rPr lang="en-US"/>
               <a:t>Fourth level</a:t>
             </a:r>
           </a:p>
           <a:p>
             <a:pPr lvl="4"/>
             <a:r>
-              <a:rPr lang="en-US" smtClean="0"/>
+              <a:rPr lang="en-US"/>
               <a:t>Fifth level</a:t>
             </a:r>
             <a:endParaRPr lang="fr-CA"/>
@@ -2488,7 +2514,7 @@
           <a:p>
             <a:pPr lvl="0"/>
             <a:r>
-              <a:rPr lang="en-US" smtClean="0"/>
+              <a:rPr lang="en-US"/>
               <a:t>Click to edit Master text styles</a:t>
             </a:r>
           </a:p>
@@ -2521,7 +2547,7 @@
               <a:pPr>
                 <a:defRPr/>
               </a:pPr>
-              <a:t>22/02/2015</a:t>
+              <a:t>03/05/2022</a:t>
             </a:fld>
             <a:endParaRPr lang="fr-CA"/>
           </a:p>
@@ -2636,7 +2662,7 @@
           </a:lstStyle>
           <a:p>
             <a:r>
-              <a:rPr lang="en-US" smtClean="0"/>
+              <a:rPr lang="en-US"/>
               <a:t>Click to edit Master title style</a:t>
             </a:r>
             <a:endParaRPr lang="fr-CA"/>
@@ -2704,10 +2730,10 @@
           <a:p>
             <a:pPr lvl="0"/>
             <a:r>
-              <a:rPr lang="en-US" noProof="0" smtClean="0"/>
+              <a:rPr lang="en-US" noProof="0"/>
               <a:t>Click icon to add picture</a:t>
             </a:r>
-            <a:endParaRPr lang="fr-CA" noProof="0" smtClean="0"/>
+            <a:endParaRPr lang="fr-CA" noProof="0"/>
           </a:p>
         </p:txBody>
       </p:sp>
@@ -2770,7 +2796,7 @@
           <a:p>
             <a:pPr lvl="0"/>
             <a:r>
-              <a:rPr lang="en-US" smtClean="0"/>
+              <a:rPr lang="en-US"/>
               <a:t>Click to edit Master text styles</a:t>
             </a:r>
           </a:p>
@@ -2803,7 +2829,7 @@
               <a:pPr>
                 <a:defRPr/>
               </a:pPr>
-              <a:t>22/02/2015</a:t>
+              <a:t>03/05/2022</a:t>
             </a:fld>
             <a:endParaRPr lang="fr-CA"/>
           </a:p>
@@ -2941,10 +2967,10 @@
           <a:p>
             <a:pPr lvl="0"/>
             <a:r>
-              <a:rPr lang="fr-FR" smtClean="0"/>
+              <a:rPr lang="fr-FR"/>
               <a:t>Cliquez pour modifier le style du titre</a:t>
             </a:r>
-            <a:endParaRPr lang="fr-CA" smtClean="0"/>
+            <a:endParaRPr lang="fr-CA"/>
           </a:p>
         </p:txBody>
       </p:sp>
@@ -2984,38 +3010,38 @@
           <a:p>
             <a:pPr lvl="0"/>
             <a:r>
-              <a:rPr lang="fr-FR" smtClean="0"/>
+              <a:rPr lang="fr-FR"/>
               <a:t>Cliquez pour modifier les styles du texte du masque</a:t>
             </a:r>
           </a:p>
           <a:p>
             <a:pPr lvl="1"/>
             <a:r>
-              <a:rPr lang="fr-FR" smtClean="0"/>
+              <a:rPr lang="fr-FR"/>
               <a:t>Deuxième niveau</a:t>
             </a:r>
           </a:p>
           <a:p>
             <a:pPr lvl="2"/>
             <a:r>
-              <a:rPr lang="fr-FR" smtClean="0"/>
+              <a:rPr lang="fr-FR"/>
               <a:t>Troisième niveau</a:t>
             </a:r>
           </a:p>
           <a:p>
             <a:pPr lvl="3"/>
             <a:r>
-              <a:rPr lang="fr-FR" smtClean="0"/>
+              <a:rPr lang="fr-FR"/>
               <a:t>Quatrième niveau</a:t>
             </a:r>
           </a:p>
           <a:p>
             <a:pPr lvl="4"/>
             <a:r>
-              <a:rPr lang="fr-FR" smtClean="0"/>
+              <a:rPr lang="fr-FR"/>
               <a:t>Cinquième niveau</a:t>
             </a:r>
-            <a:endParaRPr lang="fr-CA" smtClean="0"/>
+            <a:endParaRPr lang="fr-CA"/>
           </a:p>
         </p:txBody>
       </p:sp>
@@ -3067,7 +3093,7 @@
               <a:pPr>
                 <a:defRPr/>
               </a:pPr>
-              <a:t>22/02/2015</a:t>
+              <a:t>03/05/2022</a:t>
             </a:fld>
             <a:endParaRPr lang="fr-CA"/>
           </a:p>
@@ -3622,14 +3648,14 @@
           <a:lstStyle/>
           <a:p>
             <a:r>
-              <a:rPr lang="ro-RO" sz="4000" dirty="0" smtClean="0">
+              <a:rPr lang="ro-RO" sz="4000" dirty="0">
                 <a:solidFill>
                   <a:schemeClr val="bg1"/>
                 </a:solidFill>
               </a:rPr>
               <a:t>ElasticSearch</a:t>
             </a:r>
-            <a:endParaRPr lang="fr-CA" sz="3800" dirty="0" smtClean="0">
+            <a:endParaRPr lang="fr-CA" sz="3800" dirty="0">
               <a:solidFill>
                 <a:schemeClr val="bg1"/>
               </a:solidFill>
@@ -3658,7 +3684,7 @@
           <a:lstStyle/>
           <a:p>
             <a:r>
-              <a:rPr lang="fr-CA" sz="2600" dirty="0" smtClean="0">
+              <a:rPr lang="fr-CA" sz="2600" dirty="0">
                 <a:solidFill>
                   <a:schemeClr val="bg1"/>
                 </a:solidFill>
@@ -3673,13 +3699,6 @@
   <p:clrMapOvr>
     <a:masterClrMapping/>
   </p:clrMapOvr>
-  <p:timing>
-    <p:tnLst>
-      <p:par>
-        <p:cTn id="1" dur="indefinite" restart="never" nodeType="tmRoot"/>
-      </p:par>
-    </p:tnLst>
-  </p:timing>
 </p:sld>
 </file>
 
@@ -3734,14 +3753,14 @@
           <a:p>
             <a:pPr lvl="1"/>
             <a:r>
-              <a:rPr lang="ro-RO" dirty="0" smtClean="0">
+              <a:rPr lang="ro-RO" dirty="0">
                 <a:solidFill>
                   <a:schemeClr val="bg1"/>
                 </a:solidFill>
               </a:rPr>
               <a:t>Core (cont.)</a:t>
             </a:r>
-            <a:endParaRPr lang="fr-CA" dirty="0" smtClean="0">
+            <a:endParaRPr lang="fr-CA" dirty="0">
               <a:solidFill>
                 <a:schemeClr val="bg1"/>
               </a:solidFill>
@@ -3770,7 +3789,7 @@
           <a:lstStyle/>
           <a:p>
             <a:r>
-              <a:rPr lang="en-US" sz="1400" dirty="0" err="1" smtClean="0">
+              <a:rPr lang="en-US" sz="1400" dirty="0" err="1">
                 <a:solidFill>
                   <a:srgbClr val="3C5790"/>
                 </a:solidFill>
@@ -3778,7 +3797,7 @@
               <a:t>Elasticsearch</a:t>
             </a:r>
             <a:r>
-              <a:rPr lang="en-US" sz="1400" dirty="0" smtClean="0">
+              <a:rPr lang="en-US" sz="1400" dirty="0">
                 <a:solidFill>
                   <a:srgbClr val="3C5790"/>
                 </a:solidFill>
@@ -3788,7 +3807,7 @@
           </a:p>
           <a:p>
             <a:r>
-              <a:rPr lang="en-US" sz="1400" dirty="0" smtClean="0">
+              <a:rPr lang="en-US" sz="1400" dirty="0">
                 <a:solidFill>
                   <a:srgbClr val="3C5790"/>
                 </a:solidFill>
@@ -3796,7 +3815,7 @@
               <a:t>A node is a running instance of </a:t>
             </a:r>
             <a:r>
-              <a:rPr lang="en-US" sz="1400" dirty="0" err="1" smtClean="0">
+              <a:rPr lang="en-US" sz="1400" dirty="0" err="1">
                 <a:solidFill>
                   <a:srgbClr val="3C5790"/>
                 </a:solidFill>
@@ -3804,7 +3823,7 @@
               <a:t>Elasticsearch</a:t>
             </a:r>
             <a:r>
-              <a:rPr lang="en-US" sz="1400" dirty="0" smtClean="0">
+              <a:rPr lang="en-US" sz="1400" dirty="0">
                 <a:solidFill>
                   <a:srgbClr val="3C5790"/>
                 </a:solidFill>
@@ -3812,7 +3831,7 @@
               <a:t>, while a cluster consists of one or more nodes with the same cluster.name that are working together to share their data and</a:t>
             </a:r>
             <a:r>
-              <a:rPr lang="ro-RO" sz="1400" dirty="0" smtClean="0">
+              <a:rPr lang="ro-RO" sz="1400" dirty="0">
                 <a:solidFill>
                   <a:srgbClr val="3C5790"/>
                 </a:solidFill>
@@ -3820,7 +3839,7 @@
               <a:t> </a:t>
             </a:r>
             <a:r>
-              <a:rPr lang="en-US" sz="1400" dirty="0" smtClean="0">
+              <a:rPr lang="en-US" sz="1400" dirty="0">
                 <a:solidFill>
                   <a:srgbClr val="3C5790"/>
                 </a:solidFill>
@@ -3830,7 +3849,7 @@
           </a:p>
           <a:p>
             <a:r>
-              <a:rPr lang="en-US" sz="1400" dirty="0" smtClean="0">
+              <a:rPr lang="en-US" sz="1400" dirty="0">
                 <a:solidFill>
                   <a:srgbClr val="3C5790"/>
                 </a:solidFill>
@@ -3840,12 +3859,12 @@
           </a:p>
           <a:p>
             <a:r>
-              <a:rPr lang="en-US" sz="1400" dirty="0" smtClean="0">
-                <a:solidFill>
-                  <a:srgbClr val="3C5790"/>
-                </a:solidFill>
-              </a:rPr>
-              <a:t>One node in the cluster is elected to be the master node, which is in charge of managing cluster-wide changes like creating or deleting an index, or adding or removing a node from the cluster.</a:t>
+              <a:rPr lang="en-US" sz="1400" dirty="0">
+                <a:solidFill>
+                  <a:srgbClr val="3C5790"/>
+                </a:solidFill>
+              </a:rPr>
+              <a:t>One node in the cluster is elected to be the master node, which is in charge of managing cluster-wide changes like creating or deleting an index or adding or removing a node from the cluster.</a:t>
             </a:r>
           </a:p>
         </p:txBody>
@@ -3855,13 +3874,6 @@
   <p:clrMapOvr>
     <a:masterClrMapping/>
   </p:clrMapOvr>
-  <p:timing>
-    <p:tnLst>
-      <p:par>
-        <p:cTn id="1" dur="indefinite" restart="never" nodeType="tmRoot"/>
-      </p:par>
-    </p:tnLst>
-  </p:timing>
 </p:sld>
 </file>
 
@@ -3916,14 +3928,14 @@
           <a:p>
             <a:pPr lvl="1"/>
             <a:r>
-              <a:rPr lang="ro-RO" dirty="0" smtClean="0">
+              <a:rPr lang="ro-RO" dirty="0">
                 <a:solidFill>
                   <a:schemeClr val="bg1"/>
                 </a:solidFill>
               </a:rPr>
               <a:t>Core (cont.)</a:t>
             </a:r>
-            <a:endParaRPr lang="fr-CA" dirty="0" smtClean="0">
+            <a:endParaRPr lang="fr-CA" dirty="0">
               <a:solidFill>
                 <a:schemeClr val="bg1"/>
               </a:solidFill>
@@ -3952,7 +3964,7 @@
           <a:lstStyle/>
           <a:p>
             <a:r>
-              <a:rPr lang="en-US" sz="1400" dirty="0" smtClean="0">
+              <a:rPr lang="en-US" sz="1400" dirty="0">
                 <a:solidFill>
                   <a:srgbClr val="3C5790"/>
                 </a:solidFill>
@@ -3960,7 +3972,7 @@
               <a:t>To add data to </a:t>
             </a:r>
             <a:r>
-              <a:rPr lang="en-US" sz="1400" dirty="0" err="1" smtClean="0">
+              <a:rPr lang="en-US" sz="1400" dirty="0" err="1">
                 <a:solidFill>
                   <a:srgbClr val="3C5790"/>
                 </a:solidFill>
@@ -3968,7 +3980,7 @@
               <a:t>Elasticsearch</a:t>
             </a:r>
             <a:r>
-              <a:rPr lang="en-US" sz="1400" dirty="0" smtClean="0">
+              <a:rPr lang="en-US" sz="1400" dirty="0">
                 <a:solidFill>
                   <a:srgbClr val="3C5790"/>
                 </a:solidFill>
@@ -3978,7 +3990,7 @@
           </a:p>
           <a:p>
             <a:r>
-              <a:rPr lang="en-US" sz="1400" dirty="0" smtClean="0">
+              <a:rPr lang="en-US" sz="1400" dirty="0">
                 <a:solidFill>
                   <a:srgbClr val="3C5790"/>
                 </a:solidFill>
@@ -3988,7 +4000,7 @@
           </a:p>
           <a:p>
             <a:r>
-              <a:rPr lang="en-US" sz="1400" dirty="0" smtClean="0">
+              <a:rPr lang="en-US" sz="1400" dirty="0">
                 <a:solidFill>
                   <a:srgbClr val="3C5790"/>
                 </a:solidFill>
@@ -3998,7 +4010,7 @@
           </a:p>
           <a:p>
             <a:r>
-              <a:rPr lang="en-US" sz="1400" dirty="0" smtClean="0">
+              <a:rPr lang="en-US" sz="1400" dirty="0">
                 <a:solidFill>
                   <a:srgbClr val="3C5790"/>
                 </a:solidFill>
@@ -4006,7 +4018,7 @@
               <a:t>Shards are how </a:t>
             </a:r>
             <a:r>
-              <a:rPr lang="en-US" sz="1400" dirty="0" err="1" smtClean="0">
+              <a:rPr lang="en-US" sz="1400" dirty="0" err="1">
                 <a:solidFill>
                   <a:srgbClr val="3C5790"/>
                 </a:solidFill>
@@ -4014,7 +4026,7 @@
               <a:t>Elasticsearch</a:t>
             </a:r>
             <a:r>
-              <a:rPr lang="en-US" sz="1400" dirty="0" smtClean="0">
+              <a:rPr lang="en-US" sz="1400" dirty="0">
                 <a:solidFill>
                   <a:srgbClr val="3C5790"/>
                 </a:solidFill>
@@ -4024,7 +4036,7 @@
           </a:p>
           <a:p>
             <a:r>
-              <a:rPr lang="en-US" sz="1400" dirty="0" smtClean="0">
+              <a:rPr lang="en-US" sz="1400" dirty="0">
                 <a:solidFill>
                   <a:srgbClr val="3C5790"/>
                 </a:solidFill>
@@ -4034,17 +4046,81 @@
           </a:p>
           <a:p>
             <a:r>
-              <a:rPr lang="en-US" sz="1400" dirty="0" smtClean="0">
-                <a:solidFill>
-                  <a:srgbClr val="3C5790"/>
-                </a:solidFill>
-              </a:rPr>
-              <a:t>A shard can be either a primary shard or a replica shard.</a:t>
-            </a:r>
-          </a:p>
-          <a:p>
-            <a:r>
-              <a:rPr lang="en-US" sz="1400" dirty="0" smtClean="0">
+              <a:rPr lang="en-US" sz="1400" dirty="0">
+                <a:solidFill>
+                  <a:srgbClr val="3C5790"/>
+                </a:solidFill>
+              </a:rPr>
+              <a:t>A shard can be either a </a:t>
+            </a:r>
+            <a:r>
+              <a:rPr lang="en-US" sz="1400" b="1" dirty="0">
+                <a:solidFill>
+                  <a:srgbClr val="3C5790"/>
+                </a:solidFill>
+              </a:rPr>
+              <a:t>primary</a:t>
+            </a:r>
+            <a:r>
+              <a:rPr lang="en-US" sz="1400" dirty="0">
+                <a:solidFill>
+                  <a:srgbClr val="3C5790"/>
+                </a:solidFill>
+              </a:rPr>
+              <a:t> </a:t>
+            </a:r>
+            <a:r>
+              <a:rPr lang="en-US" sz="1400" b="1" dirty="0">
+                <a:solidFill>
+                  <a:srgbClr val="3C5790"/>
+                </a:solidFill>
+              </a:rPr>
+              <a:t>shard</a:t>
+            </a:r>
+            <a:r>
+              <a:rPr lang="en-US" sz="1400" dirty="0">
+                <a:solidFill>
+                  <a:srgbClr val="3C5790"/>
+                </a:solidFill>
+              </a:rPr>
+              <a:t> or a </a:t>
+            </a:r>
+            <a:r>
+              <a:rPr lang="en-US" sz="1400" b="1" dirty="0">
+                <a:solidFill>
+                  <a:srgbClr val="3C5790"/>
+                </a:solidFill>
+              </a:rPr>
+              <a:t>replica</a:t>
+            </a:r>
+            <a:r>
+              <a:rPr lang="en-US" sz="1400" dirty="0">
+                <a:solidFill>
+                  <a:srgbClr val="3C5790"/>
+                </a:solidFill>
+              </a:rPr>
+              <a:t> </a:t>
+            </a:r>
+            <a:r>
+              <a:rPr lang="en-US" sz="1400" b="1" dirty="0">
+                <a:solidFill>
+                  <a:srgbClr val="3C5790"/>
+                </a:solidFill>
+              </a:rPr>
+              <a:t>shard</a:t>
+            </a:r>
+            <a:r>
+              <a:rPr lang="en-US" sz="1400" dirty="0">
+                <a:solidFill>
+                  <a:srgbClr val="3C5790"/>
+                </a:solidFill>
+              </a:rPr>
+              <a:t>.</a:t>
+            </a:r>
+          </a:p>
+          <a:p>
+            <a:r>
+              <a:rPr lang="en-US" sz="1400" dirty="0">
                 <a:solidFill>
                   <a:srgbClr val="3C5790"/>
                 </a:solidFill>
@@ -4059,13 +4135,6 @@
   <p:clrMapOvr>
     <a:masterClrMapping/>
   </p:clrMapOvr>
-  <p:timing>
-    <p:tnLst>
-      <p:par>
-        <p:cTn id="1" dur="indefinite" restart="never" nodeType="tmRoot"/>
-      </p:par>
-    </p:tnLst>
-  </p:timing>
 </p:sld>
 </file>
 
@@ -4120,14 +4189,14 @@
           <a:p>
             <a:pPr lvl="1"/>
             <a:r>
-              <a:rPr lang="ro-RO" dirty="0" smtClean="0">
+              <a:rPr lang="ro-RO" dirty="0">
                 <a:solidFill>
                   <a:schemeClr val="bg1"/>
                 </a:solidFill>
               </a:rPr>
               <a:t>Core (cont.)</a:t>
             </a:r>
-            <a:endParaRPr lang="fr-CA" dirty="0" smtClean="0">
+            <a:endParaRPr lang="fr-CA" dirty="0">
               <a:solidFill>
                 <a:schemeClr val="bg1"/>
               </a:solidFill>
@@ -4148,7 +4217,7 @@
         <p:spPr>
           <a:xfrm>
             <a:off x="76200" y="1981200"/>
-            <a:ext cx="8686800" cy="3124200"/>
+            <a:ext cx="8686800" cy="457200"/>
           </a:xfrm>
         </p:spPr>
         <p:txBody>
@@ -4156,183 +4225,56 @@
           <a:lstStyle/>
           <a:p>
             <a:r>
-              <a:rPr lang="en-US" sz="1400" dirty="0" smtClean="0">
-                <a:solidFill>
-                  <a:srgbClr val="3C5790"/>
-                </a:solidFill>
-              </a:rPr>
-              <a:t>In </a:t>
-            </a:r>
-            <a:r>
-              <a:rPr lang="en-US" sz="1400" dirty="0" err="1" smtClean="0">
-                <a:solidFill>
-                  <a:srgbClr val="3C5790"/>
-                </a:solidFill>
-              </a:rPr>
-              <a:t>Elasticsearch</a:t>
-            </a:r>
-            <a:r>
-              <a:rPr lang="en-US" sz="1400" dirty="0" smtClean="0">
-                <a:solidFill>
-                  <a:srgbClr val="3C5790"/>
-                </a:solidFill>
-              </a:rPr>
-              <a:t>, all data in every field is indexed by default.</a:t>
-            </a:r>
-          </a:p>
-          <a:p>
-            <a:r>
-              <a:rPr lang="en-US" sz="1400" dirty="0" smtClean="0">
-                <a:solidFill>
-                  <a:srgbClr val="3C5790"/>
-                </a:solidFill>
-              </a:rPr>
-              <a:t>Most entities or objects in most applications can be serialized into a JSON object, with keys and values.</a:t>
-            </a:r>
-          </a:p>
-          <a:p>
-            <a:r>
-              <a:rPr lang="en-US" sz="1400" dirty="0" smtClean="0">
-                <a:solidFill>
-                  <a:srgbClr val="3C5790"/>
-                </a:solidFill>
-              </a:rPr>
-              <a:t>A document doesn’t consist only of its data because it contains metadata:</a:t>
-            </a:r>
-          </a:p>
-          <a:p>
-            <a:pPr lvl="1"/>
-            <a:r>
-              <a:rPr lang="en-US" sz="1200" b="1" dirty="0" smtClean="0">
-                <a:solidFill>
-                  <a:srgbClr val="3C5790"/>
-                </a:solidFill>
-              </a:rPr>
-              <a:t>_index</a:t>
-            </a:r>
-            <a:r>
-              <a:rPr lang="en-US" sz="1200" dirty="0" smtClean="0">
-                <a:solidFill>
-                  <a:srgbClr val="3C5790"/>
-                </a:solidFill>
-              </a:rPr>
-              <a:t>: Where the document lives.</a:t>
-            </a:r>
-          </a:p>
-          <a:p>
-            <a:pPr lvl="1"/>
-            <a:r>
-              <a:rPr lang="en-US" sz="1200" b="1" dirty="0" smtClean="0">
-                <a:solidFill>
-                  <a:srgbClr val="3C5790"/>
-                </a:solidFill>
-              </a:rPr>
-              <a:t>_type</a:t>
-            </a:r>
-            <a:r>
-              <a:rPr lang="en-US" sz="1200" dirty="0" smtClean="0">
-                <a:solidFill>
-                  <a:srgbClr val="3C5790"/>
-                </a:solidFill>
-              </a:rPr>
-              <a:t>: The class of object that the document represents.</a:t>
-            </a:r>
-          </a:p>
-          <a:p>
-            <a:pPr lvl="1"/>
-            <a:r>
-              <a:rPr lang="en-US" sz="1200" b="1" dirty="0" smtClean="0">
-                <a:solidFill>
-                  <a:srgbClr val="3C5790"/>
-                </a:solidFill>
-              </a:rPr>
-              <a:t>_id</a:t>
-            </a:r>
-            <a:r>
-              <a:rPr lang="en-US" sz="1200" dirty="0" smtClean="0">
-                <a:solidFill>
-                  <a:srgbClr val="3C5790"/>
-                </a:solidFill>
-              </a:rPr>
-              <a:t>: The unique identifier for the document.</a:t>
-            </a:r>
-          </a:p>
-          <a:p>
-            <a:r>
-              <a:rPr lang="en-US" sz="1400" dirty="0" smtClean="0">
-                <a:solidFill>
-                  <a:srgbClr val="3C5790"/>
-                </a:solidFill>
-              </a:rPr>
-              <a:t>An index is like a “database” in a relational database — it’s the place we store and index related data.</a:t>
-            </a:r>
-          </a:p>
-          <a:p>
-            <a:r>
-              <a:rPr lang="en-US" sz="1400" dirty="0" smtClean="0">
-                <a:solidFill>
-                  <a:srgbClr val="3C5790"/>
-                </a:solidFill>
-              </a:rPr>
-              <a:t>In </a:t>
-            </a:r>
-            <a:r>
-              <a:rPr lang="en-US" sz="1400" dirty="0" err="1" smtClean="0">
-                <a:solidFill>
-                  <a:srgbClr val="3C5790"/>
-                </a:solidFill>
-              </a:rPr>
-              <a:t>Elasticsearch</a:t>
-            </a:r>
-            <a:r>
-              <a:rPr lang="en-US" sz="1400" dirty="0" smtClean="0">
-                <a:solidFill>
-                  <a:srgbClr val="3C5790"/>
-                </a:solidFill>
-              </a:rPr>
-              <a:t> the type attribute for documents represent the same class of “thing”, because they share the same data structure.</a:t>
-            </a:r>
-          </a:p>
-          <a:p>
-            <a:r>
-              <a:rPr lang="en-US" sz="1400" dirty="0" smtClean="0">
-                <a:solidFill>
-                  <a:srgbClr val="3C5790"/>
-                </a:solidFill>
-              </a:rPr>
-              <a:t>The id is a string that, when combined with the _index and _type, uniquely identifies a document in </a:t>
-            </a:r>
-            <a:r>
-              <a:rPr lang="en-US" sz="1400" dirty="0" err="1" smtClean="0">
-                <a:solidFill>
-                  <a:srgbClr val="3C5790"/>
-                </a:solidFill>
-              </a:rPr>
-              <a:t>Elasticsearch</a:t>
-            </a:r>
-            <a:r>
-              <a:rPr lang="en-US" sz="1400" dirty="0" smtClean="0">
-                <a:solidFill>
-                  <a:srgbClr val="3C5790"/>
-                </a:solidFill>
-              </a:rPr>
-              <a:t>.</a:t>
-            </a:r>
-          </a:p>
-        </p:txBody>
-      </p:sp>
+              <a:rPr lang="en-US" sz="1400" dirty="0">
+                <a:solidFill>
+                  <a:srgbClr val="3C5790"/>
+                </a:solidFill>
+              </a:rPr>
+              <a:t>Elasticsearch distributes data around the cluster.</a:t>
+            </a:r>
+          </a:p>
+        </p:txBody>
+      </p:sp>
+      <p:pic>
+        <p:nvPicPr>
+          <p:cNvPr id="4" name="Picture 3">
+            <a:extLst>
+              <a:ext uri="{FF2B5EF4-FFF2-40B4-BE49-F238E27FC236}">
+                <a16:creationId xmlns:a16="http://schemas.microsoft.com/office/drawing/2014/main" id="{3E4E6248-9D18-42C4-84A3-BD497671AC43}"/>
+              </a:ext>
+            </a:extLst>
+          </p:cNvPr>
+          <p:cNvPicPr>
+            <a:picLocks noChangeAspect="1"/>
+          </p:cNvPicPr>
+          <p:nvPr/>
+        </p:nvPicPr>
+        <p:blipFill>
+          <a:blip r:embed="rId3"/>
+          <a:stretch>
+            <a:fillRect/>
+          </a:stretch>
+        </p:blipFill>
+        <p:spPr>
+          <a:xfrm>
+            <a:off x="838200" y="2667000"/>
+            <a:ext cx="7653338" cy="3313283"/>
+          </a:xfrm>
+          <a:prstGeom prst="rect">
+            <a:avLst/>
+          </a:prstGeom>
+        </p:spPr>
+      </p:pic>
     </p:spTree>
+    <p:extLst>
+      <p:ext uri="{BB962C8B-B14F-4D97-AF65-F5344CB8AC3E}">
+        <p14:creationId xmlns:p14="http://schemas.microsoft.com/office/powerpoint/2010/main" val="4042474848"/>
+      </p:ext>
+    </p:extLst>
   </p:cSld>
   <p:clrMapOvr>
     <a:masterClrMapping/>
   </p:clrMapOvr>
-  <p:timing>
-    <p:tnLst>
-      <p:par>
-        <p:cTn id="1" dur="indefinite" restart="never" nodeType="tmRoot"/>
-      </p:par>
-    </p:tnLst>
-  </p:timing>
 </p:sld>
 </file>
 
@@ -4387,14 +4329,274 @@
           <a:p>
             <a:pPr lvl="1"/>
             <a:r>
-              <a:rPr lang="ro-RO" dirty="0" smtClean="0">
+              <a:rPr lang="ro-RO" dirty="0">
                 <a:solidFill>
                   <a:schemeClr val="bg1"/>
                 </a:solidFill>
               </a:rPr>
+              <a:t>Core (cont.)</a:t>
+            </a:r>
+            <a:endParaRPr lang="fr-CA" dirty="0">
+              <a:solidFill>
+                <a:schemeClr val="bg1"/>
+              </a:solidFill>
+            </a:endParaRPr>
+          </a:p>
+        </p:txBody>
+      </p:sp>
+      <p:sp>
+        <p:nvSpPr>
+          <p:cNvPr id="4099" name="Espace réservé du contenu 4"/>
+          <p:cNvSpPr>
+            <a:spLocks noGrp="1"/>
+          </p:cNvSpPr>
+          <p:nvPr>
+            <p:ph idx="1"/>
+          </p:nvPr>
+        </p:nvSpPr>
+        <p:spPr>
+          <a:xfrm>
+            <a:off x="76200" y="1981200"/>
+            <a:ext cx="8686800" cy="3124200"/>
+          </a:xfrm>
+        </p:spPr>
+        <p:txBody>
+          <a:bodyPr/>
+          <a:lstStyle/>
+          <a:p>
+            <a:r>
+              <a:rPr lang="en-US" sz="1400" dirty="0">
+                <a:solidFill>
+                  <a:srgbClr val="3C5790"/>
+                </a:solidFill>
+              </a:rPr>
+              <a:t>In </a:t>
+            </a:r>
+            <a:r>
+              <a:rPr lang="en-US" sz="1400" dirty="0" err="1">
+                <a:solidFill>
+                  <a:srgbClr val="3C5790"/>
+                </a:solidFill>
+              </a:rPr>
+              <a:t>Elasticsearch</a:t>
+            </a:r>
+            <a:r>
+              <a:rPr lang="en-US" sz="1400" dirty="0">
+                <a:solidFill>
+                  <a:srgbClr val="3C5790"/>
+                </a:solidFill>
+              </a:rPr>
+              <a:t>, all data in every field is indexed by default.</a:t>
+            </a:r>
+          </a:p>
+          <a:p>
+            <a:r>
+              <a:rPr lang="en-US" sz="1400" dirty="0">
+                <a:solidFill>
+                  <a:srgbClr val="3C5790"/>
+                </a:solidFill>
+              </a:rPr>
+              <a:t>Most entities or objects in most applications can be serialized into a JSON object, with keys and values.</a:t>
+            </a:r>
+          </a:p>
+          <a:p>
+            <a:r>
+              <a:rPr lang="en-US" sz="1400" dirty="0">
+                <a:solidFill>
+                  <a:srgbClr val="3C5790"/>
+                </a:solidFill>
+              </a:rPr>
+              <a:t>A document doesn’t consist only of its data because it contains metadata:</a:t>
+            </a:r>
+          </a:p>
+          <a:p>
+            <a:pPr lvl="1"/>
+            <a:r>
+              <a:rPr lang="en-US" sz="1200" b="1" dirty="0">
+                <a:solidFill>
+                  <a:srgbClr val="3C5790"/>
+                </a:solidFill>
+              </a:rPr>
+              <a:t>_index</a:t>
+            </a:r>
+            <a:r>
+              <a:rPr lang="en-US" sz="1200" dirty="0">
+                <a:solidFill>
+                  <a:srgbClr val="3C5790"/>
+                </a:solidFill>
+              </a:rPr>
+              <a:t>: Where the document lives.</a:t>
+            </a:r>
+          </a:p>
+          <a:p>
+            <a:pPr lvl="1"/>
+            <a:r>
+              <a:rPr lang="en-US" sz="1200" b="1" dirty="0">
+                <a:solidFill>
+                  <a:srgbClr val="3C5790"/>
+                </a:solidFill>
+              </a:rPr>
+              <a:t>_type</a:t>
+            </a:r>
+            <a:r>
+              <a:rPr lang="en-US" sz="1200" dirty="0">
+                <a:solidFill>
+                  <a:srgbClr val="3C5790"/>
+                </a:solidFill>
+              </a:rPr>
+              <a:t>: The class of object that the document represents.</a:t>
+            </a:r>
+          </a:p>
+          <a:p>
+            <a:pPr lvl="1"/>
+            <a:r>
+              <a:rPr lang="en-US" sz="1200" b="1" dirty="0">
+                <a:solidFill>
+                  <a:srgbClr val="3C5790"/>
+                </a:solidFill>
+              </a:rPr>
+              <a:t>_id</a:t>
+            </a:r>
+            <a:r>
+              <a:rPr lang="en-US" sz="1200" dirty="0">
+                <a:solidFill>
+                  <a:srgbClr val="3C5790"/>
+                </a:solidFill>
+              </a:rPr>
+              <a:t>: The unique identifier for the document.</a:t>
+            </a:r>
+          </a:p>
+          <a:p>
+            <a:r>
+              <a:rPr lang="en-US" sz="1400" dirty="0">
+                <a:solidFill>
+                  <a:srgbClr val="3C5790"/>
+                </a:solidFill>
+              </a:rPr>
+              <a:t>An index is like a “database” in a relational database — it’s the place we store, and index related data.</a:t>
+            </a:r>
+          </a:p>
+          <a:p>
+            <a:r>
+              <a:rPr lang="en-US" sz="1400" dirty="0">
+                <a:solidFill>
+                  <a:srgbClr val="3C5790"/>
+                </a:solidFill>
+              </a:rPr>
+              <a:t>In </a:t>
+            </a:r>
+            <a:r>
+              <a:rPr lang="en-US" sz="1400" dirty="0" err="1">
+                <a:solidFill>
+                  <a:srgbClr val="3C5790"/>
+                </a:solidFill>
+              </a:rPr>
+              <a:t>Elasticsearch</a:t>
+            </a:r>
+            <a:r>
+              <a:rPr lang="en-US" sz="1400" dirty="0">
+                <a:solidFill>
+                  <a:srgbClr val="3C5790"/>
+                </a:solidFill>
+              </a:rPr>
+              <a:t> the type attribute for documents represent the same class of “thing”, because they share the same data structure.</a:t>
+            </a:r>
+          </a:p>
+          <a:p>
+            <a:r>
+              <a:rPr lang="en-US" sz="1400" dirty="0">
+                <a:solidFill>
+                  <a:srgbClr val="3C5790"/>
+                </a:solidFill>
+              </a:rPr>
+              <a:t>The id is a string that, when combined with the _index and _type, uniquely identifies a document in </a:t>
+            </a:r>
+            <a:r>
+              <a:rPr lang="en-US" sz="1400" dirty="0" err="1">
+                <a:solidFill>
+                  <a:srgbClr val="3C5790"/>
+                </a:solidFill>
+              </a:rPr>
+              <a:t>Elasticsearch</a:t>
+            </a:r>
+            <a:r>
+              <a:rPr lang="en-US" sz="1400" dirty="0">
+                <a:solidFill>
+                  <a:srgbClr val="3C5790"/>
+                </a:solidFill>
+              </a:rPr>
+              <a:t>.</a:t>
+            </a:r>
+          </a:p>
+        </p:txBody>
+      </p:sp>
+    </p:spTree>
+  </p:cSld>
+  <p:clrMapOvr>
+    <a:masterClrMapping/>
+  </p:clrMapOvr>
+</p:sld>
+</file>
+
+<file path=ppt/slides/slide14.xml><?xml version="1.0" encoding="utf-8"?>
+<p:sld xmlns:a="http://schemas.openxmlformats.org/drawingml/2006/main" xmlns:r="http://schemas.openxmlformats.org/officeDocument/2006/relationships" xmlns:p="http://schemas.openxmlformats.org/presentationml/2006/main">
+  <p:cSld>
+    <p:bg>
+      <p:bgPr>
+        <a:blipFill dpi="0" rotWithShape="0">
+          <a:blip r:embed="rId2" cstate="print"/>
+          <a:srcRect/>
+          <a:stretch>
+            <a:fillRect/>
+          </a:stretch>
+        </a:blipFill>
+        <a:effectLst/>
+      </p:bgPr>
+    </p:bg>
+    <p:spTree>
+      <p:nvGrpSpPr>
+        <p:cNvPr id="1" name=""/>
+        <p:cNvGrpSpPr/>
+        <p:nvPr/>
+      </p:nvGrpSpPr>
+      <p:grpSpPr>
+        <a:xfrm>
+          <a:off x="0" y="0"/>
+          <a:ext cx="0" cy="0"/>
+          <a:chOff x="0" y="0"/>
+          <a:chExt cx="0" cy="0"/>
+        </a:xfrm>
+      </p:grpSpPr>
+      <p:sp>
+        <p:nvSpPr>
+          <p:cNvPr id="4098" name="Titre 3"/>
+          <p:cNvSpPr>
+            <a:spLocks noGrp="1"/>
+          </p:cNvSpPr>
+          <p:nvPr>
+            <p:ph type="title"/>
+          </p:nvPr>
+        </p:nvSpPr>
+        <p:spPr>
+          <a:xfrm>
+            <a:off x="228600" y="274638"/>
+            <a:ext cx="8686800" cy="1143000"/>
+          </a:xfrm>
+        </p:spPr>
+        <p:txBody>
+          <a:bodyPr/>
+          <a:lstStyle/>
+          <a:p>
+            <a:pPr lvl="1"/>
+            <a:r>
+              <a:rPr lang="ro-RO" dirty="0">
+                <a:solidFill>
+                  <a:schemeClr val="bg1"/>
+                </a:solidFill>
+              </a:rPr>
               <a:t>REST API</a:t>
             </a:r>
-            <a:endParaRPr lang="fr-CA" dirty="0" smtClean="0">
+            <a:endParaRPr lang="fr-CA" dirty="0">
               <a:solidFill>
                 <a:schemeClr val="bg1"/>
               </a:solidFill>
@@ -4423,7 +4625,7 @@
           <a:lstStyle/>
           <a:p>
             <a:r>
-              <a:rPr lang="en-US" sz="1400" dirty="0" smtClean="0">
+              <a:rPr lang="en-US" sz="1400" dirty="0">
                 <a:solidFill>
                   <a:srgbClr val="3C5790"/>
                 </a:solidFill>
@@ -4431,7 +4633,7 @@
               <a:t>In </a:t>
             </a:r>
             <a:r>
-              <a:rPr lang="en-US" sz="1400" dirty="0" err="1" smtClean="0">
+              <a:rPr lang="en-US" sz="1400" dirty="0" err="1">
                 <a:solidFill>
                   <a:srgbClr val="3C5790"/>
                 </a:solidFill>
@@ -4439,7 +4641,7 @@
               <a:t>Elasticsearch</a:t>
             </a:r>
             <a:r>
-              <a:rPr lang="en-US" sz="1400" dirty="0" smtClean="0">
+              <a:rPr lang="en-US" sz="1400" dirty="0">
                 <a:solidFill>
                   <a:srgbClr val="3C5790"/>
                 </a:solidFill>
@@ -4447,7 +4649,7 @@
               <a:t> we can store information using the </a:t>
             </a:r>
             <a:r>
-              <a:rPr lang="en-US" sz="1400" b="1" dirty="0" smtClean="0">
+              <a:rPr lang="en-US" sz="1400" b="1" dirty="0">
                 <a:solidFill>
                   <a:srgbClr val="3C5790"/>
                 </a:solidFill>
@@ -4455,14 +4657,14 @@
               <a:t>PUT</a:t>
             </a:r>
             <a:r>
-              <a:rPr lang="en-US" sz="1400" dirty="0" smtClean="0">
+              <a:rPr lang="en-US" sz="1400" dirty="0">
                 <a:solidFill>
                   <a:srgbClr val="3C5790"/>
                 </a:solidFill>
               </a:rPr>
               <a:t> HTTP request.</a:t>
             </a:r>
-            <a:endParaRPr lang="ro-RO" sz="1400" dirty="0" smtClean="0">
+            <a:endParaRPr lang="ro-RO" sz="1400" dirty="0">
               <a:solidFill>
                 <a:srgbClr val="3C5790"/>
               </a:solidFill>
@@ -4470,7 +4672,7 @@
           </a:p>
           <a:p>
             <a:r>
-              <a:rPr lang="en-US" sz="1400" dirty="0" smtClean="0">
+              <a:rPr lang="en-US" sz="1400" dirty="0">
                 <a:solidFill>
                   <a:srgbClr val="3C5790"/>
                 </a:solidFill>
@@ -4478,7 +4680,7 @@
               <a:t>curl -XPUT http://localhost:9200/blog/article/1 -d '{"title": "New version of </a:t>
             </a:r>
             <a:r>
-              <a:rPr lang="en-US" sz="1400" dirty="0" err="1" smtClean="0">
+              <a:rPr lang="en-US" sz="1400" dirty="0" err="1">
                 <a:solidFill>
                   <a:srgbClr val="3C5790"/>
                 </a:solidFill>
@@ -4486,7 +4688,7 @@
               <a:t>Elasticsearch</a:t>
             </a:r>
             <a:r>
-              <a:rPr lang="en-US" sz="1400" dirty="0" smtClean="0">
+              <a:rPr lang="en-US" sz="1400" dirty="0">
                 <a:solidFill>
                   <a:srgbClr val="3C5790"/>
                 </a:solidFill>
@@ -4494,7 +4696,7 @@
               <a:t> released!", "content": "Version 1.0 released today!", "tags": ["announce", "</a:t>
             </a:r>
             <a:r>
-              <a:rPr lang="en-US" sz="1400" dirty="0" err="1" smtClean="0">
+              <a:rPr lang="en-US" sz="1400" dirty="0" err="1">
                 <a:solidFill>
                   <a:srgbClr val="3C5790"/>
                 </a:solidFill>
@@ -4502,7 +4704,7 @@
               <a:t>elasticsearch</a:t>
             </a:r>
             <a:r>
-              <a:rPr lang="en-US" sz="1400" dirty="0" smtClean="0">
+              <a:rPr lang="en-US" sz="1400" dirty="0">
                 <a:solidFill>
                   <a:srgbClr val="3C5790"/>
                 </a:solidFill>
@@ -4512,7 +4714,7 @@
           </a:p>
           <a:p>
             <a:r>
-              <a:rPr lang="ro-RO" sz="1400" dirty="0" smtClean="0">
+              <a:rPr lang="ro-RO" sz="1400" dirty="0">
                 <a:solidFill>
                   <a:srgbClr val="3C5790"/>
                 </a:solidFill>
@@ -4520,7 +4722,7 @@
               <a:t>We can retrieve the stored information using the </a:t>
             </a:r>
             <a:r>
-              <a:rPr lang="ro-RO" sz="1400" b="1" dirty="0" smtClean="0">
+              <a:rPr lang="ro-RO" sz="1400" b="1" dirty="0">
                 <a:solidFill>
                   <a:srgbClr val="3C5790"/>
                 </a:solidFill>
@@ -4528,7 +4730,7 @@
               <a:t>GET</a:t>
             </a:r>
             <a:r>
-              <a:rPr lang="ro-RO" sz="1400" dirty="0" smtClean="0">
+              <a:rPr lang="ro-RO" sz="1400" dirty="0">
                 <a:solidFill>
                   <a:srgbClr val="3C5790"/>
                 </a:solidFill>
@@ -4538,14 +4740,14 @@
           </a:p>
           <a:p>
             <a:r>
-              <a:rPr lang="en-US" sz="1400" dirty="0" smtClean="0">
+              <a:rPr lang="en-US" sz="1400" dirty="0">
                 <a:solidFill>
                   <a:srgbClr val="3C5790"/>
                 </a:solidFill>
               </a:rPr>
               <a:t>curl -XGET http://localhost:9200/blog/article/1</a:t>
             </a:r>
-            <a:endParaRPr lang="ro-RO" sz="1400" dirty="0" smtClean="0">
+            <a:endParaRPr lang="ro-RO" sz="1400" dirty="0">
               <a:solidFill>
                 <a:srgbClr val="3C5790"/>
               </a:solidFill>
@@ -4553,15 +4755,15 @@
           </a:p>
           <a:p>
             <a:r>
-              <a:rPr lang="ro-RO" sz="1400" dirty="0" smtClean="0">
-                <a:solidFill>
-                  <a:srgbClr val="3C5790"/>
-                </a:solidFill>
-              </a:rPr>
-              <a:t>In order to delete the document the </a:t>
-            </a:r>
-            <a:r>
-              <a:rPr lang="ro-RO" sz="1400" b="1" dirty="0" smtClean="0">
+              <a:rPr lang="ro-RO" sz="1400" dirty="0">
+                <a:solidFill>
+                  <a:srgbClr val="3C5790"/>
+                </a:solidFill>
+              </a:rPr>
+              <a:t>In order to delete the document, the </a:t>
+            </a:r>
+            <a:r>
+              <a:rPr lang="ro-RO" sz="1400" b="1" dirty="0">
                 <a:solidFill>
                   <a:srgbClr val="3C5790"/>
                 </a:solidFill>
@@ -4569,7 +4771,7 @@
               <a:t>DELETE</a:t>
             </a:r>
             <a:r>
-              <a:rPr lang="ro-RO" sz="1400" dirty="0" smtClean="0">
+              <a:rPr lang="ro-RO" sz="1400" dirty="0">
                 <a:solidFill>
                   <a:srgbClr val="3C5790"/>
                 </a:solidFill>
@@ -4579,7 +4781,7 @@
           </a:p>
           <a:p>
             <a:r>
-              <a:rPr lang="en-US" sz="1400" dirty="0" smtClean="0">
+              <a:rPr lang="en-US" sz="1400" dirty="0">
                 <a:solidFill>
                   <a:srgbClr val="3C5790"/>
                 </a:solidFill>
@@ -4626,17 +4828,10 @@
   <p:clrMapOvr>
     <a:masterClrMapping/>
   </p:clrMapOvr>
-  <p:timing>
-    <p:tnLst>
-      <p:par>
-        <p:cTn id="1" dur="indefinite" restart="never" nodeType="tmRoot"/>
-      </p:par>
-    </p:tnLst>
-  </p:timing>
 </p:sld>
 </file>
 
-<file path=ppt/slides/slide14.xml><?xml version="1.0" encoding="utf-8"?>
+<file path=ppt/slides/slide15.xml><?xml version="1.0" encoding="utf-8"?>
 <p:sld xmlns:a="http://schemas.openxmlformats.org/drawingml/2006/main" xmlns:r="http://schemas.openxmlformats.org/officeDocument/2006/relationships" xmlns:p="http://schemas.openxmlformats.org/presentationml/2006/main">
   <p:cSld>
     <p:bg>
@@ -4687,14 +4882,280 @@
           <a:p>
             <a:pPr lvl="1"/>
             <a:r>
-              <a:rPr lang="ro-RO" dirty="0" smtClean="0">
+              <a:rPr lang="ro-RO" dirty="0">
                 <a:solidFill>
                   <a:schemeClr val="bg1"/>
                 </a:solidFill>
               </a:rPr>
-              <a:t>REST API (cont.)</a:t>
-            </a:r>
-            <a:endParaRPr lang="fr-CA" dirty="0" smtClean="0">
+              <a:t>REST API</a:t>
+            </a:r>
+            <a:r>
+              <a:rPr lang="en-US" dirty="0">
+                <a:solidFill>
+                  <a:schemeClr val="bg1"/>
+                </a:solidFill>
+              </a:rPr>
+              <a:t> (cont.)</a:t>
+            </a:r>
+            <a:endParaRPr lang="fr-CA" dirty="0">
+              <a:solidFill>
+                <a:schemeClr val="bg1"/>
+              </a:solidFill>
+            </a:endParaRPr>
+          </a:p>
+        </p:txBody>
+      </p:sp>
+      <p:sp>
+        <p:nvSpPr>
+          <p:cNvPr id="4099" name="Espace réservé du contenu 4"/>
+          <p:cNvSpPr>
+            <a:spLocks noGrp="1"/>
+          </p:cNvSpPr>
+          <p:nvPr>
+            <p:ph idx="1"/>
+          </p:nvPr>
+        </p:nvSpPr>
+        <p:spPr>
+          <a:xfrm>
+            <a:off x="76200" y="1981200"/>
+            <a:ext cx="8686800" cy="1905000"/>
+          </a:xfrm>
+        </p:spPr>
+        <p:txBody>
+          <a:bodyPr/>
+          <a:lstStyle/>
+          <a:p>
+            <a:r>
+              <a:rPr lang="en-US" sz="1400" dirty="0">
+                <a:solidFill>
+                  <a:srgbClr val="3C5790"/>
+                </a:solidFill>
+              </a:rPr>
+              <a:t>In order to check if a document exists from an index, we need to use </a:t>
+            </a:r>
+            <a:r>
+              <a:rPr lang="en-US" sz="1400" b="1" dirty="0">
+                <a:solidFill>
+                  <a:srgbClr val="3C5790"/>
+                </a:solidFill>
+              </a:rPr>
+              <a:t>HEAD </a:t>
+            </a:r>
+            <a:r>
+              <a:rPr lang="en-US" sz="1400" dirty="0">
+                <a:solidFill>
+                  <a:srgbClr val="3C5790"/>
+                </a:solidFill>
+              </a:rPr>
+              <a:t>/blog/article/1.</a:t>
+            </a:r>
+          </a:p>
+          <a:p>
+            <a:r>
+              <a:rPr lang="en-US" sz="1400" dirty="0">
+                <a:solidFill>
+                  <a:srgbClr val="3C5790"/>
+                </a:solidFill>
+              </a:rPr>
+              <a:t>In Elasticsearch documents are </a:t>
+            </a:r>
+            <a:r>
+              <a:rPr lang="en-US" sz="1400" b="1" dirty="0">
+                <a:solidFill>
+                  <a:srgbClr val="3C5790"/>
+                </a:solidFill>
+              </a:rPr>
+              <a:t>immutable</a:t>
+            </a:r>
+            <a:r>
+              <a:rPr lang="en-US" sz="1400" dirty="0">
+                <a:solidFill>
+                  <a:srgbClr val="3C5790"/>
+                </a:solidFill>
+              </a:rPr>
+              <a:t>.</a:t>
+            </a:r>
+          </a:p>
+          <a:p>
+            <a:r>
+              <a:rPr lang="en-US" sz="1400" dirty="0">
+                <a:solidFill>
+                  <a:srgbClr val="3C5790"/>
+                </a:solidFill>
+              </a:rPr>
+              <a:t>Every time the document is updated, the </a:t>
+            </a:r>
+            <a:r>
+              <a:rPr lang="en-US" sz="1400" b="1" dirty="0">
+                <a:solidFill>
+                  <a:srgbClr val="3C5790"/>
+                </a:solidFill>
+              </a:rPr>
+              <a:t>_version</a:t>
+            </a:r>
+            <a:r>
+              <a:rPr lang="en-US" sz="1400" dirty="0">
+                <a:solidFill>
+                  <a:srgbClr val="3C5790"/>
+                </a:solidFill>
+              </a:rPr>
+              <a:t> meta field is increased.</a:t>
+            </a:r>
+          </a:p>
+          <a:p>
+            <a:r>
+              <a:rPr lang="en-US" sz="1400" dirty="0">
+                <a:solidFill>
+                  <a:srgbClr val="3C5790"/>
+                </a:solidFill>
+              </a:rPr>
+              <a:t>In order to update a document, we need to use </a:t>
+            </a:r>
+            <a:r>
+              <a:rPr lang="en-US" sz="1400" b="1" dirty="0">
+                <a:solidFill>
+                  <a:srgbClr val="3C5790"/>
+                </a:solidFill>
+              </a:rPr>
+              <a:t>POST</a:t>
+            </a:r>
+            <a:r>
+              <a:rPr lang="en-US" sz="1400" dirty="0">
+                <a:solidFill>
+                  <a:srgbClr val="3C5790"/>
+                </a:solidFill>
+              </a:rPr>
+              <a:t> method using the </a:t>
+            </a:r>
+            <a:r>
+              <a:rPr lang="en-US" sz="1400" b="1" dirty="0">
+                <a:solidFill>
+                  <a:srgbClr val="3C5790"/>
+                </a:solidFill>
+              </a:rPr>
+              <a:t>_update</a:t>
+            </a:r>
+            <a:r>
+              <a:rPr lang="en-US" sz="1400" dirty="0">
+                <a:solidFill>
+                  <a:srgbClr val="3C5790"/>
+                </a:solidFill>
+              </a:rPr>
+              <a:t> at the end of the URL.</a:t>
+            </a:r>
+          </a:p>
+          <a:p>
+            <a:r>
+              <a:rPr lang="en-US" sz="1400" dirty="0" err="1">
+                <a:solidFill>
+                  <a:srgbClr val="3C5790"/>
+                </a:solidFill>
+              </a:rPr>
+              <a:t>Elasticseach</a:t>
+            </a:r>
+            <a:r>
+              <a:rPr lang="en-US" sz="1400" dirty="0">
+                <a:solidFill>
+                  <a:srgbClr val="3C5790"/>
+                </a:solidFill>
+              </a:rPr>
+              <a:t> reads the document, updates the changed field (or can add/remove other fields), then re-index the document increasing the version.</a:t>
+            </a:r>
+            <a:endParaRPr lang="en-US" sz="1400" u="sng" dirty="0">
+              <a:solidFill>
+                <a:srgbClr val="3C5790"/>
+              </a:solidFill>
+            </a:endParaRPr>
+          </a:p>
+          <a:p>
+            <a:endParaRPr lang="en-US" sz="1400" dirty="0">
+              <a:solidFill>
+                <a:srgbClr val="3C5790"/>
+              </a:solidFill>
+            </a:endParaRPr>
+          </a:p>
+        </p:txBody>
+      </p:sp>
+    </p:spTree>
+    <p:extLst>
+      <p:ext uri="{BB962C8B-B14F-4D97-AF65-F5344CB8AC3E}">
+        <p14:creationId xmlns:p14="http://schemas.microsoft.com/office/powerpoint/2010/main" val="2321846933"/>
+      </p:ext>
+    </p:extLst>
+  </p:cSld>
+  <p:clrMapOvr>
+    <a:masterClrMapping/>
+  </p:clrMapOvr>
+</p:sld>
+</file>
+
+<file path=ppt/slides/slide16.xml><?xml version="1.0" encoding="utf-8"?>
+<p:sld xmlns:a="http://schemas.openxmlformats.org/drawingml/2006/main" xmlns:r="http://schemas.openxmlformats.org/officeDocument/2006/relationships" xmlns:p="http://schemas.openxmlformats.org/presentationml/2006/main">
+  <p:cSld>
+    <p:bg>
+      <p:bgPr>
+        <a:blipFill dpi="0" rotWithShape="0">
+          <a:blip r:embed="rId2" cstate="print"/>
+          <a:srcRect/>
+          <a:stretch>
+            <a:fillRect/>
+          </a:stretch>
+        </a:blipFill>
+        <a:effectLst/>
+      </p:bgPr>
+    </p:bg>
+    <p:spTree>
+      <p:nvGrpSpPr>
+        <p:cNvPr id="1" name=""/>
+        <p:cNvGrpSpPr/>
+        <p:nvPr/>
+      </p:nvGrpSpPr>
+      <p:grpSpPr>
+        <a:xfrm>
+          <a:off x="0" y="0"/>
+          <a:ext cx="0" cy="0"/>
+          <a:chOff x="0" y="0"/>
+          <a:chExt cx="0" cy="0"/>
+        </a:xfrm>
+      </p:grpSpPr>
+      <p:sp>
+        <p:nvSpPr>
+          <p:cNvPr id="4098" name="Titre 3"/>
+          <p:cNvSpPr>
+            <a:spLocks noGrp="1"/>
+          </p:cNvSpPr>
+          <p:nvPr>
+            <p:ph type="title"/>
+          </p:nvPr>
+        </p:nvSpPr>
+        <p:spPr>
+          <a:xfrm>
+            <a:off x="228600" y="274638"/>
+            <a:ext cx="8686800" cy="1143000"/>
+          </a:xfrm>
+        </p:spPr>
+        <p:txBody>
+          <a:bodyPr/>
+          <a:lstStyle/>
+          <a:p>
+            <a:pPr lvl="1"/>
+            <a:r>
+              <a:rPr lang="ro-RO" dirty="0">
+                <a:solidFill>
+                  <a:schemeClr val="bg1"/>
+                </a:solidFill>
+              </a:rPr>
+              <a:t>REST API</a:t>
+            </a:r>
+            <a:r>
+              <a:rPr lang="en-US" dirty="0">
+                <a:solidFill>
+                  <a:schemeClr val="bg1"/>
+                </a:solidFill>
+              </a:rPr>
+              <a:t> (cont.)</a:t>
+            </a:r>
+            <a:endParaRPr lang="fr-CA" dirty="0">
               <a:solidFill>
                 <a:schemeClr val="bg1"/>
               </a:solidFill>
@@ -4723,63 +5184,1625 @@
           <a:lstStyle/>
           <a:p>
             <a:r>
-              <a:rPr lang="en-US" sz="1400" dirty="0" smtClean="0">
-                <a:solidFill>
-                  <a:srgbClr val="3C5790"/>
-                </a:solidFill>
-              </a:rPr>
-              <a:t>By default, </a:t>
-            </a:r>
-            <a:r>
-              <a:rPr lang="en-US" sz="1400" dirty="0" err="1" smtClean="0">
-                <a:solidFill>
-                  <a:srgbClr val="3C5790"/>
-                </a:solidFill>
-              </a:rPr>
-              <a:t>Elasticsearch</a:t>
-            </a:r>
-            <a:r>
-              <a:rPr lang="en-US" sz="1400" dirty="0" smtClean="0">
-                <a:solidFill>
-                  <a:srgbClr val="3C5790"/>
-                </a:solidFill>
-              </a:rPr>
-              <a:t> increments the version when a document is added, changed or deleted.</a:t>
-            </a:r>
-          </a:p>
-          <a:p>
-            <a:r>
-              <a:rPr lang="en-US" sz="1400" dirty="0" smtClean="0">
-                <a:solidFill>
-                  <a:srgbClr val="3C5790"/>
-                </a:solidFill>
-              </a:rPr>
-              <a:t>We can perform query using in the URL the </a:t>
-            </a:r>
-            <a:r>
-              <a:rPr lang="en-US" sz="1400" b="1" dirty="0" smtClean="0">
-                <a:solidFill>
-                  <a:srgbClr val="3C5790"/>
-                </a:solidFill>
-              </a:rPr>
-              <a:t>"q"</a:t>
-            </a:r>
-            <a:r>
-              <a:rPr lang="en-US" sz="1400" dirty="0" smtClean="0">
-                <a:solidFill>
-                  <a:srgbClr val="3C5790"/>
-                </a:solidFill>
-              </a:rPr>
-              <a:t> parameter and we need to specify the terms.</a:t>
-            </a:r>
-            <a:endParaRPr lang="ro-RO" sz="1400" dirty="0" smtClean="0">
+              <a:rPr lang="en-US" sz="1400" dirty="0">
+                <a:solidFill>
+                  <a:srgbClr val="3C5790"/>
+                </a:solidFill>
+              </a:rPr>
+              <a:t>We can obtain the structure of an index using </a:t>
+            </a:r>
+            <a:r>
+              <a:rPr lang="en-US" sz="1400" b="1" dirty="0">
+                <a:solidFill>
+                  <a:srgbClr val="3C5790"/>
+                </a:solidFill>
+              </a:rPr>
+              <a:t>GET /{index}</a:t>
+            </a:r>
+          </a:p>
+          <a:p>
+            <a:r>
+              <a:rPr lang="en-US" sz="1400" dirty="0">
+                <a:solidFill>
+                  <a:srgbClr val="3C5790"/>
+                </a:solidFill>
+              </a:rPr>
+              <a:t>To delete the index, we need to issue </a:t>
+            </a:r>
+            <a:r>
+              <a:rPr lang="en-US" sz="1400" b="1" dirty="0">
+                <a:solidFill>
+                  <a:srgbClr val="3C5790"/>
+                </a:solidFill>
+              </a:rPr>
+              <a:t>DELETE /{index}</a:t>
+            </a:r>
+          </a:p>
+          <a:p>
+            <a:r>
+              <a:rPr lang="en-US" sz="1400" dirty="0">
+                <a:solidFill>
+                  <a:srgbClr val="3C5790"/>
+                </a:solidFill>
+              </a:rPr>
+              <a:t>To create an </a:t>
+            </a:r>
+            <a:r>
+              <a:rPr lang="en-US" sz="1400" b="1" dirty="0">
+                <a:solidFill>
+                  <a:srgbClr val="3C5790"/>
+                </a:solidFill>
+              </a:rPr>
+              <a:t>index structure</a:t>
+            </a:r>
+            <a:r>
+              <a:rPr lang="en-US" sz="1400" dirty="0">
+                <a:solidFill>
+                  <a:srgbClr val="3C5790"/>
+                </a:solidFill>
+              </a:rPr>
+              <a:t>, we use the PUT /${index} method.</a:t>
+            </a:r>
+            <a:endParaRPr lang="en-US" sz="1400" b="1" dirty="0">
               <a:solidFill>
                 <a:srgbClr val="3C5790"/>
               </a:solidFill>
             </a:endParaRPr>
           </a:p>
           <a:p>
-            <a:endParaRPr lang="en-US" sz="1400" dirty="0" smtClean="0">
+            <a:endParaRPr lang="en-US" sz="1400" b="1" dirty="0">
+              <a:solidFill>
+                <a:srgbClr val="3C5790"/>
+              </a:solidFill>
+            </a:endParaRPr>
+          </a:p>
+          <a:p>
+            <a:endParaRPr lang="en-US" sz="1400" dirty="0">
+              <a:solidFill>
+                <a:srgbClr val="3C5790"/>
+              </a:solidFill>
+            </a:endParaRPr>
+          </a:p>
+        </p:txBody>
+      </p:sp>
+      <p:pic>
+        <p:nvPicPr>
+          <p:cNvPr id="4" name="Picture 3">
+            <a:extLst>
+              <a:ext uri="{FF2B5EF4-FFF2-40B4-BE49-F238E27FC236}">
+                <a16:creationId xmlns:a16="http://schemas.microsoft.com/office/drawing/2014/main" id="{0629FB4B-8005-456B-8E28-DBBEDD66F902}"/>
+              </a:ext>
+            </a:extLst>
+          </p:cNvPr>
+          <p:cNvPicPr>
+            <a:picLocks noChangeAspect="1"/>
+          </p:cNvPicPr>
+          <p:nvPr/>
+        </p:nvPicPr>
+        <p:blipFill>
+          <a:blip r:embed="rId3"/>
+          <a:stretch>
+            <a:fillRect/>
+          </a:stretch>
+        </p:blipFill>
+        <p:spPr>
+          <a:xfrm>
+            <a:off x="551121" y="3063149"/>
+            <a:ext cx="4038600" cy="3511353"/>
+          </a:xfrm>
+          <a:prstGeom prst="rect">
+            <a:avLst/>
+          </a:prstGeom>
+        </p:spPr>
+      </p:pic>
+      <p:pic>
+        <p:nvPicPr>
+          <p:cNvPr id="5" name="Picture 4">
+            <a:extLst>
+              <a:ext uri="{FF2B5EF4-FFF2-40B4-BE49-F238E27FC236}">
+                <a16:creationId xmlns:a16="http://schemas.microsoft.com/office/drawing/2014/main" id="{0F458659-6829-4AAA-BA96-04E0A1B0E174}"/>
+              </a:ext>
+            </a:extLst>
+          </p:cNvPr>
+          <p:cNvPicPr>
+            <a:picLocks noChangeAspect="1"/>
+          </p:cNvPicPr>
+          <p:nvPr/>
+        </p:nvPicPr>
+        <p:blipFill>
+          <a:blip r:embed="rId4"/>
+          <a:stretch>
+            <a:fillRect/>
+          </a:stretch>
+        </p:blipFill>
+        <p:spPr>
+          <a:xfrm>
+            <a:off x="5562600" y="4191000"/>
+            <a:ext cx="2776063" cy="925354"/>
+          </a:xfrm>
+          <a:prstGeom prst="rect">
+            <a:avLst/>
+          </a:prstGeom>
+        </p:spPr>
+      </p:pic>
+      <p:cxnSp>
+        <p:nvCxnSpPr>
+          <p:cNvPr id="3" name="Straight Connector 2">
+            <a:extLst>
+              <a:ext uri="{FF2B5EF4-FFF2-40B4-BE49-F238E27FC236}">
+                <a16:creationId xmlns:a16="http://schemas.microsoft.com/office/drawing/2014/main" id="{4106D488-9F3F-4AAD-BEFC-E0F0D18C9992}"/>
+              </a:ext>
+            </a:extLst>
+          </p:cNvPr>
+          <p:cNvCxnSpPr>
+            <a:cxnSpLocks/>
+          </p:cNvCxnSpPr>
+          <p:nvPr/>
+        </p:nvCxnSpPr>
+        <p:spPr>
+          <a:xfrm>
+            <a:off x="5029200" y="3063149"/>
+            <a:ext cx="8860" cy="3520213"/>
+          </a:xfrm>
+          <a:prstGeom prst="line">
+            <a:avLst/>
+          </a:prstGeom>
+        </p:spPr>
+        <p:style>
+          <a:lnRef idx="1">
+            <a:schemeClr val="dk1"/>
+          </a:lnRef>
+          <a:fillRef idx="0">
+            <a:schemeClr val="dk1"/>
+          </a:fillRef>
+          <a:effectRef idx="0">
+            <a:schemeClr val="dk1"/>
+          </a:effectRef>
+          <a:fontRef idx="minor">
+            <a:schemeClr val="tx1"/>
+          </a:fontRef>
+        </p:style>
+      </p:cxnSp>
+    </p:spTree>
+    <p:extLst>
+      <p:ext uri="{BB962C8B-B14F-4D97-AF65-F5344CB8AC3E}">
+        <p14:creationId xmlns:p14="http://schemas.microsoft.com/office/powerpoint/2010/main" val="2289904095"/>
+      </p:ext>
+    </p:extLst>
+  </p:cSld>
+  <p:clrMapOvr>
+    <a:masterClrMapping/>
+  </p:clrMapOvr>
+</p:sld>
+</file>
+
+<file path=ppt/slides/slide17.xml><?xml version="1.0" encoding="utf-8"?>
+<p:sld xmlns:a="http://schemas.openxmlformats.org/drawingml/2006/main" xmlns:r="http://schemas.openxmlformats.org/officeDocument/2006/relationships" xmlns:p="http://schemas.openxmlformats.org/presentationml/2006/main">
+  <p:cSld>
+    <p:bg>
+      <p:bgPr>
+        <a:blipFill dpi="0" rotWithShape="0">
+          <a:blip r:embed="rId2" cstate="print"/>
+          <a:srcRect/>
+          <a:stretch>
+            <a:fillRect/>
+          </a:stretch>
+        </a:blipFill>
+        <a:effectLst/>
+      </p:bgPr>
+    </p:bg>
+    <p:spTree>
+      <p:nvGrpSpPr>
+        <p:cNvPr id="1" name=""/>
+        <p:cNvGrpSpPr/>
+        <p:nvPr/>
+      </p:nvGrpSpPr>
+      <p:grpSpPr>
+        <a:xfrm>
+          <a:off x="0" y="0"/>
+          <a:ext cx="0" cy="0"/>
+          <a:chOff x="0" y="0"/>
+          <a:chExt cx="0" cy="0"/>
+        </a:xfrm>
+      </p:grpSpPr>
+      <p:sp>
+        <p:nvSpPr>
+          <p:cNvPr id="4098" name="Titre 3"/>
+          <p:cNvSpPr>
+            <a:spLocks noGrp="1"/>
+          </p:cNvSpPr>
+          <p:nvPr>
+            <p:ph type="title"/>
+          </p:nvPr>
+        </p:nvSpPr>
+        <p:spPr>
+          <a:xfrm>
+            <a:off x="228600" y="274638"/>
+            <a:ext cx="8686800" cy="1143000"/>
+          </a:xfrm>
+        </p:spPr>
+        <p:txBody>
+          <a:bodyPr/>
+          <a:lstStyle/>
+          <a:p>
+            <a:pPr lvl="1"/>
+            <a:r>
+              <a:rPr lang="ro-RO" dirty="0">
+                <a:solidFill>
+                  <a:schemeClr val="bg1"/>
+                </a:solidFill>
+              </a:rPr>
+              <a:t>REST API</a:t>
+            </a:r>
+            <a:r>
+              <a:rPr lang="en-US" dirty="0">
+                <a:solidFill>
+                  <a:schemeClr val="bg1"/>
+                </a:solidFill>
+              </a:rPr>
+              <a:t> (cont.)</a:t>
+            </a:r>
+            <a:endParaRPr lang="fr-CA" dirty="0">
+              <a:solidFill>
+                <a:schemeClr val="bg1"/>
+              </a:solidFill>
+            </a:endParaRPr>
+          </a:p>
+        </p:txBody>
+      </p:sp>
+      <p:sp>
+        <p:nvSpPr>
+          <p:cNvPr id="4099" name="Espace réservé du contenu 4"/>
+          <p:cNvSpPr>
+            <a:spLocks noGrp="1"/>
+          </p:cNvSpPr>
+          <p:nvPr>
+            <p:ph idx="1"/>
+          </p:nvPr>
+        </p:nvSpPr>
+        <p:spPr>
+          <a:xfrm>
+            <a:off x="76200" y="1981200"/>
+            <a:ext cx="8686800" cy="1143000"/>
+          </a:xfrm>
+        </p:spPr>
+        <p:txBody>
+          <a:bodyPr/>
+          <a:lstStyle/>
+          <a:p>
+            <a:r>
+              <a:rPr lang="en-US" sz="1400" dirty="0">
+                <a:solidFill>
+                  <a:srgbClr val="3C5790"/>
+                </a:solidFill>
+              </a:rPr>
+              <a:t>To enforce the index structure, we need to specify during index creation.</a:t>
+            </a:r>
+          </a:p>
+          <a:p>
+            <a:r>
+              <a:rPr lang="en-US" sz="1400" b="1" dirty="0">
+                <a:solidFill>
+                  <a:srgbClr val="3C5790"/>
+                </a:solidFill>
+              </a:rPr>
+              <a:t>dynamic</a:t>
+            </a:r>
+            <a:r>
+              <a:rPr lang="en-US" sz="1400" dirty="0">
+                <a:solidFill>
+                  <a:srgbClr val="3C5790"/>
+                </a:solidFill>
+              </a:rPr>
+              <a:t>:</a:t>
+            </a:r>
+          </a:p>
+          <a:p>
+            <a:pPr lvl="1">
+              <a:buFont typeface="Wingdings" panose="05000000000000000000" pitchFamily="2" charset="2"/>
+              <a:buChar char="Ø"/>
+            </a:pPr>
+            <a:r>
+              <a:rPr lang="en-US" sz="1400" dirty="0">
+                <a:solidFill>
+                  <a:srgbClr val="3C5790"/>
+                </a:solidFill>
+              </a:rPr>
+              <a:t>if set </a:t>
+            </a:r>
+            <a:r>
+              <a:rPr lang="en-US" sz="1400" b="1" dirty="0">
+                <a:solidFill>
+                  <a:srgbClr val="3C5790"/>
+                </a:solidFill>
+              </a:rPr>
+              <a:t>false</a:t>
+            </a:r>
+            <a:r>
+              <a:rPr lang="en-US" sz="1400" dirty="0">
+                <a:solidFill>
+                  <a:srgbClr val="3C5790"/>
+                </a:solidFill>
+              </a:rPr>
+              <a:t>, then indexing field will be ignored</a:t>
+            </a:r>
+          </a:p>
+          <a:p>
+            <a:pPr lvl="1">
+              <a:buFont typeface="Wingdings" panose="05000000000000000000" pitchFamily="2" charset="2"/>
+              <a:buChar char="Ø"/>
+            </a:pPr>
+            <a:r>
+              <a:rPr lang="en-US" sz="1400" dirty="0">
+                <a:solidFill>
+                  <a:srgbClr val="3C5790"/>
+                </a:solidFill>
+              </a:rPr>
+              <a:t>if set to </a:t>
+            </a:r>
+            <a:r>
+              <a:rPr lang="en-US" sz="1400" b="1" dirty="0">
+                <a:solidFill>
+                  <a:srgbClr val="3C5790"/>
+                </a:solidFill>
+              </a:rPr>
+              <a:t>strict</a:t>
+            </a:r>
+            <a:r>
+              <a:rPr lang="en-US" sz="1400" dirty="0">
+                <a:solidFill>
+                  <a:srgbClr val="3C5790"/>
+                </a:solidFill>
+              </a:rPr>
+              <a:t>, then indexing will throw error</a:t>
+            </a:r>
+          </a:p>
+          <a:p>
+            <a:endParaRPr lang="en-US" sz="1400" b="1" dirty="0">
+              <a:solidFill>
+                <a:srgbClr val="3C5790"/>
+              </a:solidFill>
+            </a:endParaRPr>
+          </a:p>
+          <a:p>
+            <a:endParaRPr lang="en-US" sz="1400" dirty="0">
+              <a:solidFill>
+                <a:srgbClr val="3C5790"/>
+              </a:solidFill>
+            </a:endParaRPr>
+          </a:p>
+        </p:txBody>
+      </p:sp>
+      <p:pic>
+        <p:nvPicPr>
+          <p:cNvPr id="7" name="Picture 6">
+            <a:extLst>
+              <a:ext uri="{FF2B5EF4-FFF2-40B4-BE49-F238E27FC236}">
+                <a16:creationId xmlns:a16="http://schemas.microsoft.com/office/drawing/2014/main" id="{3A815DFA-A975-4063-857C-CF265BD837CD}"/>
+              </a:ext>
+            </a:extLst>
+          </p:cNvPr>
+          <p:cNvPicPr>
+            <a:picLocks noChangeAspect="1"/>
+          </p:cNvPicPr>
+          <p:nvPr/>
+        </p:nvPicPr>
+        <p:blipFill>
+          <a:blip r:embed="rId3"/>
+          <a:stretch>
+            <a:fillRect/>
+          </a:stretch>
+        </p:blipFill>
+        <p:spPr>
+          <a:xfrm>
+            <a:off x="1371600" y="4114800"/>
+            <a:ext cx="3050084" cy="873642"/>
+          </a:xfrm>
+          <a:prstGeom prst="rect">
+            <a:avLst/>
+          </a:prstGeom>
+        </p:spPr>
+      </p:pic>
+      <p:pic>
+        <p:nvPicPr>
+          <p:cNvPr id="8" name="Picture 7">
+            <a:extLst>
+              <a:ext uri="{FF2B5EF4-FFF2-40B4-BE49-F238E27FC236}">
+                <a16:creationId xmlns:a16="http://schemas.microsoft.com/office/drawing/2014/main" id="{D8EDE79E-43FD-473D-8927-206DB5683BDB}"/>
+              </a:ext>
+            </a:extLst>
+          </p:cNvPr>
+          <p:cNvPicPr>
+            <a:picLocks noChangeAspect="1"/>
+          </p:cNvPicPr>
+          <p:nvPr/>
+        </p:nvPicPr>
+        <p:blipFill>
+          <a:blip r:embed="rId4"/>
+          <a:stretch>
+            <a:fillRect/>
+          </a:stretch>
+        </p:blipFill>
+        <p:spPr>
+          <a:xfrm>
+            <a:off x="5638800" y="2895600"/>
+            <a:ext cx="2438400" cy="3465717"/>
+          </a:xfrm>
+          <a:prstGeom prst="rect">
+            <a:avLst/>
+          </a:prstGeom>
+        </p:spPr>
+      </p:pic>
+    </p:spTree>
+    <p:extLst>
+      <p:ext uri="{BB962C8B-B14F-4D97-AF65-F5344CB8AC3E}">
+        <p14:creationId xmlns:p14="http://schemas.microsoft.com/office/powerpoint/2010/main" val="3872850532"/>
+      </p:ext>
+    </p:extLst>
+  </p:cSld>
+  <p:clrMapOvr>
+    <a:masterClrMapping/>
+  </p:clrMapOvr>
+</p:sld>
+</file>
+
+<file path=ppt/slides/slide18.xml><?xml version="1.0" encoding="utf-8"?>
+<p:sld xmlns:a="http://schemas.openxmlformats.org/drawingml/2006/main" xmlns:r="http://schemas.openxmlformats.org/officeDocument/2006/relationships" xmlns:p="http://schemas.openxmlformats.org/presentationml/2006/main">
+  <p:cSld>
+    <p:bg>
+      <p:bgPr>
+        <a:blipFill dpi="0" rotWithShape="0">
+          <a:blip r:embed="rId2" cstate="print"/>
+          <a:srcRect/>
+          <a:stretch>
+            <a:fillRect/>
+          </a:stretch>
+        </a:blipFill>
+        <a:effectLst/>
+      </p:bgPr>
+    </p:bg>
+    <p:spTree>
+      <p:nvGrpSpPr>
+        <p:cNvPr id="1" name=""/>
+        <p:cNvGrpSpPr/>
+        <p:nvPr/>
+      </p:nvGrpSpPr>
+      <p:grpSpPr>
+        <a:xfrm>
+          <a:off x="0" y="0"/>
+          <a:ext cx="0" cy="0"/>
+          <a:chOff x="0" y="0"/>
+          <a:chExt cx="0" cy="0"/>
+        </a:xfrm>
+      </p:grpSpPr>
+      <p:sp>
+        <p:nvSpPr>
+          <p:cNvPr id="4098" name="Titre 3"/>
+          <p:cNvSpPr>
+            <a:spLocks noGrp="1"/>
+          </p:cNvSpPr>
+          <p:nvPr>
+            <p:ph type="title"/>
+          </p:nvPr>
+        </p:nvSpPr>
+        <p:spPr>
+          <a:xfrm>
+            <a:off x="228600" y="274638"/>
+            <a:ext cx="8686800" cy="1143000"/>
+          </a:xfrm>
+        </p:spPr>
+        <p:txBody>
+          <a:bodyPr/>
+          <a:lstStyle/>
+          <a:p>
+            <a:pPr lvl="1"/>
+            <a:r>
+              <a:rPr lang="ro-RO" dirty="0">
+                <a:solidFill>
+                  <a:schemeClr val="bg1"/>
+                </a:solidFill>
+              </a:rPr>
+              <a:t>REST API</a:t>
+            </a:r>
+            <a:r>
+              <a:rPr lang="en-US" dirty="0">
+                <a:solidFill>
+                  <a:schemeClr val="bg1"/>
+                </a:solidFill>
+              </a:rPr>
+              <a:t> (cont.)</a:t>
+            </a:r>
+            <a:endParaRPr lang="fr-CA" dirty="0">
+              <a:solidFill>
+                <a:schemeClr val="bg1"/>
+              </a:solidFill>
+            </a:endParaRPr>
+          </a:p>
+        </p:txBody>
+      </p:sp>
+      <p:sp>
+        <p:nvSpPr>
+          <p:cNvPr id="4099" name="Espace réservé du contenu 4"/>
+          <p:cNvSpPr>
+            <a:spLocks noGrp="1"/>
+          </p:cNvSpPr>
+          <p:nvPr>
+            <p:ph idx="1"/>
+          </p:nvPr>
+        </p:nvSpPr>
+        <p:spPr>
+          <a:xfrm>
+            <a:off x="76200" y="1981200"/>
+            <a:ext cx="8686800" cy="2667000"/>
+          </a:xfrm>
+        </p:spPr>
+        <p:txBody>
+          <a:bodyPr/>
+          <a:lstStyle/>
+          <a:p>
+            <a:r>
+              <a:rPr lang="en-US" sz="1400" dirty="0">
+                <a:solidFill>
+                  <a:srgbClr val="3C5790"/>
+                </a:solidFill>
+              </a:rPr>
+              <a:t>Elasticsearch ships with a wide range of built-in analyzers, which can be used in any index.</a:t>
+            </a:r>
+          </a:p>
+          <a:p>
+            <a:pPr lvl="1">
+              <a:buFont typeface="Wingdings" panose="05000000000000000000" pitchFamily="2" charset="2"/>
+              <a:buChar char="Ø"/>
+            </a:pPr>
+            <a:r>
+              <a:rPr lang="en-US" sz="1400" b="1" dirty="0">
+                <a:solidFill>
+                  <a:srgbClr val="3C5790"/>
+                </a:solidFill>
+              </a:rPr>
+              <a:t>standard</a:t>
+            </a:r>
+            <a:r>
+              <a:rPr lang="en-US" sz="1400" dirty="0">
+                <a:solidFill>
+                  <a:srgbClr val="3C5790"/>
+                </a:solidFill>
+              </a:rPr>
+              <a:t>: divides text into terms on word boundaries.</a:t>
+            </a:r>
+          </a:p>
+          <a:p>
+            <a:pPr lvl="1">
+              <a:buFont typeface="Wingdings" panose="05000000000000000000" pitchFamily="2" charset="2"/>
+              <a:buChar char="Ø"/>
+            </a:pPr>
+            <a:r>
+              <a:rPr lang="en-US" sz="1400" b="1" dirty="0">
+                <a:solidFill>
+                  <a:srgbClr val="3C5790"/>
+                </a:solidFill>
+              </a:rPr>
+              <a:t>simple</a:t>
+            </a:r>
+            <a:r>
+              <a:rPr lang="en-US" sz="1400" dirty="0">
+                <a:solidFill>
+                  <a:srgbClr val="3C5790"/>
+                </a:solidFill>
+              </a:rPr>
+              <a:t>: divides text into terms whenever it encounters a character which is not a letter.</a:t>
+            </a:r>
+          </a:p>
+          <a:p>
+            <a:pPr lvl="1">
+              <a:buFont typeface="Wingdings" panose="05000000000000000000" pitchFamily="2" charset="2"/>
+              <a:buChar char="Ø"/>
+            </a:pPr>
+            <a:r>
+              <a:rPr lang="en-US" sz="1400" b="1" dirty="0">
+                <a:solidFill>
+                  <a:srgbClr val="3C5790"/>
+                </a:solidFill>
+              </a:rPr>
+              <a:t>whitespace</a:t>
+            </a:r>
+            <a:r>
+              <a:rPr lang="en-US" sz="1400" dirty="0">
+                <a:solidFill>
+                  <a:srgbClr val="3C5790"/>
+                </a:solidFill>
+              </a:rPr>
+              <a:t>: divides text into terms whenever it encounters any whitespace character.</a:t>
+            </a:r>
+          </a:p>
+          <a:p>
+            <a:pPr lvl="1">
+              <a:buFont typeface="Wingdings" panose="05000000000000000000" pitchFamily="2" charset="2"/>
+              <a:buChar char="Ø"/>
+            </a:pPr>
+            <a:r>
+              <a:rPr lang="en-US" sz="1400" b="1" dirty="0">
+                <a:solidFill>
+                  <a:srgbClr val="3C5790"/>
+                </a:solidFill>
+              </a:rPr>
+              <a:t>stop</a:t>
+            </a:r>
+            <a:r>
+              <a:rPr lang="en-US" sz="1400" dirty="0">
+                <a:solidFill>
+                  <a:srgbClr val="3C5790"/>
+                </a:solidFill>
+              </a:rPr>
+              <a:t>: it like the simple analyzer, but also supports removal of stop words.</a:t>
+            </a:r>
+          </a:p>
+          <a:p>
+            <a:pPr lvl="1">
+              <a:buFont typeface="Wingdings" panose="05000000000000000000" pitchFamily="2" charset="2"/>
+              <a:buChar char="Ø"/>
+            </a:pPr>
+            <a:r>
+              <a:rPr lang="en-US" sz="1400" b="1" dirty="0">
+                <a:solidFill>
+                  <a:srgbClr val="3C5790"/>
+                </a:solidFill>
+              </a:rPr>
+              <a:t>keyword</a:t>
+            </a:r>
+            <a:r>
+              <a:rPr lang="en-US" sz="1400" dirty="0">
+                <a:solidFill>
+                  <a:srgbClr val="3C5790"/>
+                </a:solidFill>
+              </a:rPr>
+              <a:t>:  is a "</a:t>
+            </a:r>
+            <a:r>
+              <a:rPr lang="en-US" sz="1400" dirty="0" err="1">
+                <a:solidFill>
+                  <a:srgbClr val="3C5790"/>
+                </a:solidFill>
+              </a:rPr>
+              <a:t>noop</a:t>
+            </a:r>
+            <a:r>
+              <a:rPr lang="en-US" sz="1400" dirty="0">
+                <a:solidFill>
+                  <a:srgbClr val="3C5790"/>
+                </a:solidFill>
+              </a:rPr>
+              <a:t>" analyzer that accepts whatever text it is given.</a:t>
+            </a:r>
+          </a:p>
+          <a:p>
+            <a:pPr lvl="1">
+              <a:buFont typeface="Wingdings" panose="05000000000000000000" pitchFamily="2" charset="2"/>
+              <a:buChar char="Ø"/>
+            </a:pPr>
+            <a:r>
+              <a:rPr lang="en-US" sz="1400" b="1" dirty="0">
+                <a:solidFill>
+                  <a:srgbClr val="3C5790"/>
+                </a:solidFill>
+              </a:rPr>
+              <a:t>pattern</a:t>
+            </a:r>
+            <a:r>
+              <a:rPr lang="en-US" sz="1400" dirty="0">
+                <a:solidFill>
+                  <a:srgbClr val="3C5790"/>
+                </a:solidFill>
+              </a:rPr>
+              <a:t>: users a regular expression to split the text into terms.</a:t>
+            </a:r>
+          </a:p>
+          <a:p>
+            <a:pPr lvl="1">
+              <a:buFont typeface="Wingdings" panose="05000000000000000000" pitchFamily="2" charset="2"/>
+              <a:buChar char="Ø"/>
+            </a:pPr>
+            <a:r>
+              <a:rPr lang="en-US" sz="1400" b="1" dirty="0">
+                <a:solidFill>
+                  <a:srgbClr val="3C5790"/>
+                </a:solidFill>
+              </a:rPr>
+              <a:t>language</a:t>
+            </a:r>
+            <a:r>
+              <a:rPr lang="en-US" sz="1400" dirty="0">
+                <a:solidFill>
+                  <a:srgbClr val="3C5790"/>
+                </a:solidFill>
+              </a:rPr>
+              <a:t>: provides many language-specific analyzers like </a:t>
+            </a:r>
+            <a:r>
+              <a:rPr lang="en-US" sz="1400" dirty="0" err="1">
+                <a:solidFill>
+                  <a:srgbClr val="3C5790"/>
+                </a:solidFill>
+              </a:rPr>
+              <a:t>english</a:t>
+            </a:r>
+            <a:r>
+              <a:rPr lang="en-US" sz="1400" dirty="0">
+                <a:solidFill>
+                  <a:srgbClr val="3C5790"/>
+                </a:solidFill>
+              </a:rPr>
+              <a:t> or </a:t>
+            </a:r>
+            <a:r>
+              <a:rPr lang="en-US" sz="1400" dirty="0" err="1">
+                <a:solidFill>
+                  <a:srgbClr val="3C5790"/>
+                </a:solidFill>
+              </a:rPr>
+              <a:t>french</a:t>
+            </a:r>
+            <a:r>
+              <a:rPr lang="en-US" sz="1400" dirty="0">
+                <a:solidFill>
+                  <a:srgbClr val="3C5790"/>
+                </a:solidFill>
+              </a:rPr>
+              <a:t>.</a:t>
+            </a:r>
+          </a:p>
+          <a:p>
+            <a:pPr lvl="1">
+              <a:buFont typeface="Wingdings" panose="05000000000000000000" pitchFamily="2" charset="2"/>
+              <a:buChar char="Ø"/>
+            </a:pPr>
+            <a:r>
+              <a:rPr lang="en-US" sz="1400" b="1" dirty="0">
+                <a:solidFill>
+                  <a:srgbClr val="3C5790"/>
+                </a:solidFill>
+              </a:rPr>
+              <a:t>fingerprint</a:t>
+            </a:r>
+            <a:r>
+              <a:rPr lang="en-US" sz="1400" dirty="0">
+                <a:solidFill>
+                  <a:srgbClr val="3C5790"/>
+                </a:solidFill>
+              </a:rPr>
+              <a:t>: creates a fingerprint which can be used for duplicate detection.</a:t>
+            </a:r>
+            <a:endParaRPr lang="en-US" sz="1400" b="1" dirty="0">
+              <a:solidFill>
+                <a:srgbClr val="3C5790"/>
+              </a:solidFill>
+            </a:endParaRPr>
+          </a:p>
+          <a:p>
+            <a:endParaRPr lang="en-US" sz="1400" b="1" dirty="0">
+              <a:solidFill>
+                <a:srgbClr val="3C5790"/>
+              </a:solidFill>
+            </a:endParaRPr>
+          </a:p>
+          <a:p>
+            <a:endParaRPr lang="en-US" sz="1400" dirty="0">
+              <a:solidFill>
+                <a:srgbClr val="3C5790"/>
+              </a:solidFill>
+            </a:endParaRPr>
+          </a:p>
+        </p:txBody>
+      </p:sp>
+    </p:spTree>
+    <p:extLst>
+      <p:ext uri="{BB962C8B-B14F-4D97-AF65-F5344CB8AC3E}">
+        <p14:creationId xmlns:p14="http://schemas.microsoft.com/office/powerpoint/2010/main" val="1223108456"/>
+      </p:ext>
+    </p:extLst>
+  </p:cSld>
+  <p:clrMapOvr>
+    <a:masterClrMapping/>
+  </p:clrMapOvr>
+</p:sld>
+</file>
+
+<file path=ppt/slides/slide19.xml><?xml version="1.0" encoding="utf-8"?>
+<p:sld xmlns:a="http://schemas.openxmlformats.org/drawingml/2006/main" xmlns:r="http://schemas.openxmlformats.org/officeDocument/2006/relationships" xmlns:p="http://schemas.openxmlformats.org/presentationml/2006/main">
+  <p:cSld>
+    <p:bg>
+      <p:bgPr>
+        <a:blipFill dpi="0" rotWithShape="0">
+          <a:blip r:embed="rId2" cstate="print"/>
+          <a:srcRect/>
+          <a:stretch>
+            <a:fillRect/>
+          </a:stretch>
+        </a:blipFill>
+        <a:effectLst/>
+      </p:bgPr>
+    </p:bg>
+    <p:spTree>
+      <p:nvGrpSpPr>
+        <p:cNvPr id="1" name=""/>
+        <p:cNvGrpSpPr/>
+        <p:nvPr/>
+      </p:nvGrpSpPr>
+      <p:grpSpPr>
+        <a:xfrm>
+          <a:off x="0" y="0"/>
+          <a:ext cx="0" cy="0"/>
+          <a:chOff x="0" y="0"/>
+          <a:chExt cx="0" cy="0"/>
+        </a:xfrm>
+      </p:grpSpPr>
+      <p:sp>
+        <p:nvSpPr>
+          <p:cNvPr id="4098" name="Titre 3"/>
+          <p:cNvSpPr>
+            <a:spLocks noGrp="1"/>
+          </p:cNvSpPr>
+          <p:nvPr>
+            <p:ph type="title"/>
+          </p:nvPr>
+        </p:nvSpPr>
+        <p:spPr>
+          <a:xfrm>
+            <a:off x="228600" y="274638"/>
+            <a:ext cx="8686800" cy="1143000"/>
+          </a:xfrm>
+        </p:spPr>
+        <p:txBody>
+          <a:bodyPr/>
+          <a:lstStyle/>
+          <a:p>
+            <a:pPr lvl="1"/>
+            <a:r>
+              <a:rPr lang="ro-RO" dirty="0">
+                <a:solidFill>
+                  <a:schemeClr val="bg1"/>
+                </a:solidFill>
+              </a:rPr>
+              <a:t>REST API (cont.)</a:t>
+            </a:r>
+            <a:endParaRPr lang="fr-CA" dirty="0">
+              <a:solidFill>
+                <a:schemeClr val="bg1"/>
+              </a:solidFill>
+            </a:endParaRPr>
+          </a:p>
+        </p:txBody>
+      </p:sp>
+      <p:sp>
+        <p:nvSpPr>
+          <p:cNvPr id="4099" name="Espace réservé du contenu 4"/>
+          <p:cNvSpPr>
+            <a:spLocks noGrp="1"/>
+          </p:cNvSpPr>
+          <p:nvPr>
+            <p:ph idx="1"/>
+          </p:nvPr>
+        </p:nvSpPr>
+        <p:spPr>
+          <a:xfrm>
+            <a:off x="76200" y="1981200"/>
+            <a:ext cx="8686800" cy="533400"/>
+          </a:xfrm>
+        </p:spPr>
+        <p:txBody>
+          <a:bodyPr/>
+          <a:lstStyle/>
+          <a:p>
+            <a:r>
+              <a:rPr lang="en-US" sz="1400" dirty="0">
+                <a:solidFill>
+                  <a:srgbClr val="3C5790"/>
+                </a:solidFill>
+              </a:rPr>
+              <a:t>The </a:t>
+            </a:r>
+            <a:r>
+              <a:rPr lang="en-US" sz="1400" b="1" dirty="0">
+                <a:solidFill>
+                  <a:srgbClr val="3C5790"/>
+                </a:solidFill>
+              </a:rPr>
+              <a:t>analyze</a:t>
+            </a:r>
+            <a:r>
+              <a:rPr lang="en-US" sz="1400" dirty="0">
+                <a:solidFill>
+                  <a:srgbClr val="3C5790"/>
+                </a:solidFill>
+              </a:rPr>
+              <a:t> API is an important tool for viewing terms produces by an analyzer.</a:t>
+            </a:r>
+            <a:endParaRPr lang="en-US" sz="1400" b="1" dirty="0">
+              <a:solidFill>
+                <a:srgbClr val="3C5790"/>
+              </a:solidFill>
+            </a:endParaRPr>
+          </a:p>
+          <a:p>
+            <a:endParaRPr lang="en-US" sz="1400" dirty="0">
+              <a:solidFill>
+                <a:srgbClr val="3C5790"/>
+              </a:solidFill>
+            </a:endParaRPr>
+          </a:p>
+        </p:txBody>
+      </p:sp>
+      <p:pic>
+        <p:nvPicPr>
+          <p:cNvPr id="5" name="Picture 4">
+            <a:extLst>
+              <a:ext uri="{FF2B5EF4-FFF2-40B4-BE49-F238E27FC236}">
+                <a16:creationId xmlns:a16="http://schemas.microsoft.com/office/drawing/2014/main" id="{3E3FEB86-BFC8-4799-A1CE-48B258F104CC}"/>
+              </a:ext>
+            </a:extLst>
+          </p:cNvPr>
+          <p:cNvPicPr>
+            <a:picLocks noChangeAspect="1"/>
+          </p:cNvPicPr>
+          <p:nvPr/>
+        </p:nvPicPr>
+        <p:blipFill>
+          <a:blip r:embed="rId3"/>
+          <a:stretch>
+            <a:fillRect/>
+          </a:stretch>
+        </p:blipFill>
+        <p:spPr>
+          <a:xfrm>
+            <a:off x="393405" y="4018960"/>
+            <a:ext cx="4705350" cy="893502"/>
+          </a:xfrm>
+          <a:prstGeom prst="rect">
+            <a:avLst/>
+          </a:prstGeom>
+        </p:spPr>
+      </p:pic>
+      <p:pic>
+        <p:nvPicPr>
+          <p:cNvPr id="6" name="Picture 5">
+            <a:extLst>
+              <a:ext uri="{FF2B5EF4-FFF2-40B4-BE49-F238E27FC236}">
+                <a16:creationId xmlns:a16="http://schemas.microsoft.com/office/drawing/2014/main" id="{4BD1C31B-C68B-474B-96FE-D4730AB04B75}"/>
+              </a:ext>
+            </a:extLst>
+          </p:cNvPr>
+          <p:cNvPicPr>
+            <a:picLocks noChangeAspect="1"/>
+          </p:cNvPicPr>
+          <p:nvPr/>
+        </p:nvPicPr>
+        <p:blipFill>
+          <a:blip r:embed="rId4"/>
+          <a:stretch>
+            <a:fillRect/>
+          </a:stretch>
+        </p:blipFill>
+        <p:spPr>
+          <a:xfrm>
+            <a:off x="5803605" y="2332111"/>
+            <a:ext cx="2162432" cy="4267200"/>
+          </a:xfrm>
+          <a:prstGeom prst="rect">
+            <a:avLst/>
+          </a:prstGeom>
+        </p:spPr>
+      </p:pic>
+    </p:spTree>
+  </p:cSld>
+  <p:clrMapOvr>
+    <a:masterClrMapping/>
+  </p:clrMapOvr>
+</p:sld>
+</file>
+
+<file path=ppt/slides/slide2.xml><?xml version="1.0" encoding="utf-8"?>
+<p:sld xmlns:a="http://schemas.openxmlformats.org/drawingml/2006/main" xmlns:r="http://schemas.openxmlformats.org/officeDocument/2006/relationships" xmlns:p="http://schemas.openxmlformats.org/presentationml/2006/main">
+  <p:cSld>
+    <p:spTree>
+      <p:nvGrpSpPr>
+        <p:cNvPr id="1" name=""/>
+        <p:cNvGrpSpPr/>
+        <p:nvPr/>
+      </p:nvGrpSpPr>
+      <p:grpSpPr>
+        <a:xfrm>
+          <a:off x="0" y="0"/>
+          <a:ext cx="0" cy="0"/>
+          <a:chOff x="0" y="0"/>
+          <a:chExt cx="0" cy="0"/>
+        </a:xfrm>
+      </p:grpSpPr>
+      <p:sp>
+        <p:nvSpPr>
+          <p:cNvPr id="3074" name="Titre 1"/>
+          <p:cNvSpPr>
+            <a:spLocks noGrp="1"/>
+          </p:cNvSpPr>
+          <p:nvPr>
+            <p:ph type="title"/>
+          </p:nvPr>
+        </p:nvSpPr>
+        <p:spPr>
+          <a:xfrm>
+            <a:off x="2071688" y="274638"/>
+            <a:ext cx="6615112" cy="1143000"/>
+          </a:xfrm>
+        </p:spPr>
+        <p:txBody>
+          <a:bodyPr/>
+          <a:lstStyle/>
+          <a:p>
+            <a:pPr algn="l"/>
+            <a:r>
+              <a:rPr lang="fr-CA" sz="4000" dirty="0">
+                <a:solidFill>
+                  <a:srgbClr val="3C5790"/>
+                </a:solidFill>
+              </a:rPr>
+              <a:t>Contents</a:t>
+            </a:r>
+          </a:p>
+        </p:txBody>
+      </p:sp>
+      <p:sp>
+        <p:nvSpPr>
+          <p:cNvPr id="3075" name="Espace réservé du contenu 2"/>
+          <p:cNvSpPr>
+            <a:spLocks noGrp="1"/>
+          </p:cNvSpPr>
+          <p:nvPr>
+            <p:ph idx="1"/>
+          </p:nvPr>
+        </p:nvSpPr>
+        <p:spPr>
+          <a:xfrm>
+            <a:off x="2071688" y="1600200"/>
+            <a:ext cx="6615112" cy="5029200"/>
+          </a:xfrm>
+        </p:spPr>
+        <p:txBody>
+          <a:bodyPr/>
+          <a:lstStyle/>
+          <a:p>
+            <a:r>
+              <a:rPr lang="fr-CA" sz="1600" dirty="0" err="1">
+                <a:solidFill>
+                  <a:srgbClr val="3C5790"/>
+                </a:solidFill>
+              </a:rPr>
+              <a:t>What</a:t>
+            </a:r>
+            <a:r>
+              <a:rPr lang="fr-CA" sz="1600" dirty="0">
+                <a:solidFill>
+                  <a:srgbClr val="3C5790"/>
+                </a:solidFill>
+              </a:rPr>
+              <a:t> </a:t>
+            </a:r>
+            <a:r>
+              <a:rPr lang="fr-CA" sz="1600" dirty="0" err="1">
+                <a:solidFill>
+                  <a:srgbClr val="3C5790"/>
+                </a:solidFill>
+              </a:rPr>
+              <a:t>is</a:t>
+            </a:r>
+            <a:r>
+              <a:rPr lang="fr-CA" sz="1600" dirty="0">
+                <a:solidFill>
+                  <a:srgbClr val="3C5790"/>
+                </a:solidFill>
+              </a:rPr>
+              <a:t> </a:t>
+            </a:r>
+            <a:r>
+              <a:rPr lang="ro-RO" sz="1600" dirty="0">
+                <a:solidFill>
+                  <a:srgbClr val="3C5790"/>
+                </a:solidFill>
+              </a:rPr>
+              <a:t>ElasticSearch</a:t>
+            </a:r>
+            <a:r>
+              <a:rPr lang="fr-CA" sz="1600" dirty="0">
+                <a:solidFill>
+                  <a:srgbClr val="3C5790"/>
+                </a:solidFill>
+              </a:rPr>
+              <a:t>?</a:t>
+            </a:r>
+            <a:endParaRPr lang="ro-RO" sz="1600" dirty="0">
+              <a:solidFill>
+                <a:srgbClr val="3C5790"/>
+              </a:solidFill>
+            </a:endParaRPr>
+          </a:p>
+          <a:p>
+            <a:r>
+              <a:rPr lang="ro-RO" sz="1600" dirty="0">
+                <a:solidFill>
+                  <a:srgbClr val="3C5790"/>
+                </a:solidFill>
+              </a:rPr>
+              <a:t>Architecture</a:t>
+            </a:r>
+            <a:endParaRPr lang="fr-CA" sz="1600" dirty="0">
+              <a:solidFill>
+                <a:srgbClr val="3C5790"/>
+              </a:solidFill>
+            </a:endParaRPr>
+          </a:p>
+          <a:p>
+            <a:r>
+              <a:rPr lang="ro-RO" sz="1600" dirty="0">
+                <a:solidFill>
+                  <a:srgbClr val="3C5790"/>
+                </a:solidFill>
+              </a:rPr>
+              <a:t>Features</a:t>
+            </a:r>
+          </a:p>
+          <a:p>
+            <a:r>
+              <a:rPr lang="ro-RO" sz="1600" dirty="0">
+                <a:solidFill>
+                  <a:srgbClr val="3C5790"/>
+                </a:solidFill>
+              </a:rPr>
+              <a:t>Terms</a:t>
+            </a:r>
+          </a:p>
+          <a:p>
+            <a:r>
+              <a:rPr lang="ro-RO" sz="1600" dirty="0">
+                <a:solidFill>
+                  <a:srgbClr val="3C5790"/>
+                </a:solidFill>
+              </a:rPr>
+              <a:t>Configuration</a:t>
+            </a:r>
+          </a:p>
+          <a:p>
+            <a:r>
+              <a:rPr lang="ro-RO" sz="1600" dirty="0">
+                <a:solidFill>
+                  <a:srgbClr val="3C5790"/>
+                </a:solidFill>
+              </a:rPr>
+              <a:t>Core</a:t>
+            </a:r>
+          </a:p>
+          <a:p>
+            <a:r>
+              <a:rPr lang="ro-RO" sz="1600" dirty="0">
+                <a:solidFill>
+                  <a:srgbClr val="3C5790"/>
+                </a:solidFill>
+              </a:rPr>
+              <a:t>REST API</a:t>
+            </a:r>
+          </a:p>
+          <a:p>
+            <a:r>
+              <a:rPr lang="ro-RO" sz="1600" dirty="0">
+                <a:solidFill>
+                  <a:srgbClr val="3C5790"/>
+                </a:solidFill>
+              </a:rPr>
+              <a:t>Indexing</a:t>
+            </a:r>
+          </a:p>
+          <a:p>
+            <a:r>
+              <a:rPr lang="ro-RO" sz="1600" dirty="0">
+                <a:solidFill>
+                  <a:srgbClr val="3C5790"/>
+                </a:solidFill>
+              </a:rPr>
+              <a:t>Searching</a:t>
+            </a:r>
+          </a:p>
+          <a:p>
+            <a:r>
+              <a:rPr lang="ro-RO" sz="1600" dirty="0">
+                <a:solidFill>
+                  <a:srgbClr val="3C5790"/>
+                </a:solidFill>
+              </a:rPr>
+              <a:t>Clustering</a:t>
+            </a:r>
+            <a:endParaRPr lang="fr-CA" sz="1600" dirty="0">
+              <a:solidFill>
+                <a:srgbClr val="3C5790"/>
+              </a:solidFill>
+            </a:endParaRPr>
+          </a:p>
+          <a:p>
+            <a:r>
+              <a:rPr lang="fr-CA" sz="1600" dirty="0" err="1">
+                <a:solidFill>
+                  <a:srgbClr val="3C5790"/>
+                </a:solidFill>
+              </a:rPr>
+              <a:t>Bibliography</a:t>
+            </a:r>
+            <a:endParaRPr lang="fr-CA" sz="1600" dirty="0">
+              <a:solidFill>
+                <a:srgbClr val="3C5790"/>
+              </a:solidFill>
+            </a:endParaRPr>
+          </a:p>
+          <a:p>
+            <a:pPr>
+              <a:buNone/>
+            </a:pPr>
+            <a:br>
+              <a:rPr lang="fr-CA" sz="1600" dirty="0">
+                <a:solidFill>
+                  <a:srgbClr val="3C5790"/>
+                </a:solidFill>
+              </a:rPr>
+            </a:br>
+            <a:endParaRPr lang="fr-CA" sz="1600" dirty="0">
+              <a:solidFill>
+                <a:srgbClr val="3C5790"/>
+              </a:solidFill>
+            </a:endParaRPr>
+          </a:p>
+        </p:txBody>
+      </p:sp>
+    </p:spTree>
+  </p:cSld>
+  <p:clrMapOvr>
+    <a:masterClrMapping/>
+  </p:clrMapOvr>
+</p:sld>
+</file>
+
+<file path=ppt/slides/slide20.xml><?xml version="1.0" encoding="utf-8"?>
+<p:sld xmlns:a="http://schemas.openxmlformats.org/drawingml/2006/main" xmlns:r="http://schemas.openxmlformats.org/officeDocument/2006/relationships" xmlns:p="http://schemas.openxmlformats.org/presentationml/2006/main">
+  <p:cSld>
+    <p:bg>
+      <p:bgPr>
+        <a:blipFill dpi="0" rotWithShape="0">
+          <a:blip r:embed="rId2" cstate="print"/>
+          <a:srcRect/>
+          <a:stretch>
+            <a:fillRect/>
+          </a:stretch>
+        </a:blipFill>
+        <a:effectLst/>
+      </p:bgPr>
+    </p:bg>
+    <p:spTree>
+      <p:nvGrpSpPr>
+        <p:cNvPr id="1" name=""/>
+        <p:cNvGrpSpPr/>
+        <p:nvPr/>
+      </p:nvGrpSpPr>
+      <p:grpSpPr>
+        <a:xfrm>
+          <a:off x="0" y="0"/>
+          <a:ext cx="0" cy="0"/>
+          <a:chOff x="0" y="0"/>
+          <a:chExt cx="0" cy="0"/>
+        </a:xfrm>
+      </p:grpSpPr>
+      <p:sp>
+        <p:nvSpPr>
+          <p:cNvPr id="4098" name="Titre 3"/>
+          <p:cNvSpPr>
+            <a:spLocks noGrp="1"/>
+          </p:cNvSpPr>
+          <p:nvPr>
+            <p:ph type="title"/>
+          </p:nvPr>
+        </p:nvSpPr>
+        <p:spPr>
+          <a:xfrm>
+            <a:off x="228600" y="274638"/>
+            <a:ext cx="8686800" cy="1143000"/>
+          </a:xfrm>
+        </p:spPr>
+        <p:txBody>
+          <a:bodyPr/>
+          <a:lstStyle/>
+          <a:p>
+            <a:pPr lvl="1"/>
+            <a:r>
+              <a:rPr lang="ro-RO" dirty="0">
+                <a:solidFill>
+                  <a:schemeClr val="bg1"/>
+                </a:solidFill>
+              </a:rPr>
+              <a:t>REST API (cont.)</a:t>
+            </a:r>
+            <a:endParaRPr lang="fr-CA" dirty="0">
+              <a:solidFill>
+                <a:schemeClr val="bg1"/>
+              </a:solidFill>
+            </a:endParaRPr>
+          </a:p>
+        </p:txBody>
+      </p:sp>
+      <p:sp>
+        <p:nvSpPr>
+          <p:cNvPr id="4099" name="Espace réservé du contenu 4"/>
+          <p:cNvSpPr>
+            <a:spLocks noGrp="1"/>
+          </p:cNvSpPr>
+          <p:nvPr>
+            <p:ph idx="1"/>
+          </p:nvPr>
+        </p:nvSpPr>
+        <p:spPr>
+          <a:xfrm>
+            <a:off x="76200" y="1981200"/>
+            <a:ext cx="8686800" cy="762000"/>
+          </a:xfrm>
+        </p:spPr>
+        <p:txBody>
+          <a:bodyPr/>
+          <a:lstStyle/>
+          <a:p>
+            <a:r>
+              <a:rPr lang="en-US" sz="1400" dirty="0">
+                <a:solidFill>
+                  <a:srgbClr val="3C5790"/>
+                </a:solidFill>
+              </a:rPr>
+              <a:t>The </a:t>
+            </a:r>
+            <a:r>
+              <a:rPr lang="en-US" sz="1400" b="1" dirty="0">
+                <a:solidFill>
+                  <a:srgbClr val="3C5790"/>
+                </a:solidFill>
+              </a:rPr>
+              <a:t>bulk</a:t>
+            </a:r>
+            <a:r>
+              <a:rPr lang="en-US" sz="1400" dirty="0">
+                <a:solidFill>
+                  <a:srgbClr val="3C5790"/>
+                </a:solidFill>
+              </a:rPr>
+              <a:t> </a:t>
+            </a:r>
+            <a:r>
+              <a:rPr lang="en-US" sz="1400" b="1" dirty="0">
+                <a:solidFill>
+                  <a:srgbClr val="3C5790"/>
+                </a:solidFill>
+              </a:rPr>
+              <a:t>API</a:t>
+            </a:r>
+            <a:r>
+              <a:rPr lang="en-US" sz="1400" dirty="0">
+                <a:solidFill>
+                  <a:srgbClr val="3C5790"/>
+                </a:solidFill>
+              </a:rPr>
+              <a:t> performs multiple indexing or delete operations in a single API call.</a:t>
+            </a:r>
+          </a:p>
+          <a:p>
+            <a:r>
+              <a:rPr lang="en-US" sz="1400" dirty="0">
+                <a:solidFill>
+                  <a:srgbClr val="3C5790"/>
+                </a:solidFill>
+              </a:rPr>
+              <a:t>This reduces overhead and can greatly increase indexing speed.</a:t>
+            </a:r>
+            <a:endParaRPr lang="en-US" sz="1400" b="1" dirty="0">
+              <a:solidFill>
+                <a:srgbClr val="3C5790"/>
+              </a:solidFill>
+            </a:endParaRPr>
+          </a:p>
+          <a:p>
+            <a:endParaRPr lang="en-US" sz="1400" dirty="0">
+              <a:solidFill>
+                <a:srgbClr val="3C5790"/>
+              </a:solidFill>
+            </a:endParaRPr>
+          </a:p>
+        </p:txBody>
+      </p:sp>
+      <p:pic>
+        <p:nvPicPr>
+          <p:cNvPr id="7" name="Picture 6">
+            <a:extLst>
+              <a:ext uri="{FF2B5EF4-FFF2-40B4-BE49-F238E27FC236}">
+                <a16:creationId xmlns:a16="http://schemas.microsoft.com/office/drawing/2014/main" id="{FA50E60A-1AB4-4581-9CB8-E7FDF5D4356C}"/>
+              </a:ext>
+            </a:extLst>
+          </p:cNvPr>
+          <p:cNvPicPr>
+            <a:picLocks noChangeAspect="1"/>
+          </p:cNvPicPr>
+          <p:nvPr/>
+        </p:nvPicPr>
+        <p:blipFill>
+          <a:blip r:embed="rId3"/>
+          <a:stretch>
+            <a:fillRect/>
+          </a:stretch>
+        </p:blipFill>
+        <p:spPr>
+          <a:xfrm>
+            <a:off x="2209800" y="2635249"/>
+            <a:ext cx="3948113" cy="3948113"/>
+          </a:xfrm>
+          <a:prstGeom prst="rect">
+            <a:avLst/>
+          </a:prstGeom>
+        </p:spPr>
+      </p:pic>
+    </p:spTree>
+    <p:extLst>
+      <p:ext uri="{BB962C8B-B14F-4D97-AF65-F5344CB8AC3E}">
+        <p14:creationId xmlns:p14="http://schemas.microsoft.com/office/powerpoint/2010/main" val="3727175"/>
+      </p:ext>
+    </p:extLst>
+  </p:cSld>
+  <p:clrMapOvr>
+    <a:masterClrMapping/>
+  </p:clrMapOvr>
+</p:sld>
+</file>
+
+<file path=ppt/slides/slide21.xml><?xml version="1.0" encoding="utf-8"?>
+<p:sld xmlns:a="http://schemas.openxmlformats.org/drawingml/2006/main" xmlns:r="http://schemas.openxmlformats.org/officeDocument/2006/relationships" xmlns:p="http://schemas.openxmlformats.org/presentationml/2006/main">
+  <p:cSld>
+    <p:bg>
+      <p:bgPr>
+        <a:blipFill dpi="0" rotWithShape="0">
+          <a:blip r:embed="rId2" cstate="print"/>
+          <a:srcRect/>
+          <a:stretch>
+            <a:fillRect/>
+          </a:stretch>
+        </a:blipFill>
+        <a:effectLst/>
+      </p:bgPr>
+    </p:bg>
+    <p:spTree>
+      <p:nvGrpSpPr>
+        <p:cNvPr id="1" name=""/>
+        <p:cNvGrpSpPr/>
+        <p:nvPr/>
+      </p:nvGrpSpPr>
+      <p:grpSpPr>
+        <a:xfrm>
+          <a:off x="0" y="0"/>
+          <a:ext cx="0" cy="0"/>
+          <a:chOff x="0" y="0"/>
+          <a:chExt cx="0" cy="0"/>
+        </a:xfrm>
+      </p:grpSpPr>
+      <p:sp>
+        <p:nvSpPr>
+          <p:cNvPr id="4098" name="Titre 3"/>
+          <p:cNvSpPr>
+            <a:spLocks noGrp="1"/>
+          </p:cNvSpPr>
+          <p:nvPr>
+            <p:ph type="title"/>
+          </p:nvPr>
+        </p:nvSpPr>
+        <p:spPr>
+          <a:xfrm>
+            <a:off x="228600" y="274638"/>
+            <a:ext cx="8686800" cy="1143000"/>
+          </a:xfrm>
+        </p:spPr>
+        <p:txBody>
+          <a:bodyPr/>
+          <a:lstStyle/>
+          <a:p>
+            <a:pPr lvl="1"/>
+            <a:r>
+              <a:rPr lang="ro-RO" dirty="0">
+                <a:solidFill>
+                  <a:schemeClr val="bg1"/>
+                </a:solidFill>
+              </a:rPr>
+              <a:t>REST API (cont.)</a:t>
+            </a:r>
+            <a:endParaRPr lang="fr-CA" dirty="0">
+              <a:solidFill>
+                <a:schemeClr val="bg1"/>
+              </a:solidFill>
+            </a:endParaRPr>
+          </a:p>
+        </p:txBody>
+      </p:sp>
+      <p:sp>
+        <p:nvSpPr>
+          <p:cNvPr id="4099" name="Espace réservé du contenu 4"/>
+          <p:cNvSpPr>
+            <a:spLocks noGrp="1"/>
+          </p:cNvSpPr>
+          <p:nvPr>
+            <p:ph idx="1"/>
+          </p:nvPr>
+        </p:nvSpPr>
+        <p:spPr>
+          <a:xfrm>
+            <a:off x="76200" y="1981200"/>
+            <a:ext cx="8686800" cy="838200"/>
+          </a:xfrm>
+        </p:spPr>
+        <p:txBody>
+          <a:bodyPr/>
+          <a:lstStyle/>
+          <a:p>
+            <a:r>
+              <a:rPr lang="en-US" sz="1400" dirty="0">
+                <a:solidFill>
+                  <a:srgbClr val="3C5790"/>
+                </a:solidFill>
+              </a:rPr>
+              <a:t>By default, </a:t>
+            </a:r>
+            <a:r>
+              <a:rPr lang="en-US" sz="1400" dirty="0" err="1">
+                <a:solidFill>
+                  <a:srgbClr val="3C5790"/>
+                </a:solidFill>
+              </a:rPr>
+              <a:t>Elasticsearch</a:t>
+            </a:r>
+            <a:r>
+              <a:rPr lang="en-US" sz="1400" dirty="0">
+                <a:solidFill>
+                  <a:srgbClr val="3C5790"/>
+                </a:solidFill>
+              </a:rPr>
+              <a:t> increments the version when a document is added, changed or deleted.</a:t>
+            </a:r>
+          </a:p>
+          <a:p>
+            <a:r>
+              <a:rPr lang="en-US" sz="1400" dirty="0">
+                <a:solidFill>
+                  <a:srgbClr val="3C5790"/>
+                </a:solidFill>
+              </a:rPr>
+              <a:t>We can perform query using in the URL the </a:t>
+            </a:r>
+            <a:r>
+              <a:rPr lang="en-US" sz="1400" b="1" dirty="0">
+                <a:solidFill>
+                  <a:srgbClr val="3C5790"/>
+                </a:solidFill>
+              </a:rPr>
+              <a:t>"q"</a:t>
+            </a:r>
+            <a:r>
+              <a:rPr lang="en-US" sz="1400" dirty="0">
+                <a:solidFill>
+                  <a:srgbClr val="3C5790"/>
+                </a:solidFill>
+              </a:rPr>
+              <a:t> parameter and we need to specify the terms.</a:t>
+            </a:r>
+            <a:endParaRPr lang="ro-RO" sz="1400" dirty="0">
+              <a:solidFill>
+                <a:srgbClr val="3C5790"/>
+              </a:solidFill>
+            </a:endParaRPr>
+          </a:p>
+          <a:p>
+            <a:endParaRPr lang="en-US" sz="1400" dirty="0">
               <a:solidFill>
                 <a:srgbClr val="3C5790"/>
               </a:solidFill>
@@ -4820,21 +6843,19 @@
         </p:spPr>
       </p:pic>
     </p:spTree>
+    <p:extLst>
+      <p:ext uri="{BB962C8B-B14F-4D97-AF65-F5344CB8AC3E}">
+        <p14:creationId xmlns:p14="http://schemas.microsoft.com/office/powerpoint/2010/main" val="1644411622"/>
+      </p:ext>
+    </p:extLst>
   </p:cSld>
   <p:clrMapOvr>
     <a:masterClrMapping/>
   </p:clrMapOvr>
-  <p:timing>
-    <p:tnLst>
-      <p:par>
-        <p:cTn id="1" dur="indefinite" restart="never" nodeType="tmRoot"/>
-      </p:par>
-    </p:tnLst>
-  </p:timing>
 </p:sld>
 </file>
 
-<file path=ppt/slides/slide15.xml><?xml version="1.0" encoding="utf-8"?>
+<file path=ppt/slides/slide22.xml><?xml version="1.0" encoding="utf-8"?>
 <p:sld xmlns:a="http://schemas.openxmlformats.org/drawingml/2006/main" xmlns:r="http://schemas.openxmlformats.org/officeDocument/2006/relationships" xmlns:p="http://schemas.openxmlformats.org/presentationml/2006/main">
   <p:cSld>
     <p:bg>
@@ -4885,14 +6906,14 @@
           <a:p>
             <a:pPr lvl="1"/>
             <a:r>
-              <a:rPr lang="ro-RO" dirty="0" smtClean="0">
+              <a:rPr lang="ro-RO" dirty="0">
                 <a:solidFill>
                   <a:schemeClr val="bg1"/>
                 </a:solidFill>
               </a:rPr>
               <a:t>REST API (cont.)</a:t>
             </a:r>
-            <a:endParaRPr lang="fr-CA" dirty="0" smtClean="0">
+            <a:endParaRPr lang="fr-CA" dirty="0">
               <a:solidFill>
                 <a:schemeClr val="bg1"/>
               </a:solidFill>
@@ -4921,7 +6942,7 @@
           <a:lstStyle/>
           <a:p>
             <a:r>
-              <a:rPr lang="en-US" sz="1400" dirty="0" smtClean="0">
+              <a:rPr lang="en-US" sz="1400" dirty="0">
                 <a:solidFill>
                   <a:srgbClr val="3C5790"/>
                 </a:solidFill>
@@ -4929,7 +6950,7 @@
               <a:t>The </a:t>
             </a:r>
             <a:r>
-              <a:rPr lang="en-US" sz="1400" b="1" dirty="0" err="1" smtClean="0">
+              <a:rPr lang="en-US" sz="1400" b="1" dirty="0" err="1">
                 <a:solidFill>
                   <a:srgbClr val="3C5790"/>
                 </a:solidFill>
@@ -4937,7 +6958,7 @@
               <a:t>default_operator</a:t>
             </a:r>
             <a:r>
-              <a:rPr lang="en-US" sz="1400" dirty="0" smtClean="0">
+              <a:rPr lang="en-US" sz="1400" dirty="0">
                 <a:solidFill>
                   <a:srgbClr val="3C5790"/>
                 </a:solidFill>
@@ -4945,7 +6966,7 @@
               <a:t> property can be set to </a:t>
             </a:r>
             <a:r>
-              <a:rPr lang="en-US" sz="1400" b="1" dirty="0" smtClean="0">
+              <a:rPr lang="en-US" sz="1400" b="1" dirty="0">
                 <a:solidFill>
                   <a:srgbClr val="3C5790"/>
                 </a:solidFill>
@@ -4953,7 +6974,7 @@
               <a:t>OR</a:t>
             </a:r>
             <a:r>
-              <a:rPr lang="en-US" sz="1400" dirty="0" smtClean="0">
+              <a:rPr lang="en-US" sz="1400" dirty="0">
                 <a:solidFill>
                   <a:srgbClr val="3C5790"/>
                 </a:solidFill>
@@ -4961,7 +6982,7 @@
               <a:t> </a:t>
             </a:r>
             <a:r>
-              <a:rPr lang="en-US" sz="1400" dirty="0" err="1" smtClean="0">
+              <a:rPr lang="en-US" sz="1400" dirty="0" err="1">
                 <a:solidFill>
                   <a:srgbClr val="3C5790"/>
                 </a:solidFill>
@@ -4969,7 +6990,7 @@
               <a:t>or</a:t>
             </a:r>
             <a:r>
-              <a:rPr lang="en-US" sz="1400" dirty="0" smtClean="0">
+              <a:rPr lang="en-US" sz="1400" dirty="0">
                 <a:solidFill>
                   <a:srgbClr val="3C5790"/>
                 </a:solidFill>
@@ -4977,7 +6998,7 @@
               <a:t> </a:t>
             </a:r>
             <a:r>
-              <a:rPr lang="en-US" sz="1400" b="1" dirty="0" smtClean="0">
+              <a:rPr lang="en-US" sz="1400" b="1" dirty="0">
                 <a:solidFill>
                   <a:srgbClr val="3C5790"/>
                 </a:solidFill>
@@ -4985,7 +7006,7 @@
               <a:t>AND</a:t>
             </a:r>
             <a:r>
-              <a:rPr lang="en-US" sz="1400" dirty="0" smtClean="0">
+              <a:rPr lang="en-US" sz="1400" dirty="0">
                 <a:solidFill>
                   <a:srgbClr val="3C5790"/>
                 </a:solidFill>
@@ -4993,7 +7014,7 @@
               <a:t> </a:t>
             </a:r>
             <a:r>
-              <a:rPr lang="en-US" sz="1400" dirty="0" err="1" smtClean="0">
+              <a:rPr lang="en-US" sz="1400" dirty="0" err="1">
                 <a:solidFill>
                   <a:srgbClr val="3C5790"/>
                 </a:solidFill>
@@ -5001,7 +7022,7 @@
               <a:t>and</a:t>
             </a:r>
             <a:r>
-              <a:rPr lang="en-US" sz="1400" dirty="0" smtClean="0">
+              <a:rPr lang="en-US" sz="1400" dirty="0">
                 <a:solidFill>
                   <a:srgbClr val="3C5790"/>
                 </a:solidFill>
@@ -5011,14 +7032,14 @@
           </a:p>
           <a:p>
             <a:r>
-              <a:rPr lang="en-US" sz="1400" dirty="0" smtClean="0">
-                <a:solidFill>
-                  <a:srgbClr val="3C5790"/>
-                </a:solidFill>
-              </a:rPr>
-              <a:t>By default it's set to OR, which means that a single query term match will be enough for a document to be returned.</a:t>
-            </a:r>
-            <a:endParaRPr lang="ro-RO" sz="1400" dirty="0" smtClean="0">
+              <a:rPr lang="en-US" sz="1400" dirty="0">
+                <a:solidFill>
+                  <a:srgbClr val="3C5790"/>
+                </a:solidFill>
+              </a:rPr>
+              <a:t>By default, it's set to OR, which means that a single query term match will be enough for a document to be returned.</a:t>
+            </a:r>
+            <a:endParaRPr lang="ro-RO" sz="1400" dirty="0">
               <a:solidFill>
                 <a:srgbClr val="3C5790"/>
               </a:solidFill>
@@ -5026,31 +7047,15 @@
           </a:p>
           <a:p>
             <a:r>
-              <a:rPr lang="en-US" sz="1400" dirty="0" smtClean="0">
-                <a:solidFill>
-                  <a:srgbClr val="3C5790"/>
-                </a:solidFill>
-              </a:rPr>
-              <a:t>By default </a:t>
-            </a:r>
-            <a:r>
-              <a:rPr lang="en-US" sz="1400" dirty="0" err="1" smtClean="0">
-                <a:solidFill>
-                  <a:srgbClr val="3C5790"/>
-                </a:solidFill>
-              </a:rPr>
-              <a:t>Elasticsearch</a:t>
-            </a:r>
-            <a:r>
-              <a:rPr lang="en-US" sz="1400" dirty="0" smtClean="0">
-                <a:solidFill>
-                  <a:srgbClr val="3C5790"/>
-                </a:solidFill>
-              </a:rPr>
-              <a:t> doesn't have timeout for queries, but we can use the </a:t>
-            </a:r>
-            <a:r>
-              <a:rPr lang="en-US" sz="1400" b="1" dirty="0" smtClean="0">
+              <a:rPr lang="en-US" sz="1400" dirty="0">
+                <a:solidFill>
+                  <a:srgbClr val="3C5790"/>
+                </a:solidFill>
+              </a:rPr>
+              <a:t>By default, Elasticsearch doesn't have timeout for queries, but we can use the </a:t>
+            </a:r>
+            <a:r>
+              <a:rPr lang="en-US" sz="1400" b="1" dirty="0">
                 <a:solidFill>
                   <a:srgbClr val="3C5790"/>
                 </a:solidFill>
@@ -5058,7 +7063,7 @@
               <a:t>timeout</a:t>
             </a:r>
             <a:r>
-              <a:rPr lang="en-US" sz="1400" dirty="0" smtClean="0">
+              <a:rPr lang="en-US" sz="1400" dirty="0">
                 <a:solidFill>
                   <a:srgbClr val="3C5790"/>
                 </a:solidFill>
@@ -5068,7 +7073,7 @@
           </a:p>
           <a:p>
             <a:r>
-              <a:rPr lang="en-US" sz="1400" dirty="0" smtClean="0">
+              <a:rPr lang="en-US" sz="1400" dirty="0">
                 <a:solidFill>
                   <a:srgbClr val="3C5790"/>
                 </a:solidFill>
@@ -5083,17 +7088,10 @@
   <p:clrMapOvr>
     <a:masterClrMapping/>
   </p:clrMapOvr>
-  <p:timing>
-    <p:tnLst>
-      <p:par>
-        <p:cTn id="1" dur="indefinite" restart="never" nodeType="tmRoot"/>
-      </p:par>
-    </p:tnLst>
-  </p:timing>
 </p:sld>
 </file>
 
-<file path=ppt/slides/slide16.xml><?xml version="1.0" encoding="utf-8"?>
+<file path=ppt/slides/slide23.xml><?xml version="1.0" encoding="utf-8"?>
 <p:sld xmlns:a="http://schemas.openxmlformats.org/drawingml/2006/main" xmlns:r="http://schemas.openxmlformats.org/officeDocument/2006/relationships" xmlns:p="http://schemas.openxmlformats.org/presentationml/2006/main">
   <p:cSld>
     <p:bg>
@@ -5144,14 +7142,14 @@
           <a:p>
             <a:pPr lvl="1"/>
             <a:r>
-              <a:rPr lang="ro-RO" dirty="0" smtClean="0">
+              <a:rPr lang="ro-RO" dirty="0">
                 <a:solidFill>
                   <a:schemeClr val="bg1"/>
                 </a:solidFill>
               </a:rPr>
               <a:t>REST API (cont.)</a:t>
             </a:r>
-            <a:endParaRPr lang="fr-CA" dirty="0" smtClean="0">
+            <a:endParaRPr lang="fr-CA" dirty="0">
               <a:solidFill>
                 <a:schemeClr val="bg1"/>
               </a:solidFill>
@@ -5180,7 +7178,7 @@
           <a:lstStyle/>
           <a:p>
             <a:r>
-              <a:rPr lang="en-US" sz="1400" dirty="0" smtClean="0">
+              <a:rPr lang="en-US" sz="1400" dirty="0">
                 <a:solidFill>
                   <a:srgbClr val="3C5790"/>
                 </a:solidFill>
@@ -5188,7 +7186,7 @@
               <a:t>We can use the </a:t>
             </a:r>
             <a:r>
-              <a:rPr lang="en-US" sz="1400" b="1" dirty="0" smtClean="0">
+              <a:rPr lang="en-US" sz="1400" b="1" dirty="0">
                 <a:solidFill>
                   <a:srgbClr val="3C5790"/>
                 </a:solidFill>
@@ -5196,7 +7194,7 @@
               <a:t>sort</a:t>
             </a:r>
             <a:r>
-              <a:rPr lang="en-US" sz="1400" dirty="0" smtClean="0">
+              <a:rPr lang="en-US" sz="1400" dirty="0">
                 <a:solidFill>
                   <a:srgbClr val="3C5790"/>
                 </a:solidFill>
@@ -5206,33 +7204,17 @@
           </a:p>
           <a:p>
             <a:r>
-              <a:rPr lang="en-US" sz="1400" dirty="0" smtClean="0">
-                <a:solidFill>
-                  <a:srgbClr val="3C5790"/>
-                </a:solidFill>
-              </a:rPr>
-              <a:t>By default </a:t>
-            </a:r>
-            <a:r>
-              <a:rPr lang="en-US" sz="1400" dirty="0" err="1" smtClean="0">
-                <a:solidFill>
-                  <a:srgbClr val="3C5790"/>
-                </a:solidFill>
-              </a:rPr>
-              <a:t>Elasticsearch</a:t>
-            </a:r>
-            <a:r>
-              <a:rPr lang="en-US" sz="1400" dirty="0" smtClean="0">
-                <a:solidFill>
-                  <a:srgbClr val="3C5790"/>
-                </a:solidFill>
-              </a:rPr>
-              <a:t> is returning documents by their score in descending order.</a:t>
-            </a:r>
-          </a:p>
-          <a:p>
-            <a:r>
-              <a:rPr lang="en-US" sz="1400" dirty="0" smtClean="0">
+              <a:rPr lang="en-US" sz="1400" dirty="0">
+                <a:solidFill>
+                  <a:srgbClr val="3C5790"/>
+                </a:solidFill>
+              </a:rPr>
+              <a:t>By default, Elasticsearch is returning documents by their score in descending order.</a:t>
+            </a:r>
+          </a:p>
+          <a:p>
+            <a:r>
+              <a:rPr lang="en-US" sz="1400" dirty="0">
                 <a:solidFill>
                   <a:srgbClr val="3C5790"/>
                 </a:solidFill>
@@ -5240,7 +7222,7 @@
               <a:t>We can sort by certain field like: sort=</a:t>
             </a:r>
             <a:r>
-              <a:rPr lang="en-US" sz="1400" dirty="0" err="1" smtClean="0">
+              <a:rPr lang="en-US" sz="1400" dirty="0" err="1">
                 <a:solidFill>
                   <a:srgbClr val="3C5790"/>
                 </a:solidFill>
@@ -5248,14 +7230,14 @@
               <a:t>published:desc</a:t>
             </a:r>
             <a:r>
-              <a:rPr lang="en-US" sz="1400" dirty="0" smtClean="0">
+              <a:rPr lang="en-US" sz="1400" dirty="0">
                 <a:solidFill>
                   <a:srgbClr val="3C5790"/>
                 </a:solidFill>
               </a:rPr>
               <a:t>.</a:t>
             </a:r>
-            <a:endParaRPr lang="ro-RO" sz="1400" dirty="0" smtClean="0">
+            <a:endParaRPr lang="ro-RO" sz="1400" dirty="0">
               <a:solidFill>
                 <a:srgbClr val="3C5790"/>
               </a:solidFill>
@@ -5263,7 +7245,7 @@
           </a:p>
           <a:p>
             <a:r>
-              <a:rPr lang="en-US" sz="1400" dirty="0" smtClean="0">
+              <a:rPr lang="en-US" sz="1400" dirty="0">
                 <a:solidFill>
                   <a:srgbClr val="3C5790"/>
                 </a:solidFill>
@@ -5271,7 +7253,7 @@
               <a:t>We can specify the window size results using 2 parameters: </a:t>
             </a:r>
             <a:r>
-              <a:rPr lang="en-US" sz="1400" b="1" dirty="0" smtClean="0">
+              <a:rPr lang="en-US" sz="1400" b="1" dirty="0">
                 <a:solidFill>
                   <a:srgbClr val="3C5790"/>
                 </a:solidFill>
@@ -5279,7 +7261,7 @@
               <a:t>size</a:t>
             </a:r>
             <a:r>
-              <a:rPr lang="en-US" sz="1400" dirty="0" smtClean="0">
+              <a:rPr lang="en-US" sz="1400" dirty="0">
                 <a:solidFill>
                   <a:srgbClr val="3C5790"/>
                 </a:solidFill>
@@ -5287,7 +7269,7 @@
               <a:t> and </a:t>
             </a:r>
             <a:r>
-              <a:rPr lang="en-US" sz="1400" b="1" dirty="0" smtClean="0">
+              <a:rPr lang="en-US" sz="1400" b="1" dirty="0">
                 <a:solidFill>
                   <a:srgbClr val="3C5790"/>
                 </a:solidFill>
@@ -5295,7 +7277,7 @@
               <a:t>from</a:t>
             </a:r>
             <a:r>
-              <a:rPr lang="en-US" sz="1400" dirty="0" smtClean="0">
+              <a:rPr lang="en-US" sz="1400" dirty="0">
                 <a:solidFill>
                   <a:srgbClr val="3C5790"/>
                 </a:solidFill>
@@ -5305,7 +7287,7 @@
           </a:p>
           <a:p>
             <a:r>
-              <a:rPr lang="en-US" sz="1400" dirty="0" smtClean="0">
+              <a:rPr lang="en-US" sz="1400" dirty="0">
                 <a:solidFill>
                   <a:srgbClr val="3C5790"/>
                 </a:solidFill>
@@ -5315,7 +7297,7 @@
           </a:p>
           <a:p>
             <a:r>
-              <a:rPr lang="en-US" sz="1400" dirty="0" smtClean="0">
+              <a:rPr lang="en-US" sz="1400" dirty="0">
                 <a:solidFill>
                   <a:srgbClr val="3C5790"/>
                 </a:solidFill>
@@ -5325,12 +7307,12 @@
           </a:p>
           <a:p>
             <a:r>
-              <a:rPr lang="en-US" sz="1400" dirty="0" smtClean="0">
-                <a:solidFill>
-                  <a:srgbClr val="3C5790"/>
-                </a:solidFill>
-              </a:rPr>
-              <a:t>If we want to retrieve 5 documents starting from the 11 one we use in the query: size=5&amp;from=10.</a:t>
+              <a:rPr lang="en-US" sz="1400" dirty="0">
+                <a:solidFill>
+                  <a:srgbClr val="3C5790"/>
+                </a:solidFill>
+              </a:rPr>
+              <a:t>If we want to retrieve 5 documents starting from the 11 one, we use in the query: size=5&amp;from=10.</a:t>
             </a:r>
           </a:p>
         </p:txBody>
@@ -5340,17 +7322,10 @@
   <p:clrMapOvr>
     <a:masterClrMapping/>
   </p:clrMapOvr>
-  <p:timing>
-    <p:tnLst>
-      <p:par>
-        <p:cTn id="1" dur="indefinite" restart="never" nodeType="tmRoot"/>
-      </p:par>
-    </p:tnLst>
-  </p:timing>
 </p:sld>
 </file>
 
-<file path=ppt/slides/slide17.xml><?xml version="1.0" encoding="utf-8"?>
+<file path=ppt/slides/slide24.xml><?xml version="1.0" encoding="utf-8"?>
 <p:sld xmlns:a="http://schemas.openxmlformats.org/drawingml/2006/main" xmlns:r="http://schemas.openxmlformats.org/officeDocument/2006/relationships" xmlns:p="http://schemas.openxmlformats.org/presentationml/2006/main">
   <p:cSld>
     <p:bg>
@@ -5401,14 +7376,14 @@
           <a:p>
             <a:pPr lvl="1"/>
             <a:r>
-              <a:rPr lang="ro-RO" dirty="0" smtClean="0">
+              <a:rPr lang="ro-RO" dirty="0">
                 <a:solidFill>
                   <a:schemeClr val="bg1"/>
                 </a:solidFill>
               </a:rPr>
               <a:t>REST API (cont.)</a:t>
             </a:r>
-            <a:endParaRPr lang="fr-CA" dirty="0" smtClean="0">
+            <a:endParaRPr lang="fr-CA" dirty="0">
               <a:solidFill>
                 <a:schemeClr val="bg1"/>
               </a:solidFill>
@@ -5437,7 +7412,7 @@
           <a:lstStyle/>
           <a:p>
             <a:r>
-              <a:rPr lang="en-US" sz="1400" dirty="0" smtClean="0">
+              <a:rPr lang="en-US" sz="1400" dirty="0">
                 <a:solidFill>
                   <a:srgbClr val="3C5790"/>
                 </a:solidFill>
@@ -5447,7 +7422,7 @@
           </a:p>
           <a:p>
             <a:r>
-              <a:rPr lang="en-US" sz="1400" dirty="0" smtClean="0">
+              <a:rPr lang="en-US" sz="1400" dirty="0">
                 <a:solidFill>
                   <a:srgbClr val="3C5790"/>
                 </a:solidFill>
@@ -5457,7 +7432,7 @@
           </a:p>
           <a:p>
             <a:r>
-              <a:rPr lang="en-US" sz="1400" dirty="0" smtClean="0">
+              <a:rPr lang="en-US" sz="1400" dirty="0">
                 <a:solidFill>
                   <a:srgbClr val="3C5790"/>
                 </a:solidFill>
@@ -5470,7 +7445,7 @@
               <a:buNone/>
             </a:pPr>
             <a:r>
-              <a:rPr lang="ro-RO" sz="1400" dirty="0" smtClean="0">
+              <a:rPr lang="ro-RO" sz="1400" dirty="0">
                 <a:solidFill>
                   <a:srgbClr val="3C5790"/>
                 </a:solidFill>
@@ -5478,7 +7453,7 @@
               <a:t>  	</a:t>
             </a:r>
             <a:r>
-              <a:rPr lang="en-US" sz="1400" dirty="0" smtClean="0">
+              <a:rPr lang="en-US" sz="1400" dirty="0">
                 <a:solidFill>
                   <a:srgbClr val="3C5790"/>
                 </a:solidFill>
@@ -5491,7 +7466,7 @@
               <a:buNone/>
             </a:pPr>
             <a:r>
-              <a:rPr lang="ro-RO" sz="1400" dirty="0" smtClean="0">
+              <a:rPr lang="ro-RO" sz="1400" dirty="0">
                 <a:solidFill>
                   <a:srgbClr val="3C5790"/>
                 </a:solidFill>
@@ -5499,7 +7474,7 @@
               <a:t>	               </a:t>
             </a:r>
             <a:r>
-              <a:rPr lang="en-US" sz="1400" dirty="0" smtClean="0">
+              <a:rPr lang="en-US" sz="1400" dirty="0">
                 <a:solidFill>
                   <a:srgbClr val="3C5790"/>
                 </a:solidFill>
@@ -5512,7 +7487,7 @@
               <a:buNone/>
             </a:pPr>
             <a:r>
-              <a:rPr lang="ro-RO" sz="1400" dirty="0" smtClean="0">
+              <a:rPr lang="ro-RO" sz="1400" dirty="0">
                 <a:solidFill>
                   <a:srgbClr val="3C5790"/>
                 </a:solidFill>
@@ -5520,7 +7495,7 @@
               <a:t>	              </a:t>
             </a:r>
             <a:r>
-              <a:rPr lang="en-US" sz="1400" dirty="0" smtClean="0">
+              <a:rPr lang="en-US" sz="1400" dirty="0">
                 <a:solidFill>
                   <a:srgbClr val="3C5790"/>
                 </a:solidFill>
@@ -5533,7 +7508,7 @@
               <a:buNone/>
             </a:pPr>
             <a:r>
-              <a:rPr lang="ro-RO" sz="1400" dirty="0" smtClean="0">
+              <a:rPr lang="ro-RO" sz="1400" dirty="0">
                 <a:solidFill>
                   <a:srgbClr val="3C5790"/>
                 </a:solidFill>
@@ -5541,7 +7516,7 @@
               <a:t>	              </a:t>
             </a:r>
             <a:r>
-              <a:rPr lang="en-US" sz="1400" dirty="0" smtClean="0">
+              <a:rPr lang="en-US" sz="1400" dirty="0">
                 <a:solidFill>
                   <a:srgbClr val="3C5790"/>
                 </a:solidFill>
@@ -5554,7 +7529,7 @@
               <a:buNone/>
             </a:pPr>
             <a:r>
-              <a:rPr lang="ro-RO" sz="1400" dirty="0" smtClean="0">
+              <a:rPr lang="ro-RO" sz="1400" dirty="0">
                 <a:solidFill>
                   <a:srgbClr val="3C5790"/>
                 </a:solidFill>
@@ -5562,7 +7537,7 @@
               <a:t>	</a:t>
             </a:r>
             <a:r>
-              <a:rPr lang="en-US" sz="1400" dirty="0" smtClean="0">
+              <a:rPr lang="en-US" sz="1400" dirty="0">
                 <a:solidFill>
                   <a:srgbClr val="3C5790"/>
                 </a:solidFill>
@@ -5577,17 +7552,10 @@
   <p:clrMapOvr>
     <a:masterClrMapping/>
   </p:clrMapOvr>
-  <p:timing>
-    <p:tnLst>
-      <p:par>
-        <p:cTn id="1" dur="indefinite" restart="never" nodeType="tmRoot"/>
-      </p:par>
-    </p:tnLst>
-  </p:timing>
 </p:sld>
 </file>
 
-<file path=ppt/slides/slide18.xml><?xml version="1.0" encoding="utf-8"?>
+<file path=ppt/slides/slide25.xml><?xml version="1.0" encoding="utf-8"?>
 <p:sld xmlns:a="http://schemas.openxmlformats.org/drawingml/2006/main" xmlns:r="http://schemas.openxmlformats.org/officeDocument/2006/relationships" xmlns:p="http://schemas.openxmlformats.org/presentationml/2006/main">
   <p:cSld>
     <p:bg>
@@ -5638,14 +7606,14 @@
           <a:p>
             <a:pPr lvl="1"/>
             <a:r>
-              <a:rPr lang="ro-RO" dirty="0" smtClean="0">
+              <a:rPr lang="ro-RO" dirty="0">
                 <a:solidFill>
                   <a:schemeClr val="bg1"/>
                 </a:solidFill>
               </a:rPr>
               <a:t>Indexing</a:t>
             </a:r>
-            <a:endParaRPr lang="fr-CA" dirty="0" smtClean="0">
+            <a:endParaRPr lang="fr-CA" dirty="0">
               <a:solidFill>
                 <a:schemeClr val="bg1"/>
               </a:solidFill>
@@ -5674,7 +7642,7 @@
           <a:lstStyle/>
           <a:p>
             <a:r>
-              <a:rPr lang="en-US" sz="1400" dirty="0" err="1" smtClean="0">
+              <a:rPr lang="en-US" sz="1400" dirty="0" err="1">
                 <a:solidFill>
                   <a:srgbClr val="3C5790"/>
                 </a:solidFill>
@@ -5682,7 +7650,7 @@
               <a:t>Elasticsearch</a:t>
             </a:r>
             <a:r>
-              <a:rPr lang="en-US" sz="1400" dirty="0" smtClean="0">
+              <a:rPr lang="en-US" sz="1400" dirty="0">
                 <a:solidFill>
                   <a:srgbClr val="3C5790"/>
                 </a:solidFill>
@@ -5692,7 +7660,7 @@
           </a:p>
           <a:p>
             <a:r>
-              <a:rPr lang="en-US" sz="1400" dirty="0" smtClean="0">
+              <a:rPr lang="en-US" sz="1400" dirty="0">
                 <a:solidFill>
                   <a:srgbClr val="3C5790"/>
                 </a:solidFill>
@@ -5702,7 +7670,7 @@
           </a:p>
           <a:p>
             <a:r>
-              <a:rPr lang="en-US" sz="1400" dirty="0" smtClean="0">
+              <a:rPr lang="en-US" sz="1400" dirty="0">
                 <a:solidFill>
                   <a:srgbClr val="3C5790"/>
                 </a:solidFill>
@@ -5712,12 +7680,12 @@
           </a:p>
           <a:p>
             <a:r>
-              <a:rPr lang="en-US" sz="1400" dirty="0" smtClean="0">
-                <a:solidFill>
-                  <a:srgbClr val="3C5790"/>
-                </a:solidFill>
-              </a:rPr>
-              <a:t>Having a shard and its replica, in general, means that when we index a document we will modify them both.</a:t>
+              <a:rPr lang="en-US" sz="1400" dirty="0">
+                <a:solidFill>
+                  <a:srgbClr val="3C5790"/>
+                </a:solidFill>
+              </a:rPr>
+              <a:t>Having a shard and its replica, in general, means that when we index a document, we will modify them both.</a:t>
             </a:r>
           </a:p>
         </p:txBody>
@@ -5727,17 +7695,10 @@
   <p:clrMapOvr>
     <a:masterClrMapping/>
   </p:clrMapOvr>
-  <p:timing>
-    <p:tnLst>
-      <p:par>
-        <p:cTn id="1" dur="indefinite" restart="never" nodeType="tmRoot"/>
-      </p:par>
-    </p:tnLst>
-  </p:timing>
 </p:sld>
 </file>
 
-<file path=ppt/slides/slide19.xml><?xml version="1.0" encoding="utf-8"?>
+<file path=ppt/slides/slide26.xml><?xml version="1.0" encoding="utf-8"?>
 <p:sld xmlns:a="http://schemas.openxmlformats.org/drawingml/2006/main" xmlns:r="http://schemas.openxmlformats.org/officeDocument/2006/relationships" xmlns:p="http://schemas.openxmlformats.org/presentationml/2006/main">
   <p:cSld>
     <p:bg>
@@ -5788,14 +7749,14 @@
           <a:p>
             <a:pPr lvl="1"/>
             <a:r>
-              <a:rPr lang="ro-RO" dirty="0" smtClean="0">
+              <a:rPr lang="ro-RO" dirty="0">
                 <a:solidFill>
                   <a:schemeClr val="bg1"/>
                 </a:solidFill>
               </a:rPr>
               <a:t>Indexing (cont.)</a:t>
             </a:r>
-            <a:endParaRPr lang="fr-CA" dirty="0" smtClean="0">
+            <a:endParaRPr lang="fr-CA" dirty="0">
               <a:solidFill>
                 <a:schemeClr val="bg1"/>
               </a:solidFill>
@@ -5824,33 +7785,17 @@
           <a:lstStyle/>
           <a:p>
             <a:r>
-              <a:rPr lang="en-US" sz="1400" dirty="0" smtClean="0">
-                <a:solidFill>
-                  <a:srgbClr val="3C5790"/>
-                </a:solidFill>
-              </a:rPr>
-              <a:t>More shards allow to spread </a:t>
-            </a:r>
-            <a:r>
-              <a:rPr lang="en-US" sz="1400" dirty="0" err="1" smtClean="0">
-                <a:solidFill>
-                  <a:srgbClr val="3C5790"/>
-                </a:solidFill>
-              </a:rPr>
-              <a:t>indeces</a:t>
-            </a:r>
-            <a:r>
-              <a:rPr lang="en-US" sz="1400" dirty="0" smtClean="0">
-                <a:solidFill>
-                  <a:srgbClr val="3C5790"/>
-                </a:solidFill>
-              </a:rPr>
-              <a:t> to more server and we can handler more documents without losing performance.</a:t>
-            </a:r>
-          </a:p>
-          <a:p>
-            <a:r>
-              <a:rPr lang="en-US" sz="1400" dirty="0" smtClean="0">
+              <a:rPr lang="en-US" sz="1400" dirty="0">
+                <a:solidFill>
+                  <a:srgbClr val="3C5790"/>
+                </a:solidFill>
+              </a:rPr>
+              <a:t>More shards allow to spread indices to more server, and we can handler more documents without losing performance.</a:t>
+            </a:r>
+          </a:p>
+          <a:p>
+            <a:r>
+              <a:rPr lang="en-US" sz="1400" dirty="0">
                 <a:solidFill>
                   <a:srgbClr val="3C5790"/>
                 </a:solidFill>
@@ -5860,7 +7805,7 @@
           </a:p>
           <a:p>
             <a:r>
-              <a:rPr lang="en-US" sz="1400" dirty="0" smtClean="0">
+              <a:rPr lang="en-US" sz="1400" dirty="0">
                 <a:solidFill>
                   <a:srgbClr val="3C5790"/>
                 </a:solidFill>
@@ -5868,7 +7813,7 @@
               <a:t>When we have more replicas the higher the query throughput will be because the query ca</a:t>
             </a:r>
             <a:r>
-              <a:rPr lang="ro-RO" sz="1400" dirty="0" smtClean="0">
+              <a:rPr lang="ro-RO" sz="1400" dirty="0">
                 <a:solidFill>
                   <a:srgbClr val="3C5790"/>
                 </a:solidFill>
@@ -5876,7 +7821,7 @@
               <a:t>n</a:t>
             </a:r>
             <a:r>
-              <a:rPr lang="en-US" sz="1400" dirty="0" smtClean="0">
+              <a:rPr lang="en-US" sz="1400" dirty="0">
                 <a:solidFill>
                   <a:srgbClr val="3C5790"/>
                 </a:solidFill>
@@ -5884,7 +7829,7 @@
               <a:t> use </a:t>
             </a:r>
             <a:r>
-              <a:rPr lang="ro-RO" sz="1400" dirty="0" smtClean="0">
+              <a:rPr lang="ro-RO" sz="1400" dirty="0">
                 <a:solidFill>
                   <a:srgbClr val="3C5790"/>
                 </a:solidFill>
@@ -5892,20 +7837,12 @@
               <a:t>e</a:t>
             </a:r>
             <a:r>
-              <a:rPr lang="en-US" sz="1400" dirty="0" err="1" smtClean="0">
-                <a:solidFill>
-                  <a:srgbClr val="3C5790"/>
-                </a:solidFill>
-              </a:rPr>
-              <a:t>ither</a:t>
-            </a:r>
-            <a:r>
-              <a:rPr lang="en-US" sz="1400" dirty="0" smtClean="0">
-                <a:solidFill>
-                  <a:srgbClr val="3C5790"/>
-                </a:solidFill>
-              </a:rPr>
-              <a:t> a shard or any of its copies.</a:t>
+              <a:rPr lang="en-US" sz="1400" dirty="0">
+                <a:solidFill>
+                  <a:srgbClr val="3C5790"/>
+                </a:solidFill>
+              </a:rPr>
+              <a:t>ither a shard or any of its copies.</a:t>
             </a:r>
           </a:p>
         </p:txBody>
@@ -5947,297 +7884,10 @@
   <p:clrMapOvr>
     <a:masterClrMapping/>
   </p:clrMapOvr>
-  <p:timing>
-    <p:tnLst>
-      <p:par>
-        <p:cTn id="1" dur="indefinite" restart="never" nodeType="tmRoot"/>
-      </p:par>
-    </p:tnLst>
-  </p:timing>
 </p:sld>
 </file>
 
-<file path=ppt/slides/slide2.xml><?xml version="1.0" encoding="utf-8"?>
-<p:sld xmlns:a="http://schemas.openxmlformats.org/drawingml/2006/main" xmlns:r="http://schemas.openxmlformats.org/officeDocument/2006/relationships" xmlns:p="http://schemas.openxmlformats.org/presentationml/2006/main">
-  <p:cSld>
-    <p:spTree>
-      <p:nvGrpSpPr>
-        <p:cNvPr id="1" name=""/>
-        <p:cNvGrpSpPr/>
-        <p:nvPr/>
-      </p:nvGrpSpPr>
-      <p:grpSpPr>
-        <a:xfrm>
-          <a:off x="0" y="0"/>
-          <a:ext cx="0" cy="0"/>
-          <a:chOff x="0" y="0"/>
-          <a:chExt cx="0" cy="0"/>
-        </a:xfrm>
-      </p:grpSpPr>
-      <p:sp>
-        <p:nvSpPr>
-          <p:cNvPr id="3074" name="Titre 1"/>
-          <p:cNvSpPr>
-            <a:spLocks noGrp="1"/>
-          </p:cNvSpPr>
-          <p:nvPr>
-            <p:ph type="title"/>
-          </p:nvPr>
-        </p:nvSpPr>
-        <p:spPr>
-          <a:xfrm>
-            <a:off x="2071688" y="274638"/>
-            <a:ext cx="6615112" cy="1143000"/>
-          </a:xfrm>
-        </p:spPr>
-        <p:txBody>
-          <a:bodyPr/>
-          <a:lstStyle/>
-          <a:p>
-            <a:pPr algn="l"/>
-            <a:r>
-              <a:rPr lang="fr-CA" sz="4000" dirty="0" smtClean="0">
-                <a:solidFill>
-                  <a:srgbClr val="3C5790"/>
-                </a:solidFill>
-              </a:rPr>
-              <a:t>Contents</a:t>
-            </a:r>
-          </a:p>
-        </p:txBody>
-      </p:sp>
-      <p:sp>
-        <p:nvSpPr>
-          <p:cNvPr id="3075" name="Espace réservé du contenu 2"/>
-          <p:cNvSpPr>
-            <a:spLocks noGrp="1"/>
-          </p:cNvSpPr>
-          <p:nvPr>
-            <p:ph idx="1"/>
-          </p:nvPr>
-        </p:nvSpPr>
-        <p:spPr>
-          <a:xfrm>
-            <a:off x="2071688" y="1600200"/>
-            <a:ext cx="6615112" cy="5029200"/>
-          </a:xfrm>
-        </p:spPr>
-        <p:txBody>
-          <a:bodyPr/>
-          <a:lstStyle/>
-          <a:p>
-            <a:r>
-              <a:rPr lang="fr-CA" sz="1600" dirty="0" err="1" smtClean="0">
-                <a:solidFill>
-                  <a:srgbClr val="3C5790"/>
-                </a:solidFill>
-              </a:rPr>
-              <a:t>What</a:t>
-            </a:r>
-            <a:r>
-              <a:rPr lang="fr-CA" sz="1600" dirty="0" smtClean="0">
-                <a:solidFill>
-                  <a:srgbClr val="3C5790"/>
-                </a:solidFill>
-              </a:rPr>
-              <a:t> </a:t>
-            </a:r>
-            <a:r>
-              <a:rPr lang="fr-CA" sz="1600" dirty="0" err="1" smtClean="0">
-                <a:solidFill>
-                  <a:srgbClr val="3C5790"/>
-                </a:solidFill>
-              </a:rPr>
-              <a:t>is</a:t>
-            </a:r>
-            <a:r>
-              <a:rPr lang="fr-CA" sz="1600" dirty="0" smtClean="0">
-                <a:solidFill>
-                  <a:srgbClr val="3C5790"/>
-                </a:solidFill>
-              </a:rPr>
-              <a:t> </a:t>
-            </a:r>
-            <a:r>
-              <a:rPr lang="ro-RO" sz="1600" dirty="0" smtClean="0">
-                <a:solidFill>
-                  <a:srgbClr val="3C5790"/>
-                </a:solidFill>
-              </a:rPr>
-              <a:t>ElasticSearch</a:t>
-            </a:r>
-            <a:r>
-              <a:rPr lang="fr-CA" sz="1600" dirty="0" smtClean="0">
-                <a:solidFill>
-                  <a:srgbClr val="3C5790"/>
-                </a:solidFill>
-              </a:rPr>
-              <a:t>?</a:t>
-            </a:r>
-            <a:endParaRPr lang="ro-RO" sz="1600" dirty="0" smtClean="0">
-              <a:solidFill>
-                <a:srgbClr val="3C5790"/>
-              </a:solidFill>
-            </a:endParaRPr>
-          </a:p>
-          <a:p>
-            <a:r>
-              <a:rPr lang="ro-RO" sz="1600" dirty="0" smtClean="0">
-                <a:solidFill>
-                  <a:srgbClr val="3C5790"/>
-                </a:solidFill>
-              </a:rPr>
-              <a:t>Architecture</a:t>
-            </a:r>
-            <a:endParaRPr lang="fr-CA" sz="1600" dirty="0" smtClean="0">
-              <a:solidFill>
-                <a:srgbClr val="3C5790"/>
-              </a:solidFill>
-            </a:endParaRPr>
-          </a:p>
-          <a:p>
-            <a:r>
-              <a:rPr lang="ro-RO" sz="1600" dirty="0" smtClean="0">
-                <a:solidFill>
-                  <a:srgbClr val="3C5790"/>
-                </a:solidFill>
-              </a:rPr>
-              <a:t>Features</a:t>
-            </a:r>
-          </a:p>
-          <a:p>
-            <a:r>
-              <a:rPr lang="ro-RO" sz="1600" dirty="0" smtClean="0">
-                <a:solidFill>
-                  <a:srgbClr val="3C5790"/>
-                </a:solidFill>
-              </a:rPr>
-              <a:t>Terms</a:t>
-            </a:r>
-          </a:p>
-          <a:p>
-            <a:r>
-              <a:rPr lang="ro-RO" sz="1600" dirty="0" smtClean="0">
-                <a:solidFill>
-                  <a:srgbClr val="3C5790"/>
-                </a:solidFill>
-              </a:rPr>
-              <a:t>Configuration</a:t>
-            </a:r>
-          </a:p>
-          <a:p>
-            <a:r>
-              <a:rPr lang="ro-RO" sz="1600" dirty="0" smtClean="0">
-                <a:solidFill>
-                  <a:srgbClr val="3C5790"/>
-                </a:solidFill>
-              </a:rPr>
-              <a:t>Core</a:t>
-            </a:r>
-          </a:p>
-          <a:p>
-            <a:r>
-              <a:rPr lang="ro-RO" sz="1600" dirty="0" smtClean="0">
-                <a:solidFill>
-                  <a:srgbClr val="3C5790"/>
-                </a:solidFill>
-              </a:rPr>
-              <a:t>REST API</a:t>
-            </a:r>
-          </a:p>
-          <a:p>
-            <a:r>
-              <a:rPr lang="ro-RO" sz="1600" dirty="0" smtClean="0">
-                <a:solidFill>
-                  <a:srgbClr val="3C5790"/>
-                </a:solidFill>
-              </a:rPr>
-              <a:t>Indexing</a:t>
-            </a:r>
-          </a:p>
-          <a:p>
-            <a:r>
-              <a:rPr lang="ro-RO" sz="1600" dirty="0" smtClean="0">
-                <a:solidFill>
-                  <a:srgbClr val="3C5790"/>
-                </a:solidFill>
-              </a:rPr>
-              <a:t>Searching</a:t>
-            </a:r>
-          </a:p>
-          <a:p>
-            <a:r>
-              <a:rPr lang="ro-RO" sz="1600" dirty="0" smtClean="0">
-                <a:solidFill>
-                  <a:srgbClr val="3C5790"/>
-                </a:solidFill>
-              </a:rPr>
-              <a:t>Clustering</a:t>
-            </a:r>
-            <a:endParaRPr lang="fr-CA" sz="1600" dirty="0" smtClean="0">
-              <a:solidFill>
-                <a:srgbClr val="3C5790"/>
-              </a:solidFill>
-            </a:endParaRPr>
-          </a:p>
-          <a:p>
-            <a:r>
-              <a:rPr lang="fr-CA" sz="1600" dirty="0" err="1" smtClean="0">
-                <a:solidFill>
-                  <a:srgbClr val="3C5790"/>
-                </a:solidFill>
-              </a:rPr>
-              <a:t>Bibliography</a:t>
-            </a:r>
-            <a:endParaRPr lang="fr-CA" sz="1600" dirty="0" smtClean="0">
-              <a:solidFill>
-                <a:srgbClr val="3C5790"/>
-              </a:solidFill>
-            </a:endParaRPr>
-          </a:p>
-          <a:p>
-            <a:pPr>
-              <a:buNone/>
-            </a:pPr>
-            <a:r>
-              <a:rPr lang="fr-CA" sz="1600" dirty="0" smtClean="0">
-                <a:solidFill>
-                  <a:srgbClr val="3C5790"/>
-                </a:solidFill>
-              </a:rPr>
-              <a:t/>
-            </a:r>
-            <a:br>
-              <a:rPr lang="fr-CA" sz="1600" dirty="0" smtClean="0">
-                <a:solidFill>
-                  <a:srgbClr val="3C5790"/>
-                </a:solidFill>
-              </a:rPr>
-            </a:br>
-            <a:endParaRPr lang="fr-CA" sz="1600" dirty="0" smtClean="0">
-              <a:solidFill>
-                <a:srgbClr val="3C5790"/>
-              </a:solidFill>
-            </a:endParaRPr>
-          </a:p>
-        </p:txBody>
-      </p:sp>
-    </p:spTree>
-  </p:cSld>
-  <p:clrMapOvr>
-    <a:masterClrMapping/>
-  </p:clrMapOvr>
-  <p:timing>
-    <p:tnLst>
-      <p:par>
-        <p:cTn id="1" dur="indefinite" restart="never" nodeType="tmRoot"/>
-      </p:par>
-    </p:tnLst>
-  </p:timing>
-</p:sld>
-</file>
-
-<file path=ppt/slides/slide20.xml><?xml version="1.0" encoding="utf-8"?>
+<file path=ppt/slides/slide27.xml><?xml version="1.0" encoding="utf-8"?>
 <p:sld xmlns:a="http://schemas.openxmlformats.org/drawingml/2006/main" xmlns:r="http://schemas.openxmlformats.org/officeDocument/2006/relationships" xmlns:p="http://schemas.openxmlformats.org/presentationml/2006/main">
   <p:cSld>
     <p:bg>
@@ -6288,14 +7938,14 @@
           <a:p>
             <a:pPr lvl="1"/>
             <a:r>
-              <a:rPr lang="ro-RO" dirty="0" smtClean="0">
+              <a:rPr lang="ro-RO" dirty="0">
                 <a:solidFill>
                   <a:schemeClr val="bg1"/>
                 </a:solidFill>
               </a:rPr>
               <a:t>Indexing (cont.)</a:t>
             </a:r>
-            <a:endParaRPr lang="fr-CA" dirty="0" smtClean="0">
+            <a:endParaRPr lang="fr-CA" dirty="0">
               <a:solidFill>
                 <a:schemeClr val="bg1"/>
               </a:solidFill>
@@ -6324,7 +7974,7 @@
           <a:lstStyle/>
           <a:p>
             <a:r>
-              <a:rPr lang="en-US" sz="1400" dirty="0" smtClean="0">
+              <a:rPr lang="en-US" sz="1400" dirty="0">
                 <a:solidFill>
                   <a:srgbClr val="3C5790"/>
                 </a:solidFill>
@@ -6334,7 +7984,7 @@
           </a:p>
           <a:p>
             <a:r>
-              <a:rPr lang="en-US" sz="1400" dirty="0" smtClean="0">
+              <a:rPr lang="en-US" sz="1400" dirty="0">
                 <a:solidFill>
                   <a:srgbClr val="3C5790"/>
                 </a:solidFill>
@@ -6342,7 +7992,7 @@
               <a:t>URL: </a:t>
             </a:r>
             <a:r>
-              <a:rPr lang="en-US" sz="1400" b="1" dirty="0" smtClean="0">
+              <a:rPr lang="en-US" sz="1400" b="1" dirty="0">
                 <a:solidFill>
                   <a:srgbClr val="3C5790"/>
                 </a:solidFill>
@@ -6352,33 +8002,17 @@
           </a:p>
           <a:p>
             <a:r>
-              <a:rPr lang="en-US" sz="1400" dirty="0" smtClean="0">
-                <a:solidFill>
-                  <a:srgbClr val="3C5790"/>
-                </a:solidFill>
-              </a:rPr>
-              <a:t>Index and type are required </a:t>
-            </a:r>
-            <a:r>
-              <a:rPr lang="en-US" sz="1400" dirty="0" smtClean="0">
-                <a:solidFill>
-                  <a:srgbClr val="3C5790"/>
-                </a:solidFill>
-              </a:rPr>
-              <a:t>while </a:t>
-            </a:r>
-            <a:r>
-              <a:rPr lang="en-US" sz="1400" dirty="0" smtClean="0">
-                <a:solidFill>
-                  <a:srgbClr val="3C5790"/>
-                </a:solidFill>
-              </a:rPr>
-              <a:t>the id part is optional.</a:t>
-            </a:r>
-          </a:p>
-          <a:p>
-            <a:r>
-              <a:rPr lang="en-US" sz="1400" dirty="0" smtClean="0">
+              <a:rPr lang="en-US" sz="1400" dirty="0">
+                <a:solidFill>
+                  <a:srgbClr val="3C5790"/>
+                </a:solidFill>
+              </a:rPr>
+              <a:t>Index and type are required while the id part is optional.</a:t>
+            </a:r>
+          </a:p>
+          <a:p>
+            <a:r>
+              <a:rPr lang="en-US" sz="1400" dirty="0">
                 <a:solidFill>
                   <a:srgbClr val="3C5790"/>
                 </a:solidFill>
@@ -6386,7 +8020,7 @@
               <a:t>If we don't specify an ID </a:t>
             </a:r>
             <a:r>
-              <a:rPr lang="en-US" sz="1400" dirty="0" err="1" smtClean="0">
+              <a:rPr lang="en-US" sz="1400" dirty="0" err="1">
                 <a:solidFill>
                   <a:srgbClr val="3C5790"/>
                 </a:solidFill>
@@ -6394,7 +8028,7 @@
               <a:t>ElasticSearch</a:t>
             </a:r>
             <a:r>
-              <a:rPr lang="en-US" sz="1400" dirty="0" smtClean="0">
+              <a:rPr lang="en-US" sz="1400" dirty="0">
                 <a:solidFill>
                   <a:srgbClr val="3C5790"/>
                 </a:solidFill>
@@ -6404,7 +8038,7 @@
           </a:p>
           <a:p>
             <a:r>
-              <a:rPr lang="en-US" sz="1400" dirty="0" smtClean="0">
+              <a:rPr lang="en-US" sz="1400" dirty="0">
                 <a:solidFill>
                   <a:srgbClr val="3C5790"/>
                 </a:solidFill>
@@ -6414,7 +8048,7 @@
           </a:p>
           <a:p>
             <a:r>
-              <a:rPr lang="en-US" sz="1400" dirty="0" smtClean="0">
+              <a:rPr lang="en-US" sz="1400" dirty="0">
                 <a:solidFill>
                   <a:srgbClr val="3C5790"/>
                 </a:solidFill>
@@ -6422,7 +8056,7 @@
               <a:t>The index name </a:t>
             </a:r>
             <a:r>
-              <a:rPr lang="en-US" sz="1400" dirty="0" err="1" smtClean="0">
+              <a:rPr lang="en-US" sz="1400" dirty="0" err="1">
                 <a:solidFill>
                   <a:srgbClr val="3C5790"/>
                 </a:solidFill>
@@ -6430,7 +8064,7 @@
               <a:t>i</a:t>
             </a:r>
             <a:r>
-              <a:rPr lang="ro-RO" sz="1400" dirty="0" smtClean="0">
+              <a:rPr lang="ro-RO" sz="1400" dirty="0">
                 <a:solidFill>
                   <a:srgbClr val="3C5790"/>
                 </a:solidFill>
@@ -6438,26 +8072,13 @@
               <a:t>s</a:t>
             </a:r>
             <a:r>
-              <a:rPr lang="en-US" sz="1400" dirty="0" smtClean="0">
-                <a:solidFill>
-                  <a:srgbClr val="3C5790"/>
-                </a:solidFill>
-              </a:rPr>
-              <a:t> </a:t>
-            </a:r>
-            <a:r>
-              <a:rPr lang="en-US" sz="1400" dirty="0" smtClean="0">
-                <a:solidFill>
-                  <a:srgbClr val="3C5790"/>
-                </a:solidFill>
-              </a:rPr>
-              <a:t>arbitrary.</a:t>
-            </a:r>
-            <a:endParaRPr lang="en-US" sz="1400" dirty="0" smtClean="0">
-              <a:solidFill>
-                <a:srgbClr val="3C5790"/>
-              </a:solidFill>
-            </a:endParaRPr>
+              <a:rPr lang="en-US" sz="1400" dirty="0">
+                <a:solidFill>
+                  <a:srgbClr val="3C5790"/>
+                </a:solidFill>
+              </a:rPr>
+              <a:t> arbitrary.</a:t>
+            </a:r>
           </a:p>
         </p:txBody>
       </p:sp>
@@ -6466,17 +8087,10 @@
   <p:clrMapOvr>
     <a:masterClrMapping/>
   </p:clrMapOvr>
-  <p:timing>
-    <p:tnLst>
-      <p:par>
-        <p:cTn id="1" dur="indefinite" restart="never" nodeType="tmRoot"/>
-      </p:par>
-    </p:tnLst>
-  </p:timing>
 </p:sld>
 </file>
 
-<file path=ppt/slides/slide21.xml><?xml version="1.0" encoding="utf-8"?>
+<file path=ppt/slides/slide28.xml><?xml version="1.0" encoding="utf-8"?>
 <p:sld xmlns:a="http://schemas.openxmlformats.org/drawingml/2006/main" xmlns:r="http://schemas.openxmlformats.org/officeDocument/2006/relationships" xmlns:p="http://schemas.openxmlformats.org/presentationml/2006/main">
   <p:cSld>
     <p:bg>
@@ -6527,14 +8141,14 @@
           <a:p>
             <a:pPr lvl="1"/>
             <a:r>
-              <a:rPr lang="ro-RO" dirty="0" smtClean="0">
+              <a:rPr lang="ro-RO" dirty="0">
                 <a:solidFill>
                   <a:schemeClr val="bg1"/>
                 </a:solidFill>
               </a:rPr>
               <a:t>Searching</a:t>
             </a:r>
-            <a:endParaRPr lang="fr-CA" dirty="0" smtClean="0">
+            <a:endParaRPr lang="fr-CA" dirty="0">
               <a:solidFill>
                 <a:schemeClr val="bg1"/>
               </a:solidFill>
@@ -6563,7 +8177,7 @@
           <a:lstStyle/>
           <a:p>
             <a:r>
-              <a:rPr lang="en-US" sz="1400" dirty="0" err="1" smtClean="0">
+              <a:rPr lang="en-US" sz="1400" dirty="0" err="1">
                 <a:solidFill>
                   <a:srgbClr val="3C5790"/>
                 </a:solidFill>
@@ -6571,7 +8185,7 @@
               <a:t>Elasticsearch</a:t>
             </a:r>
             <a:r>
-              <a:rPr lang="en-US" sz="1400" dirty="0" smtClean="0">
+              <a:rPr lang="en-US" sz="1400" dirty="0">
                 <a:solidFill>
                   <a:srgbClr val="3C5790"/>
                 </a:solidFill>
@@ -6579,7 +8193,7 @@
               <a:t> supports two kinds of queries: </a:t>
             </a:r>
             <a:r>
-              <a:rPr lang="en-US" sz="1400" b="1" dirty="0" smtClean="0">
+              <a:rPr lang="en-US" sz="1400" b="1" dirty="0">
                 <a:solidFill>
                   <a:srgbClr val="3C5790"/>
                 </a:solidFill>
@@ -6587,7 +8201,7 @@
               <a:t>basic ones </a:t>
             </a:r>
             <a:r>
-              <a:rPr lang="en-US" sz="1400" dirty="0" smtClean="0">
+              <a:rPr lang="en-US" sz="1400" dirty="0">
                 <a:solidFill>
                   <a:srgbClr val="3C5790"/>
                 </a:solidFill>
@@ -6595,7 +8209,7 @@
               <a:t>and </a:t>
             </a:r>
             <a:r>
-              <a:rPr lang="en-US" sz="1400" b="1" dirty="0" smtClean="0">
+              <a:rPr lang="en-US" sz="1400" b="1" dirty="0">
                 <a:solidFill>
                   <a:srgbClr val="3C5790"/>
                 </a:solidFill>
@@ -6603,7 +8217,7 @@
               <a:t>compound ones</a:t>
             </a:r>
             <a:r>
-              <a:rPr lang="en-US" sz="1400" dirty="0" smtClean="0">
+              <a:rPr lang="en-US" sz="1400" dirty="0">
                 <a:solidFill>
                   <a:srgbClr val="3C5790"/>
                 </a:solidFill>
@@ -6613,7 +8227,7 @@
           </a:p>
           <a:p>
             <a:r>
-              <a:rPr lang="en-US" sz="1400" dirty="0" smtClean="0">
+              <a:rPr lang="en-US" sz="1400" dirty="0">
                 <a:solidFill>
                   <a:srgbClr val="3C5790"/>
                 </a:solidFill>
@@ -6621,7 +8235,7 @@
               <a:t>Basic queries such as the </a:t>
             </a:r>
             <a:r>
-              <a:rPr lang="en-US" sz="1400" b="1" dirty="0" smtClean="0">
+              <a:rPr lang="en-US" sz="1400" b="1" dirty="0">
                 <a:solidFill>
                   <a:srgbClr val="3C5790"/>
                 </a:solidFill>
@@ -6629,7 +8243,7 @@
               <a:t>term</a:t>
             </a:r>
             <a:r>
-              <a:rPr lang="en-US" sz="1400" dirty="0" smtClean="0">
+              <a:rPr lang="en-US" sz="1400" dirty="0">
                 <a:solidFill>
                   <a:srgbClr val="3C5790"/>
                 </a:solidFill>
@@ -6639,7 +8253,7 @@
           </a:p>
           <a:p>
             <a:r>
-              <a:rPr lang="en-US" sz="1400" dirty="0" smtClean="0">
+              <a:rPr lang="en-US" sz="1400" dirty="0">
                 <a:solidFill>
                   <a:srgbClr val="3C5790"/>
                 </a:solidFill>
@@ -6647,7 +8261,7 @@
               <a:t>The second type of query is the compound query, such as the </a:t>
             </a:r>
             <a:r>
-              <a:rPr lang="en-US" sz="1400" b="1" dirty="0" err="1" smtClean="0">
+              <a:rPr lang="en-US" sz="1400" b="1" dirty="0" err="1">
                 <a:solidFill>
                   <a:srgbClr val="3C5790"/>
                 </a:solidFill>
@@ -6655,7 +8269,7 @@
               <a:t>bool</a:t>
             </a:r>
             <a:r>
-              <a:rPr lang="en-US" sz="1400" dirty="0" smtClean="0">
+              <a:rPr lang="en-US" sz="1400" dirty="0">
                 <a:solidFill>
                   <a:srgbClr val="3C5790"/>
                 </a:solidFill>
@@ -6665,18 +8279,13 @@
           </a:p>
           <a:p>
             <a:r>
-              <a:rPr lang="en-US" sz="1400" dirty="0" smtClean="0">
-                <a:solidFill>
-                  <a:srgbClr val="3C5790"/>
-                </a:solidFill>
-              </a:rPr>
-              <a:t>In addition we can have filter queries that are used to filter the results with certain criteria.</a:t>
-            </a:r>
-            <a:endParaRPr lang="en-US" sz="1400" dirty="0" smtClean="0">
-              <a:solidFill>
-                <a:srgbClr val="3C5790"/>
-              </a:solidFill>
-            </a:endParaRPr>
+              <a:rPr lang="en-US" sz="1400" dirty="0">
+                <a:solidFill>
+                  <a:srgbClr val="3C5790"/>
+                </a:solidFill>
+              </a:rPr>
+              <a:t>In addition, we can have filter queries that are used to filter the results with certain criteria.</a:t>
+            </a:r>
           </a:p>
         </p:txBody>
       </p:sp>
@@ -6685,17 +8294,10 @@
   <p:clrMapOvr>
     <a:masterClrMapping/>
   </p:clrMapOvr>
-  <p:timing>
-    <p:tnLst>
-      <p:par>
-        <p:cTn id="1" dur="indefinite" restart="never" nodeType="tmRoot"/>
-      </p:par>
-    </p:tnLst>
-  </p:timing>
 </p:sld>
 </file>
 
-<file path=ppt/slides/slide22.xml><?xml version="1.0" encoding="utf-8"?>
+<file path=ppt/slides/slide29.xml><?xml version="1.0" encoding="utf-8"?>
 <p:sld xmlns:a="http://schemas.openxmlformats.org/drawingml/2006/main" xmlns:r="http://schemas.openxmlformats.org/officeDocument/2006/relationships" xmlns:p="http://schemas.openxmlformats.org/presentationml/2006/main">
   <p:cSld>
     <p:bg>
@@ -6746,14 +8348,14 @@
           <a:p>
             <a:pPr lvl="1"/>
             <a:r>
-              <a:rPr lang="ro-RO" dirty="0" smtClean="0">
+              <a:rPr lang="ro-RO" dirty="0">
                 <a:solidFill>
                   <a:schemeClr val="bg1"/>
                 </a:solidFill>
               </a:rPr>
               <a:t>Searching (cont.)</a:t>
             </a:r>
-            <a:endParaRPr lang="fr-CA" dirty="0" smtClean="0">
+            <a:endParaRPr lang="fr-CA" dirty="0">
               <a:solidFill>
                 <a:schemeClr val="bg1"/>
               </a:solidFill>
@@ -6782,7 +8384,7 @@
           <a:lstStyle/>
           <a:p>
             <a:r>
-              <a:rPr lang="en-US" sz="1400" dirty="0" smtClean="0">
+              <a:rPr lang="en-US" sz="1400" dirty="0">
                 <a:solidFill>
                   <a:srgbClr val="3C5790"/>
                 </a:solidFill>
@@ -6790,7 +8392,7 @@
               <a:t>In order to search with </a:t>
             </a:r>
             <a:r>
-              <a:rPr lang="en-US" sz="1400" dirty="0" err="1" smtClean="0">
+              <a:rPr lang="en-US" sz="1400" dirty="0" err="1">
                 <a:solidFill>
                   <a:srgbClr val="3C5790"/>
                 </a:solidFill>
@@ -6798,7 +8400,7 @@
               <a:t>ElastiSearch</a:t>
             </a:r>
             <a:r>
-              <a:rPr lang="en-US" sz="1400" dirty="0" smtClean="0">
+              <a:rPr lang="en-US" sz="1400" dirty="0">
                 <a:solidFill>
                   <a:srgbClr val="3C5790"/>
                 </a:solidFill>
@@ -6806,7 +8408,7 @@
               <a:t> we can use the </a:t>
             </a:r>
             <a:r>
-              <a:rPr lang="en-US" sz="1400" b="1" dirty="0" smtClean="0">
+              <a:rPr lang="en-US" sz="1400" b="1" dirty="0">
                 <a:solidFill>
                   <a:srgbClr val="3C5790"/>
                 </a:solidFill>
@@ -6814,7 +8416,7 @@
               <a:t>_search</a:t>
             </a:r>
             <a:r>
-              <a:rPr lang="en-US" sz="1400" dirty="0" smtClean="0">
+              <a:rPr lang="en-US" sz="1400" dirty="0">
                 <a:solidFill>
                   <a:srgbClr val="3C5790"/>
                 </a:solidFill>
@@ -6824,7 +8426,7 @@
           </a:p>
           <a:p>
             <a:r>
-              <a:rPr lang="en-US" sz="1400" dirty="0" smtClean="0">
+              <a:rPr lang="en-US" sz="1400" dirty="0">
                 <a:solidFill>
                   <a:srgbClr val="3C5790"/>
                 </a:solidFill>
@@ -6832,7 +8434,7 @@
               <a:t>The search URL pattern is </a:t>
             </a:r>
             <a:r>
-              <a:rPr lang="en-US" sz="1400" b="1" dirty="0" smtClean="0">
+              <a:rPr lang="en-US" sz="1400" b="1" dirty="0">
                 <a:solidFill>
                   <a:srgbClr val="3C5790"/>
                 </a:solidFill>
@@ -6840,7 +8442,7 @@
               <a:t>&lt;index&gt;/&lt;type&gt;/_search</a:t>
             </a:r>
             <a:r>
-              <a:rPr lang="en-US" sz="1400" dirty="0" smtClean="0">
+              <a:rPr lang="en-US" sz="1400" dirty="0">
                 <a:solidFill>
                   <a:srgbClr val="3C5790"/>
                 </a:solidFill>
@@ -6850,23 +8452,15 @@
           </a:p>
           <a:p>
             <a:r>
-              <a:rPr lang="en-US" sz="1400" b="1" dirty="0" smtClean="0">
-                <a:solidFill>
-                  <a:srgbClr val="3C5790"/>
-                </a:solidFill>
-              </a:rPr>
-              <a:t>http</a:t>
-            </a:r>
-            <a:r>
-              <a:rPr lang="en-US" sz="1400" b="1" dirty="0" smtClean="0">
-                <a:solidFill>
-                  <a:srgbClr val="3C5790"/>
-                </a:solidFill>
-              </a:rPr>
-              <a:t>://localhost:9200/_search</a:t>
-            </a:r>
-            <a:r>
-              <a:rPr lang="en-US" sz="1400" dirty="0" smtClean="0">
+              <a:rPr lang="en-US" sz="1400" b="1" dirty="0">
+                <a:solidFill>
+                  <a:srgbClr val="3C5790"/>
+                </a:solidFill>
+              </a:rPr>
+              <a:t>http://localhost:9200/_search</a:t>
+            </a:r>
+            <a:r>
+              <a:rPr lang="en-US" sz="1400" dirty="0">
                 <a:solidFill>
                   <a:srgbClr val="3C5790"/>
                 </a:solidFill>
@@ -6876,7 +8470,7 @@
           </a:p>
           <a:p>
             <a:r>
-              <a:rPr lang="en-US" sz="1400" b="1" dirty="0" smtClean="0">
+              <a:rPr lang="en-US" sz="1400" b="1" dirty="0">
                 <a:solidFill>
                   <a:srgbClr val="3C5790"/>
                 </a:solidFill>
@@ -6884,7 +8478,7 @@
               <a:t>http://localhost:9200/movies/_search</a:t>
             </a:r>
             <a:r>
-              <a:rPr lang="en-US" sz="1400" dirty="0" smtClean="0">
+              <a:rPr lang="en-US" sz="1400" dirty="0">
                 <a:solidFill>
                   <a:srgbClr val="3C5790"/>
                 </a:solidFill>
@@ -6894,7 +8488,7 @@
           </a:p>
           <a:p>
             <a:r>
-              <a:rPr lang="en-US" sz="1400" b="1" dirty="0" smtClean="0">
+              <a:rPr lang="en-US" sz="1400" b="1" dirty="0">
                 <a:solidFill>
                   <a:srgbClr val="3C5790"/>
                 </a:solidFill>
@@ -6902,18 +8496,13 @@
               <a:t>http://localhost:9200/movies/movie/_search</a:t>
             </a:r>
             <a:r>
-              <a:rPr lang="en-US" sz="1400" dirty="0" smtClean="0">
+              <a:rPr lang="en-US" sz="1400" dirty="0">
                 <a:solidFill>
                   <a:srgbClr val="3C5790"/>
                 </a:solidFill>
               </a:rPr>
               <a:t> - Search explicitly for documents of type movie within the movies index.</a:t>
             </a:r>
-            <a:endParaRPr lang="en-US" sz="1400" dirty="0" smtClean="0">
-              <a:solidFill>
-                <a:srgbClr val="3C5790"/>
-              </a:solidFill>
-            </a:endParaRPr>
           </a:p>
         </p:txBody>
       </p:sp>
@@ -6922,17 +8511,10 @@
   <p:clrMapOvr>
     <a:masterClrMapping/>
   </p:clrMapOvr>
-  <p:timing>
-    <p:tnLst>
-      <p:par>
-        <p:cTn id="1" dur="indefinite" restart="never" nodeType="tmRoot"/>
-      </p:par>
-    </p:tnLst>
-  </p:timing>
 </p:sld>
 </file>
 
-<file path=ppt/slides/slide23.xml><?xml version="1.0" encoding="utf-8"?>
+<file path=ppt/slides/slide3.xml><?xml version="1.0" encoding="utf-8"?>
 <p:sld xmlns:a="http://schemas.openxmlformats.org/drawingml/2006/main" xmlns:r="http://schemas.openxmlformats.org/officeDocument/2006/relationships" xmlns:p="http://schemas.openxmlformats.org/presentationml/2006/main">
   <p:cSld>
     <p:bg>
@@ -6971,6 +8553,205 @@
             <p:ph type="title"/>
           </p:nvPr>
         </p:nvSpPr>
+        <p:spPr/>
+        <p:txBody>
+          <a:bodyPr/>
+          <a:lstStyle/>
+          <a:p>
+            <a:r>
+              <a:rPr lang="fr-CA" dirty="0" err="1">
+                <a:solidFill>
+                  <a:schemeClr val="bg1"/>
+                </a:solidFill>
+              </a:rPr>
+              <a:t>What</a:t>
+            </a:r>
+            <a:r>
+              <a:rPr lang="fr-CA" dirty="0">
+                <a:solidFill>
+                  <a:schemeClr val="bg1"/>
+                </a:solidFill>
+              </a:rPr>
+              <a:t> </a:t>
+            </a:r>
+            <a:r>
+              <a:rPr lang="fr-CA" dirty="0" err="1">
+                <a:solidFill>
+                  <a:schemeClr val="bg1"/>
+                </a:solidFill>
+              </a:rPr>
+              <a:t>is</a:t>
+            </a:r>
+            <a:r>
+              <a:rPr lang="fr-CA" dirty="0">
+                <a:solidFill>
+                  <a:schemeClr val="bg1"/>
+                </a:solidFill>
+              </a:rPr>
+              <a:t> </a:t>
+            </a:r>
+            <a:r>
+              <a:rPr lang="ro-RO" dirty="0">
+                <a:solidFill>
+                  <a:schemeClr val="bg1"/>
+                </a:solidFill>
+              </a:rPr>
+              <a:t>ElasticSearch</a:t>
+            </a:r>
+            <a:r>
+              <a:rPr lang="fr-CA" dirty="0">
+                <a:solidFill>
+                  <a:schemeClr val="bg1"/>
+                </a:solidFill>
+              </a:rPr>
+              <a:t>?</a:t>
+            </a:r>
+          </a:p>
+        </p:txBody>
+      </p:sp>
+      <p:sp>
+        <p:nvSpPr>
+          <p:cNvPr id="4099" name="Espace réservé du contenu 4"/>
+          <p:cNvSpPr>
+            <a:spLocks noGrp="1"/>
+          </p:cNvSpPr>
+          <p:nvPr>
+            <p:ph idx="1"/>
+          </p:nvPr>
+        </p:nvSpPr>
+        <p:spPr>
+          <a:xfrm>
+            <a:off x="228600" y="2133600"/>
+            <a:ext cx="8686800" cy="1524000"/>
+          </a:xfrm>
+        </p:spPr>
+        <p:txBody>
+          <a:bodyPr/>
+          <a:lstStyle/>
+          <a:p>
+            <a:r>
+              <a:rPr lang="en-US" sz="1500" dirty="0" err="1">
+                <a:solidFill>
+                  <a:srgbClr val="3C5790"/>
+                </a:solidFill>
+              </a:rPr>
+              <a:t>Elasticsearch</a:t>
+            </a:r>
+            <a:r>
+              <a:rPr lang="en-US" sz="1500" dirty="0">
+                <a:solidFill>
+                  <a:srgbClr val="3C5790"/>
+                </a:solidFill>
+              </a:rPr>
+              <a:t> is a search server based on </a:t>
+            </a:r>
+            <a:r>
+              <a:rPr lang="en-US" sz="1500" dirty="0" err="1">
+                <a:solidFill>
+                  <a:srgbClr val="3C5790"/>
+                </a:solidFill>
+              </a:rPr>
+              <a:t>Lucene</a:t>
+            </a:r>
+            <a:r>
+              <a:rPr lang="en-US" sz="1500" dirty="0">
+                <a:solidFill>
+                  <a:srgbClr val="3C5790"/>
+                </a:solidFill>
+              </a:rPr>
+              <a:t>.</a:t>
+            </a:r>
+          </a:p>
+          <a:p>
+            <a:r>
+              <a:rPr lang="en-US" sz="1500" dirty="0">
+                <a:solidFill>
+                  <a:srgbClr val="3C5790"/>
+                </a:solidFill>
+              </a:rPr>
+              <a:t>it provides a distributed,</a:t>
+            </a:r>
+            <a:r>
+              <a:rPr lang="ro-RO" sz="1500" dirty="0">
+                <a:solidFill>
+                  <a:srgbClr val="3C5790"/>
+                </a:solidFill>
+              </a:rPr>
+              <a:t> </a:t>
+            </a:r>
+            <a:r>
+              <a:rPr lang="en-US" sz="1500" dirty="0">
+                <a:solidFill>
+                  <a:srgbClr val="3C5790"/>
+                </a:solidFill>
+              </a:rPr>
+              <a:t>multitenant-capable full-text search engine with a REST web interface and schema-free JSON documents.</a:t>
+            </a:r>
+          </a:p>
+          <a:p>
+            <a:r>
+              <a:rPr lang="en-US" sz="1500" dirty="0">
+                <a:solidFill>
+                  <a:srgbClr val="3C5790"/>
+                </a:solidFill>
+              </a:rPr>
+              <a:t>Elasticsearch is developed in Java, and it released as open source under the terms of the Apache License.</a:t>
+            </a:r>
+            <a:endParaRPr lang="fr-CA" sz="1400" dirty="0">
+              <a:solidFill>
+                <a:srgbClr val="3C5790"/>
+              </a:solidFill>
+            </a:endParaRPr>
+          </a:p>
+        </p:txBody>
+      </p:sp>
+    </p:spTree>
+  </p:cSld>
+  <p:clrMapOvr>
+    <a:masterClrMapping/>
+  </p:clrMapOvr>
+</p:sld>
+</file>
+
+<file path=ppt/slides/slide30.xml><?xml version="1.0" encoding="utf-8"?>
+<p:sld xmlns:a="http://schemas.openxmlformats.org/drawingml/2006/main" xmlns:r="http://schemas.openxmlformats.org/officeDocument/2006/relationships" xmlns:p="http://schemas.openxmlformats.org/presentationml/2006/main">
+  <p:cSld>
+    <p:bg>
+      <p:bgPr>
+        <a:blipFill dpi="0" rotWithShape="0">
+          <a:blip r:embed="rId2" cstate="print"/>
+          <a:srcRect/>
+          <a:stretch>
+            <a:fillRect/>
+          </a:stretch>
+        </a:blipFill>
+        <a:effectLst/>
+      </p:bgPr>
+    </p:bg>
+    <p:spTree>
+      <p:nvGrpSpPr>
+        <p:cNvPr id="1" name=""/>
+        <p:cNvGrpSpPr/>
+        <p:nvPr/>
+      </p:nvGrpSpPr>
+      <p:grpSpPr>
+        <a:xfrm>
+          <a:off x="0" y="0"/>
+          <a:ext cx="0" cy="0"/>
+          <a:chOff x="0" y="0"/>
+          <a:chExt cx="0" cy="0"/>
+        </a:xfrm>
+      </p:grpSpPr>
+      <p:sp>
+        <p:nvSpPr>
+          <p:cNvPr id="4098" name="Titre 3"/>
+          <p:cNvSpPr>
+            <a:spLocks noGrp="1"/>
+          </p:cNvSpPr>
+          <p:nvPr>
+            <p:ph type="title"/>
+          </p:nvPr>
+        </p:nvSpPr>
         <p:spPr>
           <a:xfrm>
             <a:off x="228600" y="274638"/>
@@ -6983,14 +8764,14 @@
           <a:p>
             <a:pPr lvl="1"/>
             <a:r>
-              <a:rPr lang="ro-RO" dirty="0" smtClean="0">
+              <a:rPr lang="ro-RO" dirty="0">
                 <a:solidFill>
                   <a:schemeClr val="bg1"/>
                 </a:solidFill>
               </a:rPr>
               <a:t>Searching (cont.)</a:t>
             </a:r>
-            <a:endParaRPr lang="fr-CA" dirty="0" smtClean="0">
+            <a:endParaRPr lang="fr-CA" dirty="0">
               <a:solidFill>
                 <a:schemeClr val="bg1"/>
               </a:solidFill>
@@ -7019,7 +8800,7 @@
           <a:lstStyle/>
           <a:p>
             <a:r>
-              <a:rPr lang="en-US" sz="1400" dirty="0" err="1" smtClean="0">
+              <a:rPr lang="en-US" sz="1400" dirty="0" err="1">
                 <a:solidFill>
                   <a:srgbClr val="3C5790"/>
                 </a:solidFill>
@@ -7027,25 +8808,17 @@
               <a:t>ElasticSearch</a:t>
             </a:r>
             <a:r>
-              <a:rPr lang="en-US" sz="1400" dirty="0" smtClean="0">
-                <a:solidFill>
-                  <a:srgbClr val="3C5790"/>
-                </a:solidFill>
-              </a:rPr>
-              <a:t> </a:t>
-            </a:r>
-            <a:r>
-              <a:rPr lang="en-US" sz="1400" dirty="0" smtClean="0">
-                <a:solidFill>
-                  <a:srgbClr val="3C5790"/>
-                </a:solidFill>
-              </a:rPr>
-              <a:t>can search using the query DSL.</a:t>
-            </a:r>
-          </a:p>
-          <a:p>
-            <a:r>
-              <a:rPr lang="en-US" sz="1400" dirty="0" smtClean="0">
+              <a:rPr lang="en-US" sz="1400" dirty="0">
+                <a:solidFill>
+                  <a:srgbClr val="3C5790"/>
+                </a:solidFill>
+              </a:rPr>
+              <a:t> can search using the query DSL.</a:t>
+            </a:r>
+          </a:p>
+          <a:p>
+            <a:r>
+              <a:rPr lang="en-US" sz="1400" dirty="0">
                 <a:solidFill>
                   <a:srgbClr val="3C5790"/>
                 </a:solidFill>
@@ -7055,7 +8828,7 @@
           </a:p>
           <a:p>
             <a:r>
-              <a:rPr lang="en-US" sz="1400" dirty="0" smtClean="0">
+              <a:rPr lang="en-US" sz="1400" dirty="0">
                 <a:solidFill>
                   <a:srgbClr val="3C5790"/>
                 </a:solidFill>
@@ -7066,7 +8839,7 @@
           <a:p>
             <a:pPr lvl="1"/>
             <a:r>
-              <a:rPr lang="en-US" sz="1200" dirty="0" err="1" smtClean="0">
+              <a:rPr lang="en-US" sz="1200" dirty="0" err="1">
                 <a:solidFill>
                   <a:srgbClr val="3C5790"/>
                 </a:solidFill>
@@ -7074,7 +8847,7 @@
               <a:t>execut</a:t>
             </a:r>
             <a:r>
-              <a:rPr lang="ro-RO" sz="1200" dirty="0" smtClean="0">
+              <a:rPr lang="ro-RO" sz="1200" dirty="0">
                 <a:solidFill>
                   <a:srgbClr val="3C5790"/>
                 </a:solidFill>
@@ -7082,96 +8855,56 @@
               <a:t>i</a:t>
             </a:r>
             <a:r>
-              <a:rPr lang="en-US" sz="1200" dirty="0" smtClean="0">
-                <a:solidFill>
-                  <a:srgbClr val="3C5790"/>
-                </a:solidFill>
-              </a:rPr>
-              <a:t>on </a:t>
-            </a:r>
-            <a:r>
-              <a:rPr lang="en-US" sz="1200" dirty="0" smtClean="0">
-                <a:solidFill>
-                  <a:srgbClr val="3C5790"/>
-                </a:solidFill>
-              </a:rPr>
-              <a:t>time</a:t>
+              <a:rPr lang="en-US" sz="1200" dirty="0">
+                <a:solidFill>
+                  <a:srgbClr val="3C5790"/>
+                </a:solidFill>
+              </a:rPr>
+              <a:t>on time</a:t>
             </a:r>
           </a:p>
           <a:p>
             <a:pPr lvl="1"/>
             <a:r>
-              <a:rPr lang="en-US" sz="1200" dirty="0" smtClean="0">
-                <a:solidFill>
-                  <a:srgbClr val="3C5790"/>
-                </a:solidFill>
-              </a:rPr>
-              <a:t>actual </a:t>
-            </a:r>
-            <a:r>
-              <a:rPr lang="en-US" sz="1200" dirty="0" smtClean="0">
-                <a:solidFill>
-                  <a:srgbClr val="3C5790"/>
-                </a:solidFill>
-              </a:rPr>
-              <a:t>results</a:t>
+              <a:rPr lang="en-US" sz="1200" dirty="0">
+                <a:solidFill>
+                  <a:srgbClr val="3C5790"/>
+                </a:solidFill>
+              </a:rPr>
+              <a:t>actual results</a:t>
             </a:r>
           </a:p>
           <a:p>
             <a:pPr lvl="1"/>
             <a:r>
-              <a:rPr lang="en-US" sz="1200" dirty="0" smtClean="0">
-                <a:solidFill>
-                  <a:srgbClr val="3C5790"/>
-                </a:solidFill>
-              </a:rPr>
-              <a:t>total </a:t>
-            </a:r>
-            <a:r>
-              <a:rPr lang="en-US" sz="1200" dirty="0" smtClean="0">
-                <a:solidFill>
-                  <a:srgbClr val="3C5790"/>
-                </a:solidFill>
-              </a:rPr>
-              <a:t>number of documents that match the query</a:t>
+              <a:rPr lang="en-US" sz="1200" dirty="0">
+                <a:solidFill>
+                  <a:srgbClr val="3C5790"/>
+                </a:solidFill>
+              </a:rPr>
+              <a:t>total number of documents that match the query</a:t>
             </a:r>
           </a:p>
           <a:p>
             <a:pPr lvl="1"/>
             <a:r>
-              <a:rPr lang="en-US" sz="1200" dirty="0" smtClean="0">
-                <a:solidFill>
-                  <a:srgbClr val="3C5790"/>
-                </a:solidFill>
-              </a:rPr>
-              <a:t>array </a:t>
-            </a:r>
-            <a:r>
-              <a:rPr lang="en-US" sz="1200" dirty="0" smtClean="0">
-                <a:solidFill>
-                  <a:srgbClr val="3C5790"/>
-                </a:solidFill>
-              </a:rPr>
-              <a:t>with search hits</a:t>
+              <a:rPr lang="en-US" sz="1200" dirty="0">
+                <a:solidFill>
+                  <a:srgbClr val="3C5790"/>
+                </a:solidFill>
+              </a:rPr>
+              <a:t>array with search hits</a:t>
             </a:r>
           </a:p>
           <a:p>
             <a:pPr lvl="1"/>
             <a:r>
-              <a:rPr lang="en-US" sz="1200" dirty="0" smtClean="0">
-                <a:solidFill>
-                  <a:srgbClr val="3C5790"/>
-                </a:solidFill>
-              </a:rPr>
-              <a:t>metadata </a:t>
-            </a:r>
-            <a:r>
-              <a:rPr lang="en-US" sz="1200" dirty="0" smtClean="0">
-                <a:solidFill>
-                  <a:srgbClr val="3C5790"/>
-                </a:solidFill>
-              </a:rPr>
-              <a:t>about the hit</a:t>
+              <a:rPr lang="en-US" sz="1200" dirty="0">
+                <a:solidFill>
+                  <a:srgbClr val="3C5790"/>
+                </a:solidFill>
+              </a:rPr>
+              <a:t>metadata about the hit</a:t>
             </a:r>
           </a:p>
         </p:txBody>
@@ -7245,17 +8978,10 @@
   <p:clrMapOvr>
     <a:masterClrMapping/>
   </p:clrMapOvr>
-  <p:timing>
-    <p:tnLst>
-      <p:par>
-        <p:cTn id="1" dur="indefinite" restart="never" nodeType="tmRoot"/>
-      </p:par>
-    </p:tnLst>
-  </p:timing>
 </p:sld>
 </file>
 
-<file path=ppt/slides/slide24.xml><?xml version="1.0" encoding="utf-8"?>
+<file path=ppt/slides/slide31.xml><?xml version="1.0" encoding="utf-8"?>
 <p:sld xmlns:a="http://schemas.openxmlformats.org/drawingml/2006/main" xmlns:r="http://schemas.openxmlformats.org/officeDocument/2006/relationships" xmlns:p="http://schemas.openxmlformats.org/presentationml/2006/main">
   <p:cSld>
     <p:bg>
@@ -7306,14 +9032,14 @@
           <a:p>
             <a:pPr lvl="1"/>
             <a:r>
-              <a:rPr lang="ro-RO" dirty="0" smtClean="0">
+              <a:rPr lang="ro-RO" dirty="0">
                 <a:solidFill>
                   <a:schemeClr val="bg1"/>
                 </a:solidFill>
               </a:rPr>
               <a:t>Searching (cont.)</a:t>
             </a:r>
-            <a:endParaRPr lang="fr-CA" dirty="0" smtClean="0">
+            <a:endParaRPr lang="fr-CA" dirty="0">
               <a:solidFill>
                 <a:schemeClr val="bg1"/>
               </a:solidFill>
@@ -7342,18 +9068,13 @@
           <a:lstStyle/>
           <a:p>
             <a:r>
-              <a:rPr lang="en-US" sz="1400" dirty="0" smtClean="0">
+              <a:rPr lang="en-US" sz="1400" dirty="0">
                 <a:solidFill>
                   <a:srgbClr val="3C5790"/>
                 </a:solidFill>
               </a:rPr>
               <a:t>To the query DSL we can add filters like:</a:t>
             </a:r>
-            <a:endParaRPr lang="en-US" sz="1400" dirty="0" smtClean="0">
-              <a:solidFill>
-                <a:srgbClr val="3C5790"/>
-              </a:solidFill>
-            </a:endParaRPr>
           </a:p>
         </p:txBody>
       </p:sp>
@@ -7394,17 +9115,10 @@
   <p:clrMapOvr>
     <a:masterClrMapping/>
   </p:clrMapOvr>
-  <p:timing>
-    <p:tnLst>
-      <p:par>
-        <p:cTn id="1" dur="indefinite" restart="never" nodeType="tmRoot"/>
-      </p:par>
-    </p:tnLst>
-  </p:timing>
 </p:sld>
 </file>
 
-<file path=ppt/slides/slide25.xml><?xml version="1.0" encoding="utf-8"?>
+<file path=ppt/slides/slide32.xml><?xml version="1.0" encoding="utf-8"?>
 <p:sld xmlns:a="http://schemas.openxmlformats.org/drawingml/2006/main" xmlns:r="http://schemas.openxmlformats.org/officeDocument/2006/relationships" xmlns:p="http://schemas.openxmlformats.org/presentationml/2006/main">
   <p:cSld>
     <p:bg>
@@ -7455,14 +9169,14 @@
           <a:p>
             <a:pPr lvl="1"/>
             <a:r>
-              <a:rPr lang="ro-RO" dirty="0" smtClean="0">
+              <a:rPr lang="ro-RO" dirty="0">
                 <a:solidFill>
                   <a:schemeClr val="bg1"/>
                 </a:solidFill>
               </a:rPr>
               <a:t>Searching (cont.)</a:t>
             </a:r>
-            <a:endParaRPr lang="fr-CA" dirty="0" smtClean="0">
+            <a:endParaRPr lang="fr-CA" dirty="0">
               <a:solidFill>
                 <a:schemeClr val="bg1"/>
               </a:solidFill>
@@ -7491,7 +9205,7 @@
           <a:lstStyle/>
           <a:p>
             <a:r>
-              <a:rPr lang="en-US" sz="1400" dirty="0" smtClean="0">
+              <a:rPr lang="en-US" sz="1400" dirty="0">
                 <a:solidFill>
                   <a:srgbClr val="3C5790"/>
                 </a:solidFill>
@@ -7499,7 +9213,7 @@
               <a:t>the query process will consist of two phases: </a:t>
             </a:r>
             <a:r>
-              <a:rPr lang="en-US" sz="1400" b="1" dirty="0" smtClean="0">
+              <a:rPr lang="en-US" sz="1400" b="1" dirty="0">
                 <a:solidFill>
                   <a:srgbClr val="3C5790"/>
                 </a:solidFill>
@@ -7507,7 +9221,7 @@
               <a:t>scatter</a:t>
             </a:r>
             <a:r>
-              <a:rPr lang="en-US" sz="1400" dirty="0" smtClean="0">
+              <a:rPr lang="en-US" sz="1400" dirty="0">
                 <a:solidFill>
                   <a:srgbClr val="3C5790"/>
                 </a:solidFill>
@@ -7515,7 +9229,7 @@
               <a:t> and </a:t>
             </a:r>
             <a:r>
-              <a:rPr lang="en-US" sz="1400" b="1" dirty="0" smtClean="0">
+              <a:rPr lang="en-US" sz="1400" b="1" dirty="0">
                 <a:solidFill>
                   <a:srgbClr val="3C5790"/>
                 </a:solidFill>
@@ -7523,18 +9237,13 @@
               <a:t>gather</a:t>
             </a:r>
             <a:r>
-              <a:rPr lang="en-US" sz="1400" dirty="0" smtClean="0">
+              <a:rPr lang="en-US" sz="1400" dirty="0">
                 <a:solidFill>
                   <a:srgbClr val="3C5790"/>
                 </a:solidFill>
               </a:rPr>
               <a:t>.</a:t>
             </a:r>
-            <a:endParaRPr lang="en-US" sz="1400" dirty="0" smtClean="0">
-              <a:solidFill>
-                <a:srgbClr val="3C5790"/>
-              </a:solidFill>
-            </a:endParaRPr>
           </a:p>
         </p:txBody>
       </p:sp>
@@ -7575,17 +9284,10 @@
   <p:clrMapOvr>
     <a:masterClrMapping/>
   </p:clrMapOvr>
-  <p:timing>
-    <p:tnLst>
-      <p:par>
-        <p:cTn id="1" dur="indefinite" restart="never" nodeType="tmRoot"/>
-      </p:par>
-    </p:tnLst>
-  </p:timing>
 </p:sld>
 </file>
 
-<file path=ppt/slides/slide26.xml><?xml version="1.0" encoding="utf-8"?>
+<file path=ppt/slides/slide33.xml><?xml version="1.0" encoding="utf-8"?>
 <p:sld xmlns:a="http://schemas.openxmlformats.org/drawingml/2006/main" xmlns:r="http://schemas.openxmlformats.org/officeDocument/2006/relationships" xmlns:p="http://schemas.openxmlformats.org/presentationml/2006/main">
   <p:cSld>
     <p:bg>
@@ -7636,14 +9338,14 @@
           <a:p>
             <a:pPr lvl="1"/>
             <a:r>
-              <a:rPr lang="ro-RO" dirty="0" smtClean="0">
+              <a:rPr lang="ro-RO" dirty="0">
                 <a:solidFill>
                   <a:schemeClr val="bg1"/>
                 </a:solidFill>
               </a:rPr>
               <a:t>Searching (cont.)</a:t>
             </a:r>
-            <a:endParaRPr lang="fr-CA" dirty="0" smtClean="0">
+            <a:endParaRPr lang="fr-CA" dirty="0">
               <a:solidFill>
                 <a:schemeClr val="bg1"/>
               </a:solidFill>
@@ -7672,7 +9374,7 @@
           <a:lstStyle/>
           <a:p>
             <a:r>
-              <a:rPr lang="en-US" sz="1400" dirty="0" smtClean="0">
+              <a:rPr lang="en-US" sz="1400" dirty="0">
                 <a:solidFill>
                   <a:srgbClr val="3C5790"/>
                 </a:solidFill>
@@ -7680,7 +9382,7 @@
               <a:t>When we send a query, we send it to one of the </a:t>
             </a:r>
             <a:r>
-              <a:rPr lang="en-US" sz="1400" dirty="0" err="1" smtClean="0">
+              <a:rPr lang="en-US" sz="1400" dirty="0" err="1">
                 <a:solidFill>
                   <a:srgbClr val="3C5790"/>
                 </a:solidFill>
@@ -7688,7 +9390,7 @@
               <a:t>Elasticsearch</a:t>
             </a:r>
             <a:r>
-              <a:rPr lang="en-US" sz="1400" dirty="0" smtClean="0">
+              <a:rPr lang="en-US" sz="1400" dirty="0">
                 <a:solidFill>
                   <a:srgbClr val="3C5790"/>
                 </a:solidFill>
@@ -7698,7 +9400,7 @@
           </a:p>
           <a:p>
             <a:r>
-              <a:rPr lang="en-US" sz="1400" dirty="0" smtClean="0">
+              <a:rPr lang="en-US" sz="1400" dirty="0">
                 <a:solidFill>
                   <a:srgbClr val="3C5790"/>
                 </a:solidFill>
@@ -7708,7 +9410,7 @@
           </a:p>
           <a:p>
             <a:r>
-              <a:rPr lang="en-US" sz="1400" dirty="0" smtClean="0">
+              <a:rPr lang="en-US" sz="1400" dirty="0">
                 <a:solidFill>
                   <a:srgbClr val="3C5790"/>
                 </a:solidFill>
@@ -7718,7 +9420,7 @@
           </a:p>
           <a:p>
             <a:r>
-              <a:rPr lang="en-US" sz="1400" dirty="0" smtClean="0">
+              <a:rPr lang="en-US" sz="1400" dirty="0">
                 <a:solidFill>
                   <a:srgbClr val="3C5790"/>
                 </a:solidFill>
@@ -7728,18 +9430,13 @@
           </a:p>
           <a:p>
             <a:r>
-              <a:rPr lang="en-US" sz="1400" dirty="0" smtClean="0">
+              <a:rPr lang="en-US" sz="1400" dirty="0">
                 <a:solidFill>
                   <a:srgbClr val="3C5790"/>
                 </a:solidFill>
               </a:rPr>
               <a:t>After all the documents have been gathered, the final response is built and returned as the query result.</a:t>
             </a:r>
-            <a:endParaRPr lang="en-US" sz="1400" dirty="0" smtClean="0">
-              <a:solidFill>
-                <a:srgbClr val="3C5790"/>
-              </a:solidFill>
-            </a:endParaRPr>
           </a:p>
         </p:txBody>
       </p:sp>
@@ -7748,17 +9445,10 @@
   <p:clrMapOvr>
     <a:masterClrMapping/>
   </p:clrMapOvr>
-  <p:timing>
-    <p:tnLst>
-      <p:par>
-        <p:cTn id="1" dur="indefinite" restart="never" nodeType="tmRoot"/>
-      </p:par>
-    </p:tnLst>
-  </p:timing>
 </p:sld>
 </file>
 
-<file path=ppt/slides/slide27.xml><?xml version="1.0" encoding="utf-8"?>
+<file path=ppt/slides/slide34.xml><?xml version="1.0" encoding="utf-8"?>
 <p:sld xmlns:a="http://schemas.openxmlformats.org/drawingml/2006/main" xmlns:r="http://schemas.openxmlformats.org/officeDocument/2006/relationships" xmlns:p="http://schemas.openxmlformats.org/presentationml/2006/main">
   <p:cSld>
     <p:bg>
@@ -7809,14 +9499,14 @@
           <a:p>
             <a:pPr lvl="1"/>
             <a:r>
-              <a:rPr lang="ro-RO" dirty="0" smtClean="0">
+              <a:rPr lang="ro-RO" dirty="0">
                 <a:solidFill>
                   <a:schemeClr val="bg1"/>
                 </a:solidFill>
               </a:rPr>
-              <a:t>Clustering</a:t>
-            </a:r>
-            <a:endParaRPr lang="fr-CA" dirty="0" smtClean="0">
+              <a:t>Searching (cont.)</a:t>
+            </a:r>
+            <a:endParaRPr lang="fr-CA" dirty="0">
               <a:solidFill>
                 <a:schemeClr val="bg1"/>
               </a:solidFill>
@@ -7837,7 +9527,7 @@
         <p:spPr>
           <a:xfrm>
             <a:off x="76200" y="1981200"/>
-            <a:ext cx="8686800" cy="4648200"/>
+            <a:ext cx="8686800" cy="990600"/>
           </a:xfrm>
         </p:spPr>
         <p:txBody>
@@ -7845,141 +9535,128 @@
           <a:lstStyle/>
           <a:p>
             <a:r>
-              <a:rPr lang="en-US" sz="1400" dirty="0" smtClean="0">
-                <a:solidFill>
-                  <a:srgbClr val="3C5790"/>
-                </a:solidFill>
-              </a:rPr>
-              <a:t>When </a:t>
-            </a:r>
-            <a:r>
-              <a:rPr lang="en-US" sz="1400" dirty="0" err="1" smtClean="0">
-                <a:solidFill>
-                  <a:srgbClr val="3C5790"/>
-                </a:solidFill>
-              </a:rPr>
-              <a:t>Elasticsearch</a:t>
-            </a:r>
-            <a:r>
-              <a:rPr lang="en-US" sz="1400" dirty="0" smtClean="0">
-                <a:solidFill>
-                  <a:srgbClr val="3C5790"/>
-                </a:solidFill>
-              </a:rPr>
-              <a:t> node start its looking for a master node that has the same cluster name and is visible.</a:t>
-            </a:r>
-          </a:p>
-          <a:p>
-            <a:r>
-              <a:rPr lang="en-US" sz="1400" dirty="0" smtClean="0">
-                <a:solidFill>
-                  <a:srgbClr val="3C5790"/>
-                </a:solidFill>
-              </a:rPr>
-              <a:t>If a master is found, the node joins a cluster that is already formed.</a:t>
-            </a:r>
-          </a:p>
-          <a:p>
-            <a:r>
-              <a:rPr lang="en-US" sz="1400" dirty="0" smtClean="0">
-                <a:solidFill>
-                  <a:srgbClr val="3C5790"/>
-                </a:solidFill>
-              </a:rPr>
-              <a:t>If no master is found, the node itself is selected as a master.</a:t>
-            </a:r>
-          </a:p>
-          <a:p>
-            <a:r>
-              <a:rPr lang="en-US" sz="1400" dirty="0" smtClean="0">
-                <a:solidFill>
-                  <a:srgbClr val="3C5790"/>
-                </a:solidFill>
-              </a:rPr>
-              <a:t>The process of forming a cluster and finding nodes is called discovery.</a:t>
-            </a:r>
-          </a:p>
-          <a:p>
-            <a:r>
-              <a:rPr lang="en-US" sz="1400" dirty="0" smtClean="0">
-                <a:solidFill>
-                  <a:srgbClr val="3C5790"/>
-                </a:solidFill>
-              </a:rPr>
-              <a:t>By default </a:t>
-            </a:r>
-            <a:r>
-              <a:rPr lang="en-US" sz="1400" dirty="0" err="1" smtClean="0">
-                <a:solidFill>
-                  <a:srgbClr val="3C5790"/>
-                </a:solidFill>
-              </a:rPr>
-              <a:t>Elasticsearch</a:t>
-            </a:r>
-            <a:r>
-              <a:rPr lang="en-US" sz="1400" dirty="0" smtClean="0">
-                <a:solidFill>
-                  <a:srgbClr val="3C5790"/>
-                </a:solidFill>
-              </a:rPr>
-              <a:t> uses the </a:t>
-            </a:r>
-            <a:r>
-              <a:rPr lang="en-US" sz="1400" b="1" dirty="0" err="1" smtClean="0">
-                <a:solidFill>
-                  <a:srgbClr val="3C5790"/>
-                </a:solidFill>
-              </a:rPr>
-              <a:t>zen</a:t>
-            </a:r>
-            <a:r>
-              <a:rPr lang="en-US" sz="1400" dirty="0" smtClean="0">
-                <a:solidFill>
-                  <a:srgbClr val="3C5790"/>
-                </a:solidFill>
-              </a:rPr>
-              <a:t> discovery, which provides multicast and </a:t>
-            </a:r>
-            <a:r>
-              <a:rPr lang="en-US" sz="1400" dirty="0" err="1" smtClean="0">
-                <a:solidFill>
-                  <a:srgbClr val="3C5790"/>
-                </a:solidFill>
-              </a:rPr>
-              <a:t>unicast</a:t>
-            </a:r>
-            <a:r>
-              <a:rPr lang="en-US" sz="1400" dirty="0" smtClean="0">
-                <a:solidFill>
-                  <a:srgbClr val="3C5790"/>
-                </a:solidFill>
-              </a:rPr>
-              <a:t> discovery.</a:t>
-            </a:r>
-            <a:endParaRPr lang="en-US" sz="1400" dirty="0" smtClean="0">
-              <a:solidFill>
-                <a:srgbClr val="3C5790"/>
-              </a:solidFill>
-            </a:endParaRPr>
-          </a:p>
-        </p:txBody>
-      </p:sp>
+              <a:rPr lang="en-US" sz="1400" dirty="0">
+                <a:solidFill>
+                  <a:srgbClr val="3C5790"/>
+                </a:solidFill>
+              </a:rPr>
+              <a:t>The </a:t>
+            </a:r>
+            <a:r>
+              <a:rPr lang="en-US" sz="1400" b="1" dirty="0">
+                <a:solidFill>
+                  <a:srgbClr val="3C5790"/>
+                </a:solidFill>
+              </a:rPr>
+              <a:t>size</a:t>
+            </a:r>
+            <a:r>
+              <a:rPr lang="en-US" sz="1400" dirty="0">
+                <a:solidFill>
+                  <a:srgbClr val="3C5790"/>
+                </a:solidFill>
+              </a:rPr>
+              <a:t> parameter can limit the results.</a:t>
+            </a:r>
+          </a:p>
+          <a:p>
+            <a:r>
+              <a:rPr lang="en-US" sz="1400" dirty="0">
+                <a:solidFill>
+                  <a:srgbClr val="3C5790"/>
+                </a:solidFill>
+              </a:rPr>
+              <a:t>The </a:t>
+            </a:r>
+            <a:r>
+              <a:rPr lang="en-US" sz="1400" b="1" dirty="0">
+                <a:solidFill>
+                  <a:srgbClr val="3C5790"/>
+                </a:solidFill>
+              </a:rPr>
+              <a:t>from</a:t>
+            </a:r>
+            <a:r>
+              <a:rPr lang="en-US" sz="1400" dirty="0">
+                <a:solidFill>
+                  <a:srgbClr val="3C5790"/>
+                </a:solidFill>
+              </a:rPr>
+              <a:t> parameter can be used for pagination.</a:t>
+            </a:r>
+          </a:p>
+          <a:p>
+            <a:r>
+              <a:rPr lang="en-US" sz="1400" dirty="0">
+                <a:solidFill>
+                  <a:srgbClr val="3C5790"/>
+                </a:solidFill>
+              </a:rPr>
+              <a:t>The </a:t>
+            </a:r>
+            <a:r>
+              <a:rPr lang="en-US" sz="1400" b="1" dirty="0">
+                <a:solidFill>
+                  <a:srgbClr val="3C5790"/>
+                </a:solidFill>
+              </a:rPr>
+              <a:t>sort</a:t>
+            </a:r>
+            <a:r>
+              <a:rPr lang="en-US" sz="1400" dirty="0">
+                <a:solidFill>
+                  <a:srgbClr val="3C5790"/>
+                </a:solidFill>
+              </a:rPr>
+              <a:t> parameters can be used for sorting, specifying the sort parameters</a:t>
+            </a:r>
+          </a:p>
+        </p:txBody>
+      </p:sp>
+      <p:pic>
+        <p:nvPicPr>
+          <p:cNvPr id="4" name="Picture 3">
+            <a:extLst>
+              <a:ext uri="{FF2B5EF4-FFF2-40B4-BE49-F238E27FC236}">
+                <a16:creationId xmlns:a16="http://schemas.microsoft.com/office/drawing/2014/main" id="{7F9F314C-8031-4198-B4A2-A4A99BF2F81B}"/>
+              </a:ext>
+            </a:extLst>
+          </p:cNvPr>
+          <p:cNvPicPr>
+            <a:picLocks noChangeAspect="1"/>
+          </p:cNvPicPr>
+          <p:nvPr/>
+        </p:nvPicPr>
+        <p:blipFill>
+          <a:blip r:embed="rId3"/>
+          <a:stretch>
+            <a:fillRect/>
+          </a:stretch>
+        </p:blipFill>
+        <p:spPr>
+          <a:xfrm>
+            <a:off x="2133600" y="3429000"/>
+            <a:ext cx="4262438" cy="2394774"/>
+          </a:xfrm>
+          <a:prstGeom prst="rect">
+            <a:avLst/>
+          </a:prstGeom>
+        </p:spPr>
+      </p:pic>
     </p:spTree>
+    <p:extLst>
+      <p:ext uri="{BB962C8B-B14F-4D97-AF65-F5344CB8AC3E}">
+        <p14:creationId xmlns:p14="http://schemas.microsoft.com/office/powerpoint/2010/main" val="287023964"/>
+      </p:ext>
+    </p:extLst>
   </p:cSld>
   <p:clrMapOvr>
     <a:masterClrMapping/>
   </p:clrMapOvr>
-  <p:timing>
-    <p:tnLst>
-      <p:par>
-        <p:cTn id="1" dur="indefinite" restart="never" nodeType="tmRoot"/>
-      </p:par>
-    </p:tnLst>
-  </p:timing>
 </p:sld>
 </file>
 
-<file path=ppt/slides/slide28.xml><?xml version="1.0" encoding="utf-8"?>
+<file path=ppt/slides/slide35.xml><?xml version="1.0" encoding="utf-8"?>
 <p:sld xmlns:a="http://schemas.openxmlformats.org/drawingml/2006/main" xmlns:r="http://schemas.openxmlformats.org/officeDocument/2006/relationships" xmlns:p="http://schemas.openxmlformats.org/presentationml/2006/main">
   <p:cSld>
     <p:bg>
@@ -8030,14 +9707,14 @@
           <a:p>
             <a:pPr lvl="1"/>
             <a:r>
-              <a:rPr lang="ro-RO" dirty="0" smtClean="0">
+              <a:rPr lang="ro-RO" dirty="0">
                 <a:solidFill>
                   <a:schemeClr val="bg1"/>
                 </a:solidFill>
               </a:rPr>
-              <a:t>Clustering (cont.)</a:t>
-            </a:r>
-            <a:endParaRPr lang="fr-CA" dirty="0" smtClean="0">
+              <a:t>Searching (cont.)</a:t>
+            </a:r>
+            <a:endParaRPr lang="fr-CA" dirty="0">
               <a:solidFill>
                 <a:schemeClr val="bg1"/>
               </a:solidFill>
@@ -8058,7 +9735,7 @@
         <p:spPr>
           <a:xfrm>
             <a:off x="76200" y="1981200"/>
-            <a:ext cx="8686800" cy="4648200"/>
+            <a:ext cx="8686800" cy="304800"/>
           </a:xfrm>
         </p:spPr>
         <p:txBody>
@@ -8066,85 +9743,118 @@
           <a:lstStyle/>
           <a:p>
             <a:r>
-              <a:rPr lang="en-US" sz="1400" b="1" dirty="0" smtClean="0">
-                <a:solidFill>
-                  <a:srgbClr val="3C5790"/>
-                </a:solidFill>
-              </a:rPr>
-              <a:t>Master node</a:t>
-            </a:r>
-          </a:p>
-          <a:p>
-            <a:r>
-              <a:rPr lang="en-US" sz="1400" dirty="0" smtClean="0">
-                <a:solidFill>
-                  <a:srgbClr val="3C5790"/>
-                </a:solidFill>
-              </a:rPr>
-              <a:t>The master node is the one that checks all the other nodes to see if they are responsive.</a:t>
-            </a:r>
-          </a:p>
-          <a:p>
-            <a:r>
-              <a:rPr lang="en-US" sz="1400" dirty="0" smtClean="0">
-                <a:solidFill>
-                  <a:srgbClr val="3C5790"/>
-                </a:solidFill>
-              </a:rPr>
-              <a:t>Other </a:t>
-            </a:r>
-            <a:r>
-              <a:rPr lang="en-US" sz="1400" dirty="0" smtClean="0">
-                <a:solidFill>
-                  <a:srgbClr val="3C5790"/>
-                </a:solidFill>
-              </a:rPr>
-              <a:t>nodes ping the master too. </a:t>
-            </a:r>
-          </a:p>
-          <a:p>
-            <a:r>
-              <a:rPr lang="en-US" sz="1400" dirty="0" smtClean="0">
-                <a:solidFill>
-                  <a:srgbClr val="3C5790"/>
-                </a:solidFill>
-              </a:rPr>
-              <a:t>The master node will also accept the new nodes that want to join the cluster.</a:t>
-            </a:r>
-          </a:p>
-          <a:p>
-            <a:r>
-              <a:rPr lang="en-US" sz="1400" dirty="0" smtClean="0">
-                <a:solidFill>
-                  <a:srgbClr val="3C5790"/>
-                </a:solidFill>
-              </a:rPr>
-              <a:t>If the master is somehow disconnected from the cluster, the remaining nodes will select a new master from among themselves.</a:t>
-            </a:r>
-            <a:endParaRPr lang="en-US" sz="1400" dirty="0" smtClean="0">
+              <a:rPr lang="en-US" sz="1400" dirty="0">
+                <a:solidFill>
+                  <a:srgbClr val="3C5790"/>
+                </a:solidFill>
+              </a:rPr>
+              <a:t>For aggregations we need to use "</a:t>
+            </a:r>
+            <a:r>
+              <a:rPr lang="en-US" sz="1400" b="1" dirty="0" err="1">
+                <a:solidFill>
+                  <a:srgbClr val="3C5790"/>
+                </a:solidFill>
+              </a:rPr>
+              <a:t>aggs</a:t>
+            </a:r>
+            <a:r>
+              <a:rPr lang="en-US" sz="1400" dirty="0">
+                <a:solidFill>
+                  <a:srgbClr val="3C5790"/>
+                </a:solidFill>
+              </a:rPr>
+              <a:t>".</a:t>
+            </a:r>
+            <a:endParaRPr lang="en-US" sz="1400" b="1" dirty="0">
               <a:solidFill>
                 <a:srgbClr val="3C5790"/>
               </a:solidFill>
             </a:endParaRPr>
           </a:p>
-        </p:txBody>
-      </p:sp>
+          <a:p>
+            <a:endParaRPr lang="en-US" sz="1400" dirty="0">
+              <a:solidFill>
+                <a:srgbClr val="3C5790"/>
+              </a:solidFill>
+            </a:endParaRPr>
+          </a:p>
+        </p:txBody>
+      </p:sp>
+      <p:pic>
+        <p:nvPicPr>
+          <p:cNvPr id="5" name="Picture 4">
+            <a:extLst>
+              <a:ext uri="{FF2B5EF4-FFF2-40B4-BE49-F238E27FC236}">
+                <a16:creationId xmlns:a16="http://schemas.microsoft.com/office/drawing/2014/main" id="{790E36C1-C735-4D79-B21D-4FC14434A551}"/>
+              </a:ext>
+            </a:extLst>
+          </p:cNvPr>
+          <p:cNvPicPr>
+            <a:picLocks noChangeAspect="1"/>
+          </p:cNvPicPr>
+          <p:nvPr/>
+        </p:nvPicPr>
+        <p:blipFill>
+          <a:blip r:embed="rId3"/>
+          <a:stretch>
+            <a:fillRect/>
+          </a:stretch>
+        </p:blipFill>
+        <p:spPr>
+          <a:xfrm>
+            <a:off x="381000" y="3542915"/>
+            <a:ext cx="4267200" cy="1599381"/>
+          </a:xfrm>
+          <a:prstGeom prst="rect">
+            <a:avLst/>
+          </a:prstGeom>
+        </p:spPr>
+      </p:pic>
+      <p:pic>
+        <p:nvPicPr>
+          <p:cNvPr id="6" name="Picture 5">
+            <a:extLst>
+              <a:ext uri="{FF2B5EF4-FFF2-40B4-BE49-F238E27FC236}">
+                <a16:creationId xmlns:a16="http://schemas.microsoft.com/office/drawing/2014/main" id="{020181B0-8DE6-4617-9F14-CFFDF466F597}"/>
+              </a:ext>
+            </a:extLst>
+          </p:cNvPr>
+          <p:cNvPicPr>
+            <a:picLocks noChangeAspect="1"/>
+          </p:cNvPicPr>
+          <p:nvPr/>
+        </p:nvPicPr>
+        <p:blipFill>
+          <a:blip r:embed="rId4"/>
+          <a:stretch>
+            <a:fillRect/>
+          </a:stretch>
+        </p:blipFill>
+        <p:spPr>
+          <a:xfrm>
+            <a:off x="5562600" y="2101850"/>
+            <a:ext cx="2883255" cy="4481512"/>
+          </a:xfrm>
+          <a:prstGeom prst="rect">
+            <a:avLst/>
+          </a:prstGeom>
+        </p:spPr>
+      </p:pic>
     </p:spTree>
+    <p:extLst>
+      <p:ext uri="{BB962C8B-B14F-4D97-AF65-F5344CB8AC3E}">
+        <p14:creationId xmlns:p14="http://schemas.microsoft.com/office/powerpoint/2010/main" val="919375677"/>
+      </p:ext>
+    </p:extLst>
   </p:cSld>
   <p:clrMapOvr>
     <a:masterClrMapping/>
   </p:clrMapOvr>
-  <p:timing>
-    <p:tnLst>
-      <p:par>
-        <p:cTn id="1" dur="indefinite" restart="never" nodeType="tmRoot"/>
-      </p:par>
-    </p:tnLst>
-  </p:timing>
 </p:sld>
 </file>
 
-<file path=ppt/slides/slide29.xml><?xml version="1.0" encoding="utf-8"?>
+<file path=ppt/slides/slide36.xml><?xml version="1.0" encoding="utf-8"?>
 <p:sld xmlns:a="http://schemas.openxmlformats.org/drawingml/2006/main" xmlns:r="http://schemas.openxmlformats.org/officeDocument/2006/relationships" xmlns:p="http://schemas.openxmlformats.org/presentationml/2006/main">
   <p:cSld>
     <p:bg>
@@ -8195,14 +9905,14 @@
           <a:p>
             <a:pPr lvl="1"/>
             <a:r>
-              <a:rPr lang="ro-RO" dirty="0" smtClean="0">
+              <a:rPr lang="ro-RO" dirty="0">
                 <a:solidFill>
                   <a:schemeClr val="bg1"/>
                 </a:solidFill>
               </a:rPr>
-              <a:t>Clustering (cont.)</a:t>
-            </a:r>
-            <a:endParaRPr lang="fr-CA" dirty="0" smtClean="0">
+              <a:t>Searching (cont.)</a:t>
+            </a:r>
+            <a:endParaRPr lang="fr-CA" dirty="0">
               <a:solidFill>
                 <a:schemeClr val="bg1"/>
               </a:solidFill>
@@ -8223,7 +9933,7 @@
         <p:spPr>
           <a:xfrm>
             <a:off x="76200" y="1981200"/>
-            <a:ext cx="8686800" cy="4648200"/>
+            <a:ext cx="8686800" cy="304800"/>
           </a:xfrm>
         </p:spPr>
         <p:txBody>
@@ -8231,187 +9941,37 @@
           <a:lstStyle/>
           <a:p>
             <a:r>
-              <a:rPr lang="en-US" sz="1400" dirty="0" smtClean="0">
-                <a:solidFill>
-                  <a:srgbClr val="3C5790"/>
-                </a:solidFill>
-              </a:rPr>
-              <a:t>By default, </a:t>
-            </a:r>
-            <a:r>
-              <a:rPr lang="en-US" sz="1400" dirty="0" err="1" smtClean="0">
-                <a:solidFill>
-                  <a:srgbClr val="3C5790"/>
-                </a:solidFill>
-              </a:rPr>
-              <a:t>Elasticsearch</a:t>
-            </a:r>
-            <a:r>
-              <a:rPr lang="en-US" sz="1400" dirty="0" smtClean="0">
-                <a:solidFill>
-                  <a:srgbClr val="3C5790"/>
-                </a:solidFill>
-              </a:rPr>
-              <a:t> allows every node to be a master node and a data node.</a:t>
-            </a:r>
-          </a:p>
-          <a:p>
-            <a:r>
-              <a:rPr lang="en-US" sz="1400" dirty="0" smtClean="0">
-                <a:solidFill>
-                  <a:srgbClr val="3C5790"/>
-                </a:solidFill>
-              </a:rPr>
-              <a:t>For </a:t>
-            </a:r>
-            <a:r>
-              <a:rPr lang="en-US" sz="1400" dirty="0" err="1" smtClean="0">
-                <a:solidFill>
-                  <a:srgbClr val="3C5790"/>
-                </a:solidFill>
-              </a:rPr>
-              <a:t>perfo</a:t>
-            </a:r>
-            <a:r>
-              <a:rPr lang="ro-RO" sz="1400" dirty="0" smtClean="0">
-                <a:solidFill>
-                  <a:srgbClr val="3C5790"/>
-                </a:solidFill>
-              </a:rPr>
-              <a:t>r</a:t>
-            </a:r>
-            <a:r>
-              <a:rPr lang="en-US" sz="1400" dirty="0" smtClean="0">
-                <a:solidFill>
-                  <a:srgbClr val="3C5790"/>
-                </a:solidFill>
-              </a:rPr>
-              <a:t>m</a:t>
-            </a:r>
-            <a:r>
-              <a:rPr lang="ro-RO" sz="1400" dirty="0" smtClean="0">
-                <a:solidFill>
-                  <a:srgbClr val="3C5790"/>
-                </a:solidFill>
-              </a:rPr>
-              <a:t>a</a:t>
-            </a:r>
-            <a:r>
-              <a:rPr lang="en-US" sz="1400" dirty="0" err="1" smtClean="0">
-                <a:solidFill>
-                  <a:srgbClr val="3C5790"/>
-                </a:solidFill>
-              </a:rPr>
-              <a:t>nce</a:t>
-            </a:r>
-            <a:r>
-              <a:rPr lang="en-US" sz="1400" dirty="0" smtClean="0">
-                <a:solidFill>
-                  <a:srgbClr val="3C5790"/>
-                </a:solidFill>
-              </a:rPr>
-              <a:t> </a:t>
-            </a:r>
-            <a:r>
-              <a:rPr lang="en-US" sz="1400" dirty="0" smtClean="0">
-                <a:solidFill>
-                  <a:srgbClr val="3C5790"/>
-                </a:solidFill>
-              </a:rPr>
-              <a:t>reasons is best </a:t>
-            </a:r>
-            <a:r>
-              <a:rPr lang="en-US" sz="1400" dirty="0" smtClean="0">
-                <a:solidFill>
-                  <a:srgbClr val="3C5790"/>
-                </a:solidFill>
-              </a:rPr>
-              <a:t>t</a:t>
-            </a:r>
-            <a:r>
-              <a:rPr lang="ro-RO" sz="1400" dirty="0" smtClean="0">
-                <a:solidFill>
-                  <a:srgbClr val="3C5790"/>
-                </a:solidFill>
-              </a:rPr>
-              <a:t>o</a:t>
-            </a:r>
-            <a:r>
-              <a:rPr lang="en-US" sz="1400" dirty="0" smtClean="0">
-                <a:solidFill>
-                  <a:srgbClr val="3C5790"/>
-                </a:solidFill>
-              </a:rPr>
-              <a:t> </a:t>
-            </a:r>
-            <a:r>
-              <a:rPr lang="en-US" sz="1400" dirty="0" smtClean="0">
-                <a:solidFill>
-                  <a:srgbClr val="3C5790"/>
-                </a:solidFill>
-              </a:rPr>
-              <a:t>have different data nodes</a:t>
-            </a:r>
-            <a:r>
-              <a:rPr lang="en-US" sz="1400" dirty="0" smtClean="0">
-                <a:solidFill>
-                  <a:srgbClr val="3C5790"/>
-                </a:solidFill>
-              </a:rPr>
-              <a:t>.</a:t>
-            </a:r>
-            <a:endParaRPr lang="en-US" sz="1400" dirty="0" smtClean="0">
+              <a:rPr lang="en-US" sz="1400" dirty="0">
+                <a:solidFill>
+                  <a:srgbClr val="3C5790"/>
+                </a:solidFill>
+              </a:rPr>
+              <a:t>The “</a:t>
+            </a:r>
+            <a:r>
+              <a:rPr lang="en-US" sz="1400" b="1" dirty="0">
+                <a:solidFill>
+                  <a:srgbClr val="3C5790"/>
+                </a:solidFill>
+              </a:rPr>
+              <a:t>stats</a:t>
+            </a:r>
+            <a:r>
+              <a:rPr lang="en-US" sz="1400" dirty="0">
+                <a:solidFill>
+                  <a:srgbClr val="3C5790"/>
+                </a:solidFill>
+              </a:rPr>
+              <a:t>” aggregation gives stats info about a numeric field: min, max, avg, sum.</a:t>
+            </a:r>
+            <a:endParaRPr lang="en-US" sz="1400" b="1" dirty="0">
               <a:solidFill>
                 <a:srgbClr val="3C5790"/>
               </a:solidFill>
             </a:endParaRPr>
           </a:p>
           <a:p>
-            <a:r>
-              <a:rPr lang="en-US" sz="1400" dirty="0" smtClean="0">
-                <a:solidFill>
-                  <a:srgbClr val="3C5790"/>
-                </a:solidFill>
-              </a:rPr>
-              <a:t>We need to setup in elasticsearch.yml configuration file:</a:t>
-            </a:r>
-          </a:p>
-          <a:p>
-            <a:r>
-              <a:rPr lang="en-US" sz="1400" dirty="0" err="1" smtClean="0">
-                <a:solidFill>
-                  <a:srgbClr val="3C5790"/>
-                </a:solidFill>
-              </a:rPr>
-              <a:t>node.master</a:t>
-            </a:r>
-            <a:r>
-              <a:rPr lang="en-US" sz="1400" dirty="0" smtClean="0">
-                <a:solidFill>
-                  <a:srgbClr val="3C5790"/>
-                </a:solidFill>
-              </a:rPr>
-              <a:t>: false</a:t>
-            </a:r>
-          </a:p>
-          <a:p>
-            <a:r>
-              <a:rPr lang="en-US" sz="1400" dirty="0" err="1" smtClean="0">
-                <a:solidFill>
-                  <a:srgbClr val="3C5790"/>
-                </a:solidFill>
-              </a:rPr>
-              <a:t>node.data</a:t>
-            </a:r>
-            <a:r>
-              <a:rPr lang="en-US" sz="1400" dirty="0" smtClean="0">
-                <a:solidFill>
-                  <a:srgbClr val="3C5790"/>
-                </a:solidFill>
-              </a:rPr>
-              <a:t>: true</a:t>
-            </a:r>
-            <a:endParaRPr lang="en-US" sz="1400" dirty="0" smtClean="0">
+            <a:endParaRPr lang="en-US" sz="1400" dirty="0">
               <a:solidFill>
                 <a:srgbClr val="3C5790"/>
               </a:solidFill>
@@ -8419,22 +9979,80 @@
           </a:p>
         </p:txBody>
       </p:sp>
+      <p:pic>
+        <p:nvPicPr>
+          <p:cNvPr id="7" name="Picture 6">
+            <a:extLst>
+              <a:ext uri="{FF2B5EF4-FFF2-40B4-BE49-F238E27FC236}">
+                <a16:creationId xmlns:a16="http://schemas.microsoft.com/office/drawing/2014/main" id="{CB59C618-687A-494C-BB13-EE0EA64930AE}"/>
+              </a:ext>
+            </a:extLst>
+          </p:cNvPr>
+          <p:cNvPicPr>
+            <a:picLocks noChangeAspect="1"/>
+          </p:cNvPicPr>
+          <p:nvPr/>
+        </p:nvPicPr>
+        <p:blipFill>
+          <a:blip r:embed="rId3"/>
+          <a:stretch>
+            <a:fillRect/>
+          </a:stretch>
+        </p:blipFill>
+        <p:spPr>
+          <a:xfrm>
+            <a:off x="457200" y="3429000"/>
+            <a:ext cx="3412067" cy="2149498"/>
+          </a:xfrm>
+          <a:prstGeom prst="rect">
+            <a:avLst/>
+          </a:prstGeom>
+        </p:spPr>
+      </p:pic>
+      <p:pic>
+        <p:nvPicPr>
+          <p:cNvPr id="8" name="Picture 7">
+            <a:extLst>
+              <a:ext uri="{FF2B5EF4-FFF2-40B4-BE49-F238E27FC236}">
+                <a16:creationId xmlns:a16="http://schemas.microsoft.com/office/drawing/2014/main" id="{FA9A9C1F-E241-4E03-A9B0-D2CF4CEBC849}"/>
+              </a:ext>
+            </a:extLst>
+          </p:cNvPr>
+          <p:cNvPicPr>
+            <a:picLocks noChangeAspect="1"/>
+          </p:cNvPicPr>
+          <p:nvPr/>
+        </p:nvPicPr>
+        <p:blipFill>
+          <a:blip r:embed="rId4"/>
+          <a:stretch>
+            <a:fillRect/>
+          </a:stretch>
+        </p:blipFill>
+        <p:spPr>
+          <a:xfrm>
+            <a:off x="5274735" y="2355112"/>
+            <a:ext cx="2977464" cy="4362179"/>
+          </a:xfrm>
+          <a:prstGeom prst="rect">
+            <a:avLst/>
+          </a:prstGeom>
+        </p:spPr>
+      </p:pic>
     </p:spTree>
+    <p:extLst>
+      <p:ext uri="{BB962C8B-B14F-4D97-AF65-F5344CB8AC3E}">
+        <p14:creationId xmlns:p14="http://schemas.microsoft.com/office/powerpoint/2010/main" val="2927199161"/>
+      </p:ext>
+    </p:extLst>
   </p:cSld>
   <p:clrMapOvr>
     <a:masterClrMapping/>
   </p:clrMapOvr>
-  <p:timing>
-    <p:tnLst>
-      <p:par>
-        <p:cTn id="1" dur="indefinite" restart="never" nodeType="tmRoot"/>
-      </p:par>
-    </p:tnLst>
-  </p:timing>
 </p:sld>
 </file>
 
-<file path=ppt/slides/slide3.xml><?xml version="1.0" encoding="utf-8"?>
+<file path=ppt/slides/slide37.xml><?xml version="1.0" encoding="utf-8"?>
 <p:sld xmlns:a="http://schemas.openxmlformats.org/drawingml/2006/main" xmlns:r="http://schemas.openxmlformats.org/officeDocument/2006/relationships" xmlns:p="http://schemas.openxmlformats.org/presentationml/2006/main">
   <p:cSld>
     <p:bg>
@@ -8473,163 +10091,117 @@
             <p:ph type="title"/>
           </p:nvPr>
         </p:nvSpPr>
-        <p:spPr/>
-        <p:txBody>
-          <a:bodyPr/>
-          <a:lstStyle/>
-          <a:p>
-            <a:r>
-              <a:rPr lang="fr-CA" dirty="0" err="1" smtClean="0">
-                <a:solidFill>
-                  <a:schemeClr val="bg1"/>
-                </a:solidFill>
-              </a:rPr>
-              <a:t>What</a:t>
-            </a:r>
-            <a:r>
-              <a:rPr lang="fr-CA" dirty="0" smtClean="0">
-                <a:solidFill>
-                  <a:schemeClr val="bg1"/>
-                </a:solidFill>
-              </a:rPr>
-              <a:t> </a:t>
-            </a:r>
-            <a:r>
-              <a:rPr lang="fr-CA" dirty="0" err="1" smtClean="0">
-                <a:solidFill>
-                  <a:schemeClr val="bg1"/>
-                </a:solidFill>
-              </a:rPr>
-              <a:t>is</a:t>
-            </a:r>
-            <a:r>
-              <a:rPr lang="fr-CA" dirty="0" smtClean="0">
-                <a:solidFill>
-                  <a:schemeClr val="bg1"/>
-                </a:solidFill>
-              </a:rPr>
-              <a:t> </a:t>
-            </a:r>
-            <a:r>
-              <a:rPr lang="ro-RO" dirty="0" smtClean="0">
-                <a:solidFill>
-                  <a:schemeClr val="bg1"/>
-                </a:solidFill>
-              </a:rPr>
-              <a:t>ElasticSearch</a:t>
-            </a:r>
-            <a:r>
-              <a:rPr lang="fr-CA" dirty="0" smtClean="0">
-                <a:solidFill>
-                  <a:schemeClr val="bg1"/>
-                </a:solidFill>
-              </a:rPr>
-              <a:t>?</a:t>
-            </a:r>
-          </a:p>
-        </p:txBody>
-      </p:sp>
-      <p:sp>
-        <p:nvSpPr>
-          <p:cNvPr id="4099" name="Espace réservé du contenu 4"/>
-          <p:cNvSpPr>
-            <a:spLocks noGrp="1"/>
-          </p:cNvSpPr>
-          <p:nvPr>
-            <p:ph idx="1"/>
-          </p:nvPr>
-        </p:nvSpPr>
         <p:spPr>
           <a:xfrm>
-            <a:off x="228600" y="2133600"/>
-            <a:ext cx="8686800" cy="1524000"/>
+            <a:off x="228600" y="274638"/>
+            <a:ext cx="8686800" cy="1143000"/>
           </a:xfrm>
         </p:spPr>
         <p:txBody>
           <a:bodyPr/>
           <a:lstStyle/>
           <a:p>
-            <a:r>
-              <a:rPr lang="en-US" sz="1500" dirty="0" err="1" smtClean="0">
-                <a:solidFill>
-                  <a:srgbClr val="3C5790"/>
-                </a:solidFill>
-              </a:rPr>
-              <a:t>Elasticsearch</a:t>
-            </a:r>
-            <a:r>
-              <a:rPr lang="en-US" sz="1500" dirty="0" smtClean="0">
-                <a:solidFill>
-                  <a:srgbClr val="3C5790"/>
-                </a:solidFill>
-              </a:rPr>
-              <a:t> is a search server based on </a:t>
-            </a:r>
-            <a:r>
-              <a:rPr lang="en-US" sz="1500" dirty="0" err="1" smtClean="0">
-                <a:solidFill>
-                  <a:srgbClr val="3C5790"/>
-                </a:solidFill>
-              </a:rPr>
-              <a:t>Lucene</a:t>
-            </a:r>
-            <a:r>
-              <a:rPr lang="en-US" sz="1500" dirty="0" smtClean="0">
-                <a:solidFill>
-                  <a:srgbClr val="3C5790"/>
-                </a:solidFill>
-              </a:rPr>
-              <a:t>.</a:t>
-            </a:r>
-          </a:p>
-          <a:p>
-            <a:r>
-              <a:rPr lang="en-US" sz="1500" dirty="0" smtClean="0">
-                <a:solidFill>
-                  <a:srgbClr val="3C5790"/>
-                </a:solidFill>
-              </a:rPr>
-              <a:t>it provides a distributed,</a:t>
-            </a:r>
-            <a:r>
-              <a:rPr lang="ro-RO" sz="1500" dirty="0" smtClean="0">
-                <a:solidFill>
-                  <a:srgbClr val="3C5790"/>
-                </a:solidFill>
-              </a:rPr>
-              <a:t> </a:t>
-            </a:r>
-            <a:r>
-              <a:rPr lang="en-US" sz="1500" dirty="0" smtClean="0">
-                <a:solidFill>
-                  <a:srgbClr val="3C5790"/>
-                </a:solidFill>
-              </a:rPr>
-              <a:t>multitenant-capable full-text search engine with a REST web interface and schema-free JSON documents.</a:t>
-            </a:r>
-          </a:p>
-          <a:p>
-            <a:r>
-              <a:rPr lang="en-US" sz="1500" dirty="0" err="1" smtClean="0">
-                <a:solidFill>
-                  <a:srgbClr val="3C5790"/>
-                </a:solidFill>
-              </a:rPr>
-              <a:t>Elasticsearch</a:t>
-            </a:r>
-            <a:r>
-              <a:rPr lang="en-US" sz="1500" dirty="0" smtClean="0">
-                <a:solidFill>
-                  <a:srgbClr val="3C5790"/>
-                </a:solidFill>
-              </a:rPr>
-              <a:t> is developed in Java and it released as open source under the terms of the Apache License.</a:t>
-            </a:r>
-            <a:endParaRPr lang="fr-CA" sz="1400" dirty="0" smtClean="0">
+            <a:pPr lvl="1"/>
+            <a:r>
+              <a:rPr lang="ro-RO" dirty="0">
+                <a:solidFill>
+                  <a:schemeClr val="bg1"/>
+                </a:solidFill>
+              </a:rPr>
+              <a:t>Clustering</a:t>
+            </a:r>
+            <a:endParaRPr lang="fr-CA" dirty="0">
               <a:solidFill>
-                <a:srgbClr val="3C5790"/>
+                <a:schemeClr val="bg1"/>
               </a:solidFill>
             </a:endParaRPr>
+          </a:p>
+        </p:txBody>
+      </p:sp>
+      <p:sp>
+        <p:nvSpPr>
+          <p:cNvPr id="4099" name="Espace réservé du contenu 4"/>
+          <p:cNvSpPr>
+            <a:spLocks noGrp="1"/>
+          </p:cNvSpPr>
+          <p:nvPr>
+            <p:ph idx="1"/>
+          </p:nvPr>
+        </p:nvSpPr>
+        <p:spPr>
+          <a:xfrm>
+            <a:off x="76200" y="1981200"/>
+            <a:ext cx="8686800" cy="4648200"/>
+          </a:xfrm>
+        </p:spPr>
+        <p:txBody>
+          <a:bodyPr/>
+          <a:lstStyle/>
+          <a:p>
+            <a:r>
+              <a:rPr lang="en-US" sz="1400" dirty="0">
+                <a:solidFill>
+                  <a:srgbClr val="3C5790"/>
+                </a:solidFill>
+              </a:rPr>
+              <a:t>When Elasticsearch node start it looking for a master node that has the same cluster name and is visible.</a:t>
+            </a:r>
+          </a:p>
+          <a:p>
+            <a:r>
+              <a:rPr lang="en-US" sz="1400" dirty="0">
+                <a:solidFill>
+                  <a:srgbClr val="3C5790"/>
+                </a:solidFill>
+              </a:rPr>
+              <a:t>If a master is found, the node joins a cluster that is already formed.</a:t>
+            </a:r>
+          </a:p>
+          <a:p>
+            <a:r>
+              <a:rPr lang="en-US" sz="1400" dirty="0">
+                <a:solidFill>
+                  <a:srgbClr val="3C5790"/>
+                </a:solidFill>
+              </a:rPr>
+              <a:t>If no master is found, the node itself is selected as a master.</a:t>
+            </a:r>
+          </a:p>
+          <a:p>
+            <a:r>
+              <a:rPr lang="en-US" sz="1400" dirty="0">
+                <a:solidFill>
+                  <a:srgbClr val="3C5790"/>
+                </a:solidFill>
+              </a:rPr>
+              <a:t>The process of forming a cluster and finding nodes is called discovery.</a:t>
+            </a:r>
+          </a:p>
+          <a:p>
+            <a:r>
+              <a:rPr lang="en-US" sz="1400" dirty="0">
+                <a:solidFill>
+                  <a:srgbClr val="3C5790"/>
+                </a:solidFill>
+              </a:rPr>
+              <a:t>By default, Elasticsearch uses the </a:t>
+            </a:r>
+            <a:r>
+              <a:rPr lang="en-US" sz="1400" b="1" dirty="0" err="1">
+                <a:solidFill>
+                  <a:srgbClr val="3C5790"/>
+                </a:solidFill>
+              </a:rPr>
+              <a:t>zen</a:t>
+            </a:r>
+            <a:r>
+              <a:rPr lang="en-US" sz="1400" dirty="0">
+                <a:solidFill>
+                  <a:srgbClr val="3C5790"/>
+                </a:solidFill>
+              </a:rPr>
+              <a:t> discovery, which provides multicast and unicast discovery.</a:t>
+            </a:r>
           </a:p>
         </p:txBody>
       </p:sp>
@@ -8638,17 +10210,10 @@
   <p:clrMapOvr>
     <a:masterClrMapping/>
   </p:clrMapOvr>
-  <p:timing>
-    <p:tnLst>
-      <p:par>
-        <p:cTn id="1" dur="indefinite" restart="never" nodeType="tmRoot"/>
-      </p:par>
-    </p:tnLst>
-  </p:timing>
 </p:sld>
 </file>
 
-<file path=ppt/slides/slide30.xml><?xml version="1.0" encoding="utf-8"?>
+<file path=ppt/slides/slide38.xml><?xml version="1.0" encoding="utf-8"?>
 <p:sld xmlns:a="http://schemas.openxmlformats.org/drawingml/2006/main" xmlns:r="http://schemas.openxmlformats.org/officeDocument/2006/relationships" xmlns:p="http://schemas.openxmlformats.org/presentationml/2006/main">
   <p:cSld>
     <p:bg>
@@ -8679,114 +10244,108 @@
       </p:grpSpPr>
       <p:sp>
         <p:nvSpPr>
-          <p:cNvPr id="5122" name="Titre 3"/>
+          <p:cNvPr id="4098" name="Titre 3"/>
           <p:cNvSpPr>
             <a:spLocks noGrp="1"/>
           </p:cNvSpPr>
           <p:nvPr>
             <p:ph type="title"/>
-          </p:nvPr>
-        </p:nvSpPr>
-        <p:spPr/>
-        <p:txBody>
-          <a:bodyPr/>
-          <a:lstStyle/>
-          <a:p>
-            <a:r>
-              <a:rPr lang="fr-CA" sz="4000" dirty="0" err="1" smtClean="0">
-                <a:solidFill>
-                  <a:schemeClr val="bg1">
-                    <a:lumMod val="95000"/>
-                  </a:schemeClr>
-                </a:solidFill>
-              </a:rPr>
-              <a:t>Bibliography</a:t>
-            </a:r>
-            <a:endParaRPr lang="fr-CA" sz="4000" dirty="0" smtClean="0">
-              <a:solidFill>
-                <a:schemeClr val="bg1">
-                  <a:lumMod val="95000"/>
-                </a:schemeClr>
-              </a:solidFill>
-            </a:endParaRPr>
-          </a:p>
-        </p:txBody>
-      </p:sp>
-      <p:sp>
-        <p:nvSpPr>
-          <p:cNvPr id="5123" name="Espace réservé du contenu 4"/>
-          <p:cNvSpPr>
-            <a:spLocks noGrp="1"/>
-          </p:cNvSpPr>
-          <p:nvPr>
-            <p:ph idx="1"/>
           </p:nvPr>
         </p:nvSpPr>
         <p:spPr>
           <a:xfrm>
-            <a:off x="457200" y="1676400"/>
-            <a:ext cx="8458200" cy="4876800"/>
+            <a:off x="228600" y="274638"/>
+            <a:ext cx="8686800" cy="1143000"/>
           </a:xfrm>
         </p:spPr>
         <p:txBody>
           <a:bodyPr/>
           <a:lstStyle/>
           <a:p>
-            <a:r>
-              <a:rPr lang="en-US" sz="1600" dirty="0" smtClean="0">
+            <a:pPr lvl="1"/>
+            <a:r>
+              <a:rPr lang="ro-RO" dirty="0">
                 <a:solidFill>
                   <a:schemeClr val="bg1"/>
                 </a:solidFill>
               </a:rPr>
-              <a:t>http://en.wikipedia.org/wiki/Elasticsearch</a:t>
-            </a:r>
-            <a:endParaRPr lang="ro-RO" sz="1600" dirty="0" smtClean="0">
+              <a:t>Clustering (cont.)</a:t>
+            </a:r>
+            <a:endParaRPr lang="fr-CA" dirty="0">
               <a:solidFill>
                 <a:schemeClr val="bg1"/>
               </a:solidFill>
             </a:endParaRPr>
           </a:p>
-          <a:p>
-            <a:r>
-              <a:rPr lang="ro-RO" sz="1600" dirty="0" smtClean="0">
-                <a:solidFill>
-                  <a:schemeClr val="bg1"/>
-                </a:solidFill>
-              </a:rPr>
-              <a:t>Packt Publisher – Elasticsearch Server 2nd </a:t>
-            </a:r>
-            <a:r>
-              <a:rPr lang="ro-RO" sz="1600" dirty="0" smtClean="0">
-                <a:solidFill>
-                  <a:schemeClr val="bg1"/>
-                </a:solidFill>
-              </a:rPr>
-              <a:t>Edition</a:t>
-            </a:r>
-          </a:p>
-          <a:p>
-            <a:r>
-              <a:rPr lang="ro-RO" sz="1600" dirty="0" smtClean="0">
-                <a:solidFill>
-                  <a:schemeClr val="bg1"/>
-                </a:solidFill>
-              </a:rPr>
-              <a:t>http://joelabrahamsson.com/elasticsearch-101/</a:t>
-            </a:r>
-            <a:endParaRPr lang="ro-RO" sz="1600" dirty="0" smtClean="0">
-              <a:solidFill>
-                <a:schemeClr val="bg1"/>
-              </a:solidFill>
-            </a:endParaRPr>
-          </a:p>
-          <a:p>
-            <a:r>
-              <a:rPr lang="fr-CA" sz="1600" dirty="0" smtClean="0">
-                <a:solidFill>
-                  <a:schemeClr val="bg1"/>
-                </a:solidFill>
-              </a:rPr>
-              <a:t>http://www.elasticsearch.org/guide/en/elasticsearch/hadoop/current/features.html</a:t>
+        </p:txBody>
+      </p:sp>
+      <p:sp>
+        <p:nvSpPr>
+          <p:cNvPr id="4099" name="Espace réservé du contenu 4"/>
+          <p:cNvSpPr>
+            <a:spLocks noGrp="1"/>
+          </p:cNvSpPr>
+          <p:nvPr>
+            <p:ph idx="1"/>
+          </p:nvPr>
+        </p:nvSpPr>
+        <p:spPr>
+          <a:xfrm>
+            <a:off x="76200" y="1981200"/>
+            <a:ext cx="8686800" cy="4648200"/>
+          </a:xfrm>
+        </p:spPr>
+        <p:txBody>
+          <a:bodyPr/>
+          <a:lstStyle/>
+          <a:p>
+            <a:r>
+              <a:rPr lang="en-US" sz="1400" b="1" dirty="0">
+                <a:solidFill>
+                  <a:srgbClr val="3C5790"/>
+                </a:solidFill>
+              </a:rPr>
+              <a:t>Master node</a:t>
+            </a:r>
+          </a:p>
+          <a:p>
+            <a:r>
+              <a:rPr lang="en-US" sz="1400" dirty="0">
+                <a:solidFill>
+                  <a:srgbClr val="3C5790"/>
+                </a:solidFill>
+              </a:rPr>
+              <a:t>The master node is the one that checks all the other nodes to see if they are responsive.</a:t>
+            </a:r>
+          </a:p>
+          <a:p>
+            <a:r>
+              <a:rPr lang="en-US" sz="1400" dirty="0">
+                <a:solidFill>
+                  <a:srgbClr val="3C5790"/>
+                </a:solidFill>
+              </a:rPr>
+              <a:t>Other nodes ping the master too. </a:t>
+            </a:r>
+          </a:p>
+          <a:p>
+            <a:r>
+              <a:rPr lang="en-US" sz="1400" dirty="0">
+                <a:solidFill>
+                  <a:srgbClr val="3C5790"/>
+                </a:solidFill>
+              </a:rPr>
+              <a:t>The master node will also accept the new nodes that want to join the cluster.</a:t>
+            </a:r>
+          </a:p>
+          <a:p>
+            <a:r>
+              <a:rPr lang="en-US" sz="1400" dirty="0">
+                <a:solidFill>
+                  <a:srgbClr val="3C5790"/>
+                </a:solidFill>
+              </a:rPr>
+              <a:t>If the master is somehow disconnected from the cluster, the remaining nodes will select a new master from among themselves.</a:t>
             </a:r>
           </a:p>
         </p:txBody>
@@ -8796,13 +10355,247 @@
   <p:clrMapOvr>
     <a:masterClrMapping/>
   </p:clrMapOvr>
-  <p:timing>
-    <p:tnLst>
-      <p:par>
-        <p:cTn id="1" dur="indefinite" restart="never" nodeType="tmRoot"/>
-      </p:par>
-    </p:tnLst>
-  </p:timing>
+</p:sld>
+</file>
+
+<file path=ppt/slides/slide39.xml><?xml version="1.0" encoding="utf-8"?>
+<p:sld xmlns:a="http://schemas.openxmlformats.org/drawingml/2006/main" xmlns:r="http://schemas.openxmlformats.org/officeDocument/2006/relationships" xmlns:p="http://schemas.openxmlformats.org/presentationml/2006/main">
+  <p:cSld>
+    <p:bg>
+      <p:bgPr>
+        <a:blipFill dpi="0" rotWithShape="0">
+          <a:blip r:embed="rId2" cstate="print"/>
+          <a:srcRect/>
+          <a:stretch>
+            <a:fillRect/>
+          </a:stretch>
+        </a:blipFill>
+        <a:effectLst/>
+      </p:bgPr>
+    </p:bg>
+    <p:spTree>
+      <p:nvGrpSpPr>
+        <p:cNvPr id="1" name=""/>
+        <p:cNvGrpSpPr/>
+        <p:nvPr/>
+      </p:nvGrpSpPr>
+      <p:grpSpPr>
+        <a:xfrm>
+          <a:off x="0" y="0"/>
+          <a:ext cx="0" cy="0"/>
+          <a:chOff x="0" y="0"/>
+          <a:chExt cx="0" cy="0"/>
+        </a:xfrm>
+      </p:grpSpPr>
+      <p:sp>
+        <p:nvSpPr>
+          <p:cNvPr id="4098" name="Titre 3"/>
+          <p:cNvSpPr>
+            <a:spLocks noGrp="1"/>
+          </p:cNvSpPr>
+          <p:nvPr>
+            <p:ph type="title"/>
+          </p:nvPr>
+        </p:nvSpPr>
+        <p:spPr>
+          <a:xfrm>
+            <a:off x="228600" y="274638"/>
+            <a:ext cx="8686800" cy="1143000"/>
+          </a:xfrm>
+        </p:spPr>
+        <p:txBody>
+          <a:bodyPr/>
+          <a:lstStyle/>
+          <a:p>
+            <a:pPr lvl="1"/>
+            <a:r>
+              <a:rPr lang="ro-RO" dirty="0">
+                <a:solidFill>
+                  <a:schemeClr val="bg1"/>
+                </a:solidFill>
+              </a:rPr>
+              <a:t>Clustering (cont.)</a:t>
+            </a:r>
+            <a:endParaRPr lang="fr-CA" dirty="0">
+              <a:solidFill>
+                <a:schemeClr val="bg1"/>
+              </a:solidFill>
+            </a:endParaRPr>
+          </a:p>
+        </p:txBody>
+      </p:sp>
+      <p:sp>
+        <p:nvSpPr>
+          <p:cNvPr id="4099" name="Espace réservé du contenu 4"/>
+          <p:cNvSpPr>
+            <a:spLocks noGrp="1"/>
+          </p:cNvSpPr>
+          <p:nvPr>
+            <p:ph idx="1"/>
+          </p:nvPr>
+        </p:nvSpPr>
+        <p:spPr>
+          <a:xfrm>
+            <a:off x="76200" y="1981200"/>
+            <a:ext cx="8686800" cy="4648200"/>
+          </a:xfrm>
+        </p:spPr>
+        <p:txBody>
+          <a:bodyPr/>
+          <a:lstStyle/>
+          <a:p>
+            <a:r>
+              <a:rPr lang="en-US" sz="1400" dirty="0">
+                <a:solidFill>
+                  <a:srgbClr val="3C5790"/>
+                </a:solidFill>
+              </a:rPr>
+              <a:t>By default, </a:t>
+            </a:r>
+            <a:r>
+              <a:rPr lang="en-US" sz="1400" dirty="0" err="1">
+                <a:solidFill>
+                  <a:srgbClr val="3C5790"/>
+                </a:solidFill>
+              </a:rPr>
+              <a:t>Elasticsearch</a:t>
+            </a:r>
+            <a:r>
+              <a:rPr lang="en-US" sz="1400" dirty="0">
+                <a:solidFill>
+                  <a:srgbClr val="3C5790"/>
+                </a:solidFill>
+              </a:rPr>
+              <a:t> allows every node to be a master node and a data node.</a:t>
+            </a:r>
+          </a:p>
+          <a:p>
+            <a:r>
+              <a:rPr lang="en-US" sz="1400" dirty="0">
+                <a:solidFill>
+                  <a:srgbClr val="3C5790"/>
+                </a:solidFill>
+              </a:rPr>
+              <a:t>For </a:t>
+            </a:r>
+            <a:r>
+              <a:rPr lang="en-US" sz="1400" dirty="0" err="1">
+                <a:solidFill>
+                  <a:srgbClr val="3C5790"/>
+                </a:solidFill>
+              </a:rPr>
+              <a:t>perfo</a:t>
+            </a:r>
+            <a:r>
+              <a:rPr lang="ro-RO" sz="1400" dirty="0">
+                <a:solidFill>
+                  <a:srgbClr val="3C5790"/>
+                </a:solidFill>
+              </a:rPr>
+              <a:t>r</a:t>
+            </a:r>
+            <a:r>
+              <a:rPr lang="en-US" sz="1400" dirty="0">
+                <a:solidFill>
+                  <a:srgbClr val="3C5790"/>
+                </a:solidFill>
+              </a:rPr>
+              <a:t>m</a:t>
+            </a:r>
+            <a:r>
+              <a:rPr lang="ro-RO" sz="1400" dirty="0">
+                <a:solidFill>
+                  <a:srgbClr val="3C5790"/>
+                </a:solidFill>
+              </a:rPr>
+              <a:t>a</a:t>
+            </a:r>
+            <a:r>
+              <a:rPr lang="en-US" sz="1400" dirty="0" err="1">
+                <a:solidFill>
+                  <a:srgbClr val="3C5790"/>
+                </a:solidFill>
+              </a:rPr>
+              <a:t>nce</a:t>
+            </a:r>
+            <a:r>
+              <a:rPr lang="en-US" sz="1400" dirty="0">
+                <a:solidFill>
+                  <a:srgbClr val="3C5790"/>
+                </a:solidFill>
+              </a:rPr>
+              <a:t> reasons is best t</a:t>
+            </a:r>
+            <a:r>
+              <a:rPr lang="ro-RO" sz="1400" dirty="0">
+                <a:solidFill>
+                  <a:srgbClr val="3C5790"/>
+                </a:solidFill>
+              </a:rPr>
+              <a:t>o</a:t>
+            </a:r>
+            <a:r>
+              <a:rPr lang="en-US" sz="1400" dirty="0">
+                <a:solidFill>
+                  <a:srgbClr val="3C5790"/>
+                </a:solidFill>
+              </a:rPr>
+              <a:t> have different data nodes.</a:t>
+            </a:r>
+          </a:p>
+          <a:p>
+            <a:r>
+              <a:rPr lang="en-US" sz="1400" dirty="0">
+                <a:solidFill>
+                  <a:srgbClr val="3C5790"/>
+                </a:solidFill>
+              </a:rPr>
+              <a:t>We need to setup in elasticsearch.yml configuration file:</a:t>
+            </a:r>
+          </a:p>
+          <a:p>
+            <a:r>
+              <a:rPr lang="en-US" sz="1400" dirty="0" err="1">
+                <a:solidFill>
+                  <a:srgbClr val="3C5790"/>
+                </a:solidFill>
+              </a:rPr>
+              <a:t>node.master</a:t>
+            </a:r>
+            <a:r>
+              <a:rPr lang="en-US" sz="1400" dirty="0">
+                <a:solidFill>
+                  <a:srgbClr val="3C5790"/>
+                </a:solidFill>
+              </a:rPr>
+              <a:t>: false</a:t>
+            </a:r>
+          </a:p>
+          <a:p>
+            <a:r>
+              <a:rPr lang="en-US" sz="1400" dirty="0" err="1">
+                <a:solidFill>
+                  <a:srgbClr val="3C5790"/>
+                </a:solidFill>
+              </a:rPr>
+              <a:t>node.data</a:t>
+            </a:r>
+            <a:r>
+              <a:rPr lang="en-US" sz="1400" dirty="0">
+                <a:solidFill>
+                  <a:srgbClr val="3C5790"/>
+                </a:solidFill>
+              </a:rPr>
+              <a:t>: true</a:t>
+            </a:r>
+          </a:p>
+        </p:txBody>
+      </p:sp>
+    </p:spTree>
+  </p:cSld>
+  <p:clrMapOvr>
+    <a:masterClrMapping/>
+  </p:clrMapOvr>
 </p:sld>
 </file>
 
@@ -8851,14 +10644,14 @@
           <a:lstStyle/>
           <a:p>
             <a:r>
-              <a:rPr lang="ro-RO" smtClean="0">
+              <a:rPr lang="ro-RO">
                 <a:solidFill>
                   <a:schemeClr val="bg1"/>
                 </a:solidFill>
               </a:rPr>
               <a:t>Architecture</a:t>
             </a:r>
-            <a:endParaRPr lang="fr-CA" dirty="0" smtClean="0">
+            <a:endParaRPr lang="fr-CA" dirty="0">
               <a:solidFill>
                 <a:schemeClr val="bg1"/>
               </a:solidFill>
@@ -8903,13 +10696,144 @@
   <p:clrMapOvr>
     <a:masterClrMapping/>
   </p:clrMapOvr>
-  <p:timing>
-    <p:tnLst>
-      <p:par>
-        <p:cTn id="1" dur="indefinite" restart="never" nodeType="tmRoot"/>
-      </p:par>
-    </p:tnLst>
-  </p:timing>
+</p:sld>
+</file>
+
+<file path=ppt/slides/slide40.xml><?xml version="1.0" encoding="utf-8"?>
+<p:sld xmlns:a="http://schemas.openxmlformats.org/drawingml/2006/main" xmlns:r="http://schemas.openxmlformats.org/officeDocument/2006/relationships" xmlns:p="http://schemas.openxmlformats.org/presentationml/2006/main">
+  <p:cSld>
+    <p:bg>
+      <p:bgPr>
+        <a:blipFill dpi="0" rotWithShape="0">
+          <a:blip r:embed="rId2" cstate="print"/>
+          <a:srcRect/>
+          <a:stretch>
+            <a:fillRect/>
+          </a:stretch>
+        </a:blipFill>
+        <a:effectLst/>
+      </p:bgPr>
+    </p:bg>
+    <p:spTree>
+      <p:nvGrpSpPr>
+        <p:cNvPr id="1" name=""/>
+        <p:cNvGrpSpPr/>
+        <p:nvPr/>
+      </p:nvGrpSpPr>
+      <p:grpSpPr>
+        <a:xfrm>
+          <a:off x="0" y="0"/>
+          <a:ext cx="0" cy="0"/>
+          <a:chOff x="0" y="0"/>
+          <a:chExt cx="0" cy="0"/>
+        </a:xfrm>
+      </p:grpSpPr>
+      <p:sp>
+        <p:nvSpPr>
+          <p:cNvPr id="5122" name="Titre 3"/>
+          <p:cNvSpPr>
+            <a:spLocks noGrp="1"/>
+          </p:cNvSpPr>
+          <p:nvPr>
+            <p:ph type="title"/>
+          </p:nvPr>
+        </p:nvSpPr>
+        <p:spPr/>
+        <p:txBody>
+          <a:bodyPr/>
+          <a:lstStyle/>
+          <a:p>
+            <a:r>
+              <a:rPr lang="fr-CA" sz="4000" dirty="0" err="1">
+                <a:solidFill>
+                  <a:schemeClr val="bg1">
+                    <a:lumMod val="95000"/>
+                  </a:schemeClr>
+                </a:solidFill>
+              </a:rPr>
+              <a:t>Bibliography</a:t>
+            </a:r>
+            <a:endParaRPr lang="fr-CA" sz="4000" dirty="0">
+              <a:solidFill>
+                <a:schemeClr val="bg1">
+                  <a:lumMod val="95000"/>
+                </a:schemeClr>
+              </a:solidFill>
+            </a:endParaRPr>
+          </a:p>
+        </p:txBody>
+      </p:sp>
+      <p:sp>
+        <p:nvSpPr>
+          <p:cNvPr id="5123" name="Espace réservé du contenu 4"/>
+          <p:cNvSpPr>
+            <a:spLocks noGrp="1"/>
+          </p:cNvSpPr>
+          <p:nvPr>
+            <p:ph idx="1"/>
+          </p:nvPr>
+        </p:nvSpPr>
+        <p:spPr>
+          <a:xfrm>
+            <a:off x="457200" y="1676400"/>
+            <a:ext cx="8458200" cy="4876800"/>
+          </a:xfrm>
+        </p:spPr>
+        <p:txBody>
+          <a:bodyPr/>
+          <a:lstStyle/>
+          <a:p>
+            <a:r>
+              <a:rPr lang="en-US" sz="1600" dirty="0">
+                <a:solidFill>
+                  <a:schemeClr val="bg1"/>
+                </a:solidFill>
+              </a:rPr>
+              <a:t>http://en.wikipedia.org/wiki/Elasticsearch</a:t>
+            </a:r>
+            <a:endParaRPr lang="ro-RO" sz="1600" dirty="0">
+              <a:solidFill>
+                <a:schemeClr val="bg1"/>
+              </a:solidFill>
+            </a:endParaRPr>
+          </a:p>
+          <a:p>
+            <a:r>
+              <a:rPr lang="ro-RO" sz="1600" dirty="0">
+                <a:solidFill>
+                  <a:schemeClr val="bg1"/>
+                </a:solidFill>
+              </a:rPr>
+              <a:t>Packt Publisher – Elasticsearch Server 2nd Edition</a:t>
+            </a:r>
+          </a:p>
+          <a:p>
+            <a:r>
+              <a:rPr lang="ro-RO" sz="1600" dirty="0">
+                <a:solidFill>
+                  <a:schemeClr val="bg1"/>
+                </a:solidFill>
+              </a:rPr>
+              <a:t>http://joelabrahamsson.com/elasticsearch-101/</a:t>
+            </a:r>
+          </a:p>
+          <a:p>
+            <a:r>
+              <a:rPr lang="fr-CA" sz="1600" dirty="0">
+                <a:solidFill>
+                  <a:schemeClr val="bg1"/>
+                </a:solidFill>
+              </a:rPr>
+              <a:t>http://www.elasticsearch.org/guide/en/elasticsearch/hadoop/current/features.html</a:t>
+            </a:r>
+          </a:p>
+        </p:txBody>
+      </p:sp>
+    </p:spTree>
+  </p:cSld>
+  <p:clrMapOvr>
+    <a:masterClrMapping/>
+  </p:clrMapOvr>
 </p:sld>
 </file>
 
@@ -8958,14 +10882,14 @@
           <a:lstStyle/>
           <a:p>
             <a:r>
-              <a:rPr lang="ro-RO" dirty="0" smtClean="0">
+              <a:rPr lang="ro-RO" dirty="0">
                 <a:solidFill>
                   <a:schemeClr val="bg1"/>
                 </a:solidFill>
               </a:rPr>
               <a:t>Features</a:t>
             </a:r>
-            <a:endParaRPr lang="fr-CA" dirty="0" smtClean="0">
+            <a:endParaRPr lang="fr-CA" dirty="0">
               <a:solidFill>
                 <a:schemeClr val="bg1"/>
               </a:solidFill>
@@ -8994,14 +10918,14 @@
           <a:lstStyle/>
           <a:p>
             <a:r>
-              <a:rPr lang="en-US" sz="1400" b="1" dirty="0" smtClean="0">
+              <a:rPr lang="en-US" sz="1400" b="1" dirty="0">
                 <a:solidFill>
                   <a:srgbClr val="3C5790"/>
                 </a:solidFill>
               </a:rPr>
               <a:t>REST API based</a:t>
             </a:r>
-            <a:endParaRPr lang="ro-RO" sz="1400" b="1" dirty="0" smtClean="0">
+            <a:endParaRPr lang="ro-RO" sz="1400" b="1" dirty="0">
               <a:solidFill>
                 <a:srgbClr val="3C5790"/>
               </a:solidFill>
@@ -9010,7 +10934,7 @@
           <a:p>
             <a:pPr lvl="1"/>
             <a:r>
-              <a:rPr lang="en-US" sz="1200" dirty="0" smtClean="0">
+              <a:rPr lang="en-US" sz="1200" dirty="0">
                 <a:solidFill>
                   <a:srgbClr val="3C5790"/>
                 </a:solidFill>
@@ -9020,14 +10944,14 @@
           </a:p>
           <a:p>
             <a:r>
-              <a:rPr lang="en-US" sz="1400" b="1" dirty="0" smtClean="0">
+              <a:rPr lang="en-US" sz="1400" b="1" dirty="0">
                 <a:solidFill>
                   <a:srgbClr val="3C5790"/>
                 </a:solidFill>
               </a:rPr>
               <a:t>Scalable Map/Reduce model</a:t>
             </a:r>
-            <a:endParaRPr lang="ro-RO" sz="1400" b="1" dirty="0" smtClean="0">
+            <a:endParaRPr lang="ro-RO" sz="1400" b="1" dirty="0">
               <a:solidFill>
                 <a:srgbClr val="3C5790"/>
               </a:solidFill>
@@ -9036,7 +10960,7 @@
           <a:p>
             <a:pPr lvl="1"/>
             <a:r>
-              <a:rPr lang="en-US" sz="1200" dirty="0" smtClean="0">
+              <a:rPr lang="en-US" sz="1200" dirty="0">
                 <a:solidFill>
                   <a:srgbClr val="3C5790"/>
                 </a:solidFill>
@@ -9044,7 +10968,7 @@
               <a:t> every operation results in multiple </a:t>
             </a:r>
             <a:r>
-              <a:rPr lang="en-US" sz="1200" dirty="0" err="1" smtClean="0">
+              <a:rPr lang="en-US" sz="1200" dirty="0" err="1">
                 <a:solidFill>
                   <a:srgbClr val="3C5790"/>
                 </a:solidFill>
@@ -9052,7 +10976,7 @@
               <a:t>Hadoop</a:t>
             </a:r>
             <a:r>
-              <a:rPr lang="en-US" sz="1200" dirty="0" smtClean="0">
+              <a:rPr lang="en-US" sz="1200" dirty="0">
                 <a:solidFill>
                   <a:srgbClr val="3C5790"/>
                 </a:solidFill>
@@ -9062,14 +10986,14 @@
           </a:p>
           <a:p>
             <a:r>
-              <a:rPr lang="en-US" sz="1400" b="1" dirty="0" smtClean="0">
+              <a:rPr lang="en-US" sz="1400" b="1" dirty="0">
                 <a:solidFill>
                   <a:srgbClr val="3C5790"/>
                 </a:solidFill>
               </a:rPr>
               <a:t>Memory and I/O efficient</a:t>
             </a:r>
-            <a:endParaRPr lang="ro-RO" sz="1400" b="1" dirty="0" smtClean="0">
+            <a:endParaRPr lang="ro-RO" sz="1400" b="1" dirty="0">
               <a:solidFill>
                 <a:srgbClr val="3C5790"/>
               </a:solidFill>
@@ -9078,7 +11002,7 @@
           <a:p>
             <a:pPr lvl="1"/>
             <a:r>
-              <a:rPr lang="en-US" sz="1200" dirty="0" smtClean="0">
+              <a:rPr lang="en-US" sz="1200" dirty="0">
                 <a:solidFill>
                   <a:srgbClr val="3C5790"/>
                 </a:solidFill>
@@ -9088,14 +11012,14 @@
           </a:p>
           <a:p>
             <a:r>
-              <a:rPr lang="en-US" sz="1400" b="1" dirty="0" smtClean="0">
+              <a:rPr lang="en-US" sz="1400" b="1" dirty="0">
                 <a:solidFill>
                   <a:srgbClr val="3C5790"/>
                 </a:solidFill>
               </a:rPr>
               <a:t>Adaptive I/O</a:t>
             </a:r>
-            <a:endParaRPr lang="ro-RO" sz="1400" b="1" dirty="0" smtClean="0">
+            <a:endParaRPr lang="ro-RO" sz="1400" b="1" dirty="0">
               <a:solidFill>
                 <a:srgbClr val="3C5790"/>
               </a:solidFill>
@@ -9104,7 +11028,7 @@
           <a:p>
             <a:pPr lvl="1"/>
             <a:r>
-              <a:rPr lang="en-US" sz="1200" dirty="0" err="1" smtClean="0">
+              <a:rPr lang="en-US" sz="1200" dirty="0" err="1">
                 <a:solidFill>
                   <a:srgbClr val="3C5790"/>
                 </a:solidFill>
@@ -9112,14 +11036,14 @@
               <a:t>elasticsearch</a:t>
             </a:r>
             <a:r>
-              <a:rPr lang="en-US" sz="1200" dirty="0" smtClean="0">
+              <a:rPr lang="en-US" sz="1200" dirty="0">
                 <a:solidFill>
                   <a:srgbClr val="3C5790"/>
                 </a:solidFill>
               </a:rPr>
               <a:t> detects transport errors and retries automatically.</a:t>
             </a:r>
-            <a:endParaRPr lang="ro-RO" sz="1200" dirty="0" smtClean="0">
+            <a:endParaRPr lang="ro-RO" sz="1200" dirty="0">
               <a:solidFill>
                 <a:srgbClr val="3C5790"/>
               </a:solidFill>
@@ -9127,14 +11051,14 @@
           </a:p>
           <a:p>
             <a:r>
-              <a:rPr lang="en-US" sz="1400" b="1" dirty="0" smtClean="0">
+              <a:rPr lang="en-US" sz="1400" b="1" dirty="0">
                 <a:solidFill>
                   <a:srgbClr val="3C5790"/>
                 </a:solidFill>
               </a:rPr>
               <a:t>Facilitates data co-location</a:t>
             </a:r>
-            <a:endParaRPr lang="ro-RO" sz="1400" b="1" dirty="0" smtClean="0">
+            <a:endParaRPr lang="ro-RO" sz="1400" b="1" dirty="0">
               <a:solidFill>
                 <a:srgbClr val="3C5790"/>
               </a:solidFill>
@@ -9143,7 +11067,7 @@
           <a:p>
             <a:pPr lvl="1"/>
             <a:r>
-              <a:rPr lang="en-US" sz="1200" dirty="0" smtClean="0">
+              <a:rPr lang="en-US" sz="1200" dirty="0">
                 <a:solidFill>
                   <a:srgbClr val="3C5790"/>
                 </a:solidFill>
@@ -9151,7 +11075,7 @@
               <a:t>integrates with </a:t>
             </a:r>
             <a:r>
-              <a:rPr lang="en-US" sz="1200" dirty="0" err="1" smtClean="0">
+              <a:rPr lang="en-US" sz="1200" dirty="0" err="1">
                 <a:solidFill>
                   <a:srgbClr val="3C5790"/>
                 </a:solidFill>
@@ -9159,7 +11083,7 @@
               <a:t>Hadoop</a:t>
             </a:r>
             <a:r>
-              <a:rPr lang="en-US" sz="1200" dirty="0" smtClean="0">
+              <a:rPr lang="en-US" sz="1200" dirty="0">
                 <a:solidFill>
                   <a:srgbClr val="3C5790"/>
                 </a:solidFill>
@@ -9167,7 +11091,7 @@
               <a:t> exposing its network access information, allowing co-located </a:t>
             </a:r>
             <a:r>
-              <a:rPr lang="en-US" sz="1200" dirty="0" err="1" smtClean="0">
+              <a:rPr lang="en-US" sz="1200" dirty="0" err="1">
                 <a:solidFill>
                   <a:srgbClr val="3C5790"/>
                 </a:solidFill>
@@ -9175,7 +11099,7 @@
               <a:t>Elasticsearch</a:t>
             </a:r>
             <a:r>
-              <a:rPr lang="en-US" sz="1200" dirty="0" smtClean="0">
+              <a:rPr lang="en-US" sz="1200" dirty="0">
                 <a:solidFill>
                   <a:srgbClr val="3C5790"/>
                 </a:solidFill>
@@ -9183,7 +11107,7 @@
               <a:t> and </a:t>
             </a:r>
             <a:r>
-              <a:rPr lang="en-US" sz="1200" dirty="0" err="1" smtClean="0">
+              <a:rPr lang="en-US" sz="1200" dirty="0" err="1">
                 <a:solidFill>
                   <a:srgbClr val="3C5790"/>
                 </a:solidFill>
@@ -9191,7 +11115,7 @@
               <a:t>Hadoop</a:t>
             </a:r>
             <a:r>
-              <a:rPr lang="en-US" sz="1200" dirty="0" smtClean="0">
+              <a:rPr lang="en-US" sz="1200" dirty="0">
                 <a:solidFill>
                   <a:srgbClr val="3C5790"/>
                 </a:solidFill>
@@ -9206,13 +11130,6 @@
   <p:clrMapOvr>
     <a:masterClrMapping/>
   </p:clrMapOvr>
-  <p:timing>
-    <p:tnLst>
-      <p:par>
-        <p:cTn id="1" dur="indefinite" restart="never" nodeType="tmRoot"/>
-      </p:par>
-    </p:tnLst>
-  </p:timing>
 </p:sld>
 </file>
 
@@ -9267,14 +11184,14 @@
           <a:p>
             <a:pPr lvl="1"/>
             <a:r>
-              <a:rPr lang="ro-RO" dirty="0" smtClean="0">
+              <a:rPr lang="ro-RO" dirty="0">
                 <a:solidFill>
                   <a:schemeClr val="bg1"/>
                 </a:solidFill>
               </a:rPr>
               <a:t>Terms</a:t>
             </a:r>
-            <a:endParaRPr lang="fr-CA" dirty="0" smtClean="0">
+            <a:endParaRPr lang="fr-CA" dirty="0">
               <a:solidFill>
                 <a:schemeClr val="bg1"/>
               </a:solidFill>
@@ -9303,7 +11220,7 @@
           <a:lstStyle/>
           <a:p>
             <a:r>
-              <a:rPr lang="en-US" sz="1400" b="1" dirty="0" smtClean="0">
+              <a:rPr lang="en-US" sz="1400" b="1" dirty="0">
                 <a:solidFill>
                   <a:srgbClr val="3C5790"/>
                 </a:solidFill>
@@ -9311,7 +11228,7 @@
               <a:t>Document</a:t>
             </a:r>
             <a:r>
-              <a:rPr lang="en-US" sz="1400" dirty="0" smtClean="0">
+              <a:rPr lang="en-US" sz="1400" dirty="0">
                 <a:solidFill>
                   <a:srgbClr val="3C5790"/>
                 </a:solidFill>
@@ -9321,7 +11238,7 @@
           </a:p>
           <a:p>
             <a:r>
-              <a:rPr lang="en-US" sz="1400" b="1" dirty="0" smtClean="0">
+              <a:rPr lang="en-US" sz="1400" b="1" dirty="0">
                 <a:solidFill>
                   <a:srgbClr val="3C5790"/>
                 </a:solidFill>
@@ -9329,7 +11246,7 @@
               <a:t>Field</a:t>
             </a:r>
             <a:r>
-              <a:rPr lang="en-US" sz="1400" dirty="0" smtClean="0">
+              <a:rPr lang="en-US" sz="1400" dirty="0">
                 <a:solidFill>
                   <a:srgbClr val="3C5790"/>
                 </a:solidFill>
@@ -9339,7 +11256,7 @@
           </a:p>
           <a:p>
             <a:r>
-              <a:rPr lang="en-US" sz="1400" b="1" dirty="0" smtClean="0">
+              <a:rPr lang="en-US" sz="1400" b="1" dirty="0">
                 <a:solidFill>
                   <a:srgbClr val="3C5790"/>
                 </a:solidFill>
@@ -9347,7 +11264,7 @@
               <a:t>Term</a:t>
             </a:r>
             <a:r>
-              <a:rPr lang="en-US" sz="1400" dirty="0" smtClean="0">
+              <a:rPr lang="en-US" sz="1400" dirty="0">
                 <a:solidFill>
                   <a:srgbClr val="3C5790"/>
                 </a:solidFill>
@@ -9357,7 +11274,7 @@
           </a:p>
           <a:p>
             <a:r>
-              <a:rPr lang="en-US" sz="1400" b="1" dirty="0" smtClean="0">
+              <a:rPr lang="en-US" sz="1400" b="1" dirty="0">
                 <a:solidFill>
                   <a:srgbClr val="3C5790"/>
                 </a:solidFill>
@@ -9365,14 +11282,14 @@
               <a:t>Token</a:t>
             </a:r>
             <a:r>
-              <a:rPr lang="en-US" sz="1400" dirty="0" smtClean="0">
+              <a:rPr lang="en-US" sz="1400" dirty="0">
                 <a:solidFill>
                   <a:srgbClr val="3C5790"/>
                 </a:solidFill>
               </a:rPr>
               <a:t>: occurrence of a term in the text of the field.</a:t>
             </a:r>
-            <a:endParaRPr lang="ro-RO" sz="1400" dirty="0" smtClean="0">
+            <a:endParaRPr lang="ro-RO" sz="1400" dirty="0">
               <a:solidFill>
                 <a:srgbClr val="3C5790"/>
               </a:solidFill>
@@ -9380,7 +11297,7 @@
           </a:p>
           <a:p>
             <a:r>
-              <a:rPr lang="ro-RO" sz="1400" dirty="0" smtClean="0">
+              <a:rPr lang="ro-RO" sz="1400" dirty="0">
                 <a:solidFill>
                   <a:srgbClr val="3C5790"/>
                 </a:solidFill>
@@ -9390,7 +11307,7 @@
           </a:p>
           <a:p>
             <a:r>
-              <a:rPr lang="en-US" sz="1400" dirty="0" err="1" smtClean="0">
+              <a:rPr lang="en-US" sz="1400" dirty="0" err="1">
                 <a:solidFill>
                   <a:srgbClr val="3C5790"/>
                 </a:solidFill>
@@ -9398,7 +11315,7 @@
               <a:t>Elasticsearch</a:t>
             </a:r>
             <a:r>
-              <a:rPr lang="en-US" sz="1400" dirty="0" smtClean="0">
+              <a:rPr lang="en-US" sz="1400" dirty="0">
                 <a:solidFill>
                   <a:srgbClr val="3C5790"/>
                 </a:solidFill>
@@ -9408,7 +11325,7 @@
           </a:p>
           <a:p>
             <a:r>
-              <a:rPr lang="en-US" sz="1400" dirty="0" smtClean="0">
+              <a:rPr lang="en-US" sz="1400" dirty="0">
                 <a:solidFill>
                   <a:srgbClr val="3C5790"/>
                 </a:solidFill>
@@ -9416,7 +11333,7 @@
               <a:t>Mastering </a:t>
             </a:r>
             <a:r>
-              <a:rPr lang="en-US" sz="1400" dirty="0" err="1" smtClean="0">
+              <a:rPr lang="en-US" sz="1400" dirty="0" err="1">
                 <a:solidFill>
                   <a:srgbClr val="3C5790"/>
                 </a:solidFill>
@@ -9424,7 +11341,7 @@
               <a:t>Elasticsearch</a:t>
             </a:r>
             <a:r>
-              <a:rPr lang="en-US" sz="1400" dirty="0" smtClean="0">
+              <a:rPr lang="en-US" sz="1400" dirty="0">
                 <a:solidFill>
                   <a:srgbClr val="3C5790"/>
                 </a:solidFill>
@@ -9434,7 +11351,7 @@
           </a:p>
           <a:p>
             <a:r>
-              <a:rPr lang="en-US" sz="1400" dirty="0" smtClean="0">
+              <a:rPr lang="en-US" sz="1400" dirty="0">
                 <a:solidFill>
                   <a:srgbClr val="3C5790"/>
                 </a:solidFill>
@@ -9442,7 +11359,7 @@
               <a:t>Apache </a:t>
             </a:r>
             <a:r>
-              <a:rPr lang="en-US" sz="1400" dirty="0" err="1" smtClean="0">
+              <a:rPr lang="en-US" sz="1400" dirty="0" err="1">
                 <a:solidFill>
                   <a:srgbClr val="3C5790"/>
                 </a:solidFill>
@@ -9450,7 +11367,7 @@
               <a:t>Solr</a:t>
             </a:r>
             <a:r>
-              <a:rPr lang="en-US" sz="1400" dirty="0" smtClean="0">
+              <a:rPr lang="en-US" sz="1400" dirty="0">
                 <a:solidFill>
                   <a:srgbClr val="3C5790"/>
                 </a:solidFill>
@@ -9497,13 +11414,6 @@
   <p:clrMapOvr>
     <a:masterClrMapping/>
   </p:clrMapOvr>
-  <p:timing>
-    <p:tnLst>
-      <p:par>
-        <p:cTn id="1" dur="indefinite" restart="never" nodeType="tmRoot"/>
-      </p:par>
-    </p:tnLst>
-  </p:timing>
 </p:sld>
 </file>
 
@@ -9558,14 +11468,14 @@
           <a:p>
             <a:pPr lvl="1"/>
             <a:r>
-              <a:rPr lang="ro-RO" dirty="0" smtClean="0">
+              <a:rPr lang="ro-RO" dirty="0">
                 <a:solidFill>
                   <a:schemeClr val="bg1"/>
                 </a:solidFill>
               </a:rPr>
               <a:t>Configuration</a:t>
             </a:r>
-            <a:endParaRPr lang="fr-CA" dirty="0" smtClean="0">
+            <a:endParaRPr lang="fr-CA" dirty="0">
               <a:solidFill>
                 <a:schemeClr val="bg1"/>
               </a:solidFill>
@@ -9594,33 +11504,17 @@
           <a:lstStyle/>
           <a:p>
             <a:r>
-              <a:rPr lang="en-US" sz="1400" dirty="0" smtClean="0">
-                <a:solidFill>
-                  <a:srgbClr val="3C5790"/>
-                </a:solidFill>
-              </a:rPr>
-              <a:t>The configuration is located in the </a:t>
-            </a:r>
-            <a:r>
-              <a:rPr lang="en-US" sz="1400" dirty="0" err="1" smtClean="0">
-                <a:solidFill>
-                  <a:srgbClr val="3C5790"/>
-                </a:solidFill>
-              </a:rPr>
-              <a:t>config</a:t>
-            </a:r>
-            <a:r>
-              <a:rPr lang="en-US" sz="1400" dirty="0" smtClean="0">
-                <a:solidFill>
-                  <a:srgbClr val="3C5790"/>
-                </a:solidFill>
-              </a:rPr>
-              <a:t> directory.</a:t>
-            </a:r>
-          </a:p>
-          <a:p>
-            <a:r>
-              <a:rPr lang="en-US" sz="1400" dirty="0" smtClean="0">
+              <a:rPr lang="en-US" sz="1400" dirty="0">
+                <a:solidFill>
+                  <a:srgbClr val="3C5790"/>
+                </a:solidFill>
+              </a:rPr>
+              <a:t>The configuration is in the config directory.</a:t>
+            </a:r>
+          </a:p>
+          <a:p>
+            <a:r>
+              <a:rPr lang="en-US" sz="1400" dirty="0">
                 <a:solidFill>
                   <a:srgbClr val="3C5790"/>
                 </a:solidFill>
@@ -9628,7 +11522,7 @@
               <a:t>There are 2 files: elasticsearch.yml(or </a:t>
             </a:r>
             <a:r>
-              <a:rPr lang="en-US" sz="1400" dirty="0" err="1" smtClean="0">
+              <a:rPr lang="en-US" sz="1400" dirty="0" err="1">
                 <a:solidFill>
                   <a:srgbClr val="3C5790"/>
                 </a:solidFill>
@@ -9636,7 +11530,7 @@
               <a:t>elasticsearch.json</a:t>
             </a:r>
             <a:r>
-              <a:rPr lang="en-US" sz="1400" dirty="0" smtClean="0">
+              <a:rPr lang="en-US" sz="1400" dirty="0">
                 <a:solidFill>
                   <a:srgbClr val="3C5790"/>
                 </a:solidFill>
@@ -9646,7 +11540,7 @@
           </a:p>
           <a:p>
             <a:r>
-              <a:rPr lang="en-US" sz="1400" dirty="0" smtClean="0">
+              <a:rPr lang="en-US" sz="1400" dirty="0">
                 <a:solidFill>
                   <a:srgbClr val="3C5790"/>
                 </a:solidFill>
@@ -9656,33 +11550,33 @@
           </a:p>
           <a:p>
             <a:r>
-              <a:rPr lang="en-US" sz="1400" dirty="0" smtClean="0">
-                <a:solidFill>
-                  <a:srgbClr val="3C5790"/>
-                </a:solidFill>
-              </a:rPr>
-              <a:t>These values can be changed </a:t>
-            </a:r>
-            <a:r>
-              <a:rPr lang="en-US" sz="1400" dirty="0" err="1" smtClean="0">
-                <a:solidFill>
-                  <a:srgbClr val="3C5790"/>
-                </a:solidFill>
-              </a:rPr>
-              <a:t>ar</a:t>
-            </a:r>
-            <a:r>
-              <a:rPr lang="en-US" sz="1400" dirty="0" smtClean="0">
-                <a:solidFill>
-                  <a:srgbClr val="3C5790"/>
-                </a:solidFill>
-              </a:rPr>
-              <a:t> runtime without the cluster.name and node.name values.</a:t>
-            </a:r>
-          </a:p>
-          <a:p>
-            <a:r>
-              <a:rPr lang="en-US" sz="1400" dirty="0" smtClean="0">
+              <a:rPr lang="en-US" sz="1400" dirty="0">
+                <a:solidFill>
+                  <a:srgbClr val="3C5790"/>
+                </a:solidFill>
+              </a:rPr>
+              <a:t>These values can be </a:t>
+            </a:r>
+            <a:r>
+              <a:rPr lang="en-US" sz="1400">
+                <a:solidFill>
+                  <a:srgbClr val="3C5790"/>
+                </a:solidFill>
+              </a:rPr>
+              <a:t>changed at </a:t>
+            </a:r>
+            <a:r>
+              <a:rPr lang="en-US" sz="1400" dirty="0">
+                <a:solidFill>
+                  <a:srgbClr val="3C5790"/>
+                </a:solidFill>
+              </a:rPr>
+              <a:t>runtime without the cluster.name and node.name values.</a:t>
+            </a:r>
+          </a:p>
+          <a:p>
+            <a:r>
+              <a:rPr lang="en-US" sz="1400" dirty="0">
                 <a:solidFill>
                   <a:srgbClr val="3C5790"/>
                 </a:solidFill>
@@ -9697,13 +11591,6 @@
   <p:clrMapOvr>
     <a:masterClrMapping/>
   </p:clrMapOvr>
-  <p:timing>
-    <p:tnLst>
-      <p:par>
-        <p:cTn id="1" dur="indefinite" restart="never" nodeType="tmRoot"/>
-      </p:par>
-    </p:tnLst>
-  </p:timing>
 </p:sld>
 </file>
 
@@ -9758,14 +11645,14 @@
           <a:p>
             <a:pPr lvl="1"/>
             <a:r>
-              <a:rPr lang="ro-RO" dirty="0" smtClean="0">
+              <a:rPr lang="ro-RO" dirty="0">
                 <a:solidFill>
                   <a:schemeClr val="bg1"/>
                 </a:solidFill>
               </a:rPr>
               <a:t>Core</a:t>
             </a:r>
-            <a:endParaRPr lang="fr-CA" dirty="0" smtClean="0">
+            <a:endParaRPr lang="fr-CA" dirty="0">
               <a:solidFill>
                 <a:schemeClr val="bg1"/>
               </a:solidFill>
@@ -9794,7 +11681,7 @@
           <a:lstStyle/>
           <a:p>
             <a:r>
-              <a:rPr lang="en-US" sz="1400" b="1" dirty="0" smtClean="0">
+              <a:rPr lang="en-US" sz="1400" b="1" dirty="0">
                 <a:solidFill>
                   <a:srgbClr val="3C5790"/>
                 </a:solidFill>
@@ -9802,7 +11689,7 @@
               <a:t>Analysis</a:t>
             </a:r>
             <a:r>
-              <a:rPr lang="en-US" sz="1400" dirty="0" smtClean="0">
+              <a:rPr lang="en-US" sz="1400" dirty="0">
                 <a:solidFill>
                   <a:srgbClr val="3C5790"/>
                 </a:solidFill>
@@ -9812,15 +11699,57 @@
           </a:p>
           <a:p>
             <a:r>
-              <a:rPr lang="en-US" sz="1400" dirty="0" smtClean="0">
-                <a:solidFill>
-                  <a:srgbClr val="3C5790"/>
-                </a:solidFill>
-              </a:rPr>
-              <a:t>Analysis is done by the analyzer, which is built of a </a:t>
-            </a:r>
-            <a:r>
-              <a:rPr lang="en-US" sz="1400" dirty="0" err="1" smtClean="0">
+              <a:rPr lang="en-US" sz="1400" dirty="0">
+                <a:solidFill>
+                  <a:srgbClr val="3C5790"/>
+                </a:solidFill>
+              </a:rPr>
+              <a:t>Analysis is done by the analyzer, which is built of a tokenizer and 0 or more token filters and can have 0 or more-character </a:t>
+            </a:r>
+            <a:r>
+              <a:rPr lang="en-US" sz="1400" b="1" dirty="0">
+                <a:solidFill>
+                  <a:srgbClr val="3C5790"/>
+                </a:solidFill>
+              </a:rPr>
+              <a:t>mappers</a:t>
+            </a:r>
+            <a:r>
+              <a:rPr lang="en-US" sz="1400" dirty="0">
+                <a:solidFill>
+                  <a:srgbClr val="3C5790"/>
+                </a:solidFill>
+              </a:rPr>
+              <a:t>.</a:t>
+            </a:r>
+          </a:p>
+          <a:p>
+            <a:r>
+              <a:rPr lang="en-US" sz="1400" dirty="0">
+                <a:solidFill>
+                  <a:srgbClr val="3C5790"/>
+                </a:solidFill>
+              </a:rPr>
+              <a:t>The </a:t>
+            </a:r>
+            <a:r>
+              <a:rPr lang="en-US" sz="1400" dirty="0" err="1">
+                <a:solidFill>
+                  <a:srgbClr val="3C5790"/>
+                </a:solidFill>
+              </a:rPr>
+              <a:t>Lucene</a:t>
+            </a:r>
+            <a:r>
+              <a:rPr lang="en-US" sz="1400" dirty="0">
+                <a:solidFill>
+                  <a:srgbClr val="3C5790"/>
+                </a:solidFill>
+              </a:rPr>
+              <a:t> </a:t>
+            </a:r>
+            <a:r>
+              <a:rPr lang="en-US" sz="1400" dirty="0" err="1">
                 <a:solidFill>
                   <a:srgbClr val="3C5790"/>
                 </a:solidFill>
@@ -9828,104 +11757,46 @@
               <a:t>tokenizer</a:t>
             </a:r>
             <a:r>
-              <a:rPr lang="en-US" sz="1400" dirty="0" smtClean="0">
-                <a:solidFill>
-                  <a:srgbClr val="3C5790"/>
-                </a:solidFill>
-              </a:rPr>
-              <a:t> and 0 or more token filters and can have 0 or more character </a:t>
-            </a:r>
-            <a:r>
-              <a:rPr lang="en-US" sz="1400" b="1" dirty="0" err="1" smtClean="0">
-                <a:solidFill>
-                  <a:srgbClr val="3C5790"/>
-                </a:solidFill>
-              </a:rPr>
-              <a:t>mappers</a:t>
-            </a:r>
-            <a:r>
-              <a:rPr lang="en-US" sz="1400" dirty="0" smtClean="0">
+              <a:rPr lang="en-US" sz="1400" dirty="0">
+                <a:solidFill>
+                  <a:srgbClr val="3C5790"/>
+                </a:solidFill>
+              </a:rPr>
+              <a:t> is </a:t>
+            </a:r>
+            <a:r>
+              <a:rPr lang="en-US" sz="1400" dirty="0" err="1">
+                <a:solidFill>
+                  <a:srgbClr val="3C5790"/>
+                </a:solidFill>
+              </a:rPr>
+              <a:t>spliting</a:t>
+            </a:r>
+            <a:r>
+              <a:rPr lang="en-US" sz="1400" dirty="0">
+                <a:solidFill>
+                  <a:srgbClr val="3C5790"/>
+                </a:solidFill>
+              </a:rPr>
+              <a:t> text into tokens, and the work is called </a:t>
+            </a:r>
+            <a:r>
+              <a:rPr lang="en-US" sz="1400" b="1" dirty="0">
+                <a:solidFill>
+                  <a:srgbClr val="3C5790"/>
+                </a:solidFill>
+              </a:rPr>
+              <a:t>token stream</a:t>
+            </a:r>
+            <a:r>
+              <a:rPr lang="en-US" sz="1400" dirty="0">
                 <a:solidFill>
                   <a:srgbClr val="3C5790"/>
                 </a:solidFill>
               </a:rPr>
               <a:t>.</a:t>
             </a:r>
-          </a:p>
-          <a:p>
-            <a:r>
-              <a:rPr lang="en-US" sz="1400" dirty="0" smtClean="0">
-                <a:solidFill>
-                  <a:srgbClr val="3C5790"/>
-                </a:solidFill>
-              </a:rPr>
-              <a:t>The </a:t>
-            </a:r>
-            <a:r>
-              <a:rPr lang="en-US" sz="1400" dirty="0" err="1" smtClean="0">
-                <a:solidFill>
-                  <a:srgbClr val="3C5790"/>
-                </a:solidFill>
-              </a:rPr>
-              <a:t>Lucene</a:t>
-            </a:r>
-            <a:r>
-              <a:rPr lang="en-US" sz="1400" dirty="0" smtClean="0">
-                <a:solidFill>
-                  <a:srgbClr val="3C5790"/>
-                </a:solidFill>
-              </a:rPr>
-              <a:t> </a:t>
-            </a:r>
-            <a:r>
-              <a:rPr lang="en-US" sz="1400" dirty="0" err="1" smtClean="0">
-                <a:solidFill>
-                  <a:srgbClr val="3C5790"/>
-                </a:solidFill>
-              </a:rPr>
-              <a:t>tokenizer</a:t>
-            </a:r>
-            <a:r>
-              <a:rPr lang="en-US" sz="1400" dirty="0" smtClean="0">
-                <a:solidFill>
-                  <a:srgbClr val="3C5790"/>
-                </a:solidFill>
-              </a:rPr>
-              <a:t> is </a:t>
-            </a:r>
-            <a:r>
-              <a:rPr lang="en-US" sz="1400" dirty="0" err="1" smtClean="0">
-                <a:solidFill>
-                  <a:srgbClr val="3C5790"/>
-                </a:solidFill>
-              </a:rPr>
-              <a:t>spliting</a:t>
-            </a:r>
-            <a:r>
-              <a:rPr lang="en-US" sz="1400" dirty="0" smtClean="0">
-                <a:solidFill>
-                  <a:srgbClr val="3C5790"/>
-                </a:solidFill>
-              </a:rPr>
-              <a:t> text into tokens, and the work is called </a:t>
-            </a:r>
-            <a:r>
-              <a:rPr lang="en-US" sz="1400" b="1" dirty="0" smtClean="0">
-                <a:solidFill>
-                  <a:srgbClr val="3C5790"/>
-                </a:solidFill>
-              </a:rPr>
-              <a:t>token stream</a:t>
-            </a:r>
-            <a:r>
-              <a:rPr lang="en-US" sz="1400" dirty="0" smtClean="0">
-                <a:solidFill>
-                  <a:srgbClr val="3C5790"/>
-                </a:solidFill>
-              </a:rPr>
-              <a:t>.</a:t>
-            </a:r>
-            <a:endParaRPr lang="ro-RO" sz="1400" dirty="0" smtClean="0">
+            <a:endParaRPr lang="ro-RO" sz="1400" dirty="0">
               <a:solidFill>
                 <a:srgbClr val="3C5790"/>
               </a:solidFill>
@@ -9933,7 +11804,7 @@
           </a:p>
           <a:p>
             <a:r>
-              <a:rPr lang="en-US" sz="1400" dirty="0" smtClean="0">
+              <a:rPr lang="en-US" sz="1400" dirty="0">
                 <a:solidFill>
                   <a:srgbClr val="3C5790"/>
                 </a:solidFill>
@@ -9941,7 +11812,7 @@
               <a:t>The default port used for the HTTP API is </a:t>
             </a:r>
             <a:r>
-              <a:rPr lang="en-US" sz="1400" b="1" dirty="0" smtClean="0">
+              <a:rPr lang="en-US" sz="1400" b="1" dirty="0">
                 <a:solidFill>
                   <a:srgbClr val="3C5790"/>
                 </a:solidFill>
@@ -9949,7 +11820,7 @@
               <a:t>9200</a:t>
             </a:r>
             <a:r>
-              <a:rPr lang="en-US" sz="1400" dirty="0" smtClean="0">
+              <a:rPr lang="en-US" sz="1400" dirty="0">
                 <a:solidFill>
                   <a:srgbClr val="3C5790"/>
                 </a:solidFill>
@@ -9957,7 +11828,7 @@
               <a:t> and if we access http://127.0.0.1:9200/ we get from </a:t>
             </a:r>
             <a:r>
-              <a:rPr lang="en-US" sz="1400" dirty="0" err="1" smtClean="0">
+              <a:rPr lang="en-US" sz="1400" dirty="0" err="1">
                 <a:solidFill>
                   <a:srgbClr val="3C5790"/>
                 </a:solidFill>
@@ -9965,7 +11836,7 @@
               <a:t>ElasticSearch</a:t>
             </a:r>
             <a:r>
-              <a:rPr lang="en-US" sz="1400" dirty="0" smtClean="0">
+              <a:rPr lang="en-US" sz="1400" dirty="0">
                 <a:solidFill>
                   <a:srgbClr val="3C5790"/>
                 </a:solidFill>
@@ -9973,7 +11844,7 @@
               <a:t> the following response</a:t>
             </a:r>
             <a:r>
-              <a:rPr lang="ro-RO" sz="1400" dirty="0" smtClean="0">
+              <a:rPr lang="ro-RO" sz="1400" dirty="0">
                 <a:solidFill>
                   <a:srgbClr val="3C5790"/>
                 </a:solidFill>
@@ -9983,7 +11854,7 @@
           </a:p>
           <a:p>
             <a:r>
-              <a:rPr lang="en-US" sz="1400" dirty="0" smtClean="0">
+              <a:rPr lang="en-US" sz="1400" dirty="0">
                 <a:solidFill>
                   <a:srgbClr val="3C5790"/>
                 </a:solidFill>
@@ -9991,7 +11862,7 @@
               <a:t>The output is structured as a </a:t>
             </a:r>
             <a:r>
-              <a:rPr lang="en-US" sz="1400" b="1" dirty="0" smtClean="0">
+              <a:rPr lang="en-US" sz="1400" b="1" dirty="0">
                 <a:solidFill>
                   <a:srgbClr val="3C5790"/>
                 </a:solidFill>
@@ -9999,7 +11870,7 @@
               <a:t>JSON (JavaScript Object Notation)</a:t>
             </a:r>
             <a:r>
-              <a:rPr lang="en-US" sz="1400" dirty="0" smtClean="0">
+              <a:rPr lang="en-US" sz="1400" dirty="0">
                 <a:solidFill>
                   <a:srgbClr val="3C5790"/>
                 </a:solidFill>
@@ -10046,13 +11917,6 @@
   <p:clrMapOvr>
     <a:masterClrMapping/>
   </p:clrMapOvr>
-  <p:timing>
-    <p:tnLst>
-      <p:par>
-        <p:cTn id="1" dur="indefinite" restart="never" nodeType="tmRoot"/>
-      </p:par>
-    </p:tnLst>
-  </p:timing>
 </p:sld>
 </file>
 
@@ -10107,14 +11971,14 @@
           <a:p>
             <a:pPr lvl="1"/>
             <a:r>
-              <a:rPr lang="ro-RO" dirty="0" smtClean="0">
+              <a:rPr lang="ro-RO" dirty="0">
                 <a:solidFill>
                   <a:schemeClr val="bg1"/>
                 </a:solidFill>
               </a:rPr>
               <a:t>Core (cont.)</a:t>
             </a:r>
-            <a:endParaRPr lang="fr-CA" dirty="0" smtClean="0">
+            <a:endParaRPr lang="fr-CA" dirty="0">
               <a:solidFill>
                 <a:schemeClr val="bg1"/>
               </a:solidFill>
@@ -10143,7 +12007,7 @@
           <a:lstStyle/>
           <a:p>
             <a:r>
-              <a:rPr lang="en-US" sz="1400" dirty="0" smtClean="0">
+              <a:rPr lang="en-US" sz="1400" dirty="0">
                 <a:solidFill>
                   <a:srgbClr val="3C5790"/>
                 </a:solidFill>
@@ -10151,7 +12015,7 @@
               <a:t>We can check cluster health using the URL: http://127.0.0.1:9200/_cluster/health?pretty</a:t>
             </a:r>
             <a:r>
-              <a:rPr lang="ro-RO" sz="1400" dirty="0" smtClean="0">
+              <a:rPr lang="ro-RO" sz="1400" dirty="0">
                 <a:solidFill>
                   <a:srgbClr val="3C5790"/>
                 </a:solidFill>
@@ -10161,7 +12025,7 @@
           </a:p>
           <a:p>
             <a:r>
-              <a:rPr lang="en-US" sz="1400" dirty="0" smtClean="0">
+              <a:rPr lang="en-US" sz="1400" dirty="0">
                 <a:solidFill>
                   <a:srgbClr val="3C5790"/>
                 </a:solidFill>
@@ -10169,7 +12033,7 @@
               <a:t>We can close the </a:t>
             </a:r>
             <a:r>
-              <a:rPr lang="en-US" sz="1400" dirty="0" err="1" smtClean="0">
+              <a:rPr lang="en-US" sz="1400" dirty="0" err="1">
                 <a:solidFill>
                   <a:srgbClr val="3C5790"/>
                 </a:solidFill>
@@ -10177,7 +12041,7 @@
               <a:t>ElasticSearch</a:t>
             </a:r>
             <a:r>
-              <a:rPr lang="en-US" sz="1400" dirty="0" smtClean="0">
+              <a:rPr lang="en-US" sz="1400" dirty="0">
                 <a:solidFill>
                   <a:srgbClr val="3C5790"/>
                 </a:solidFill>
@@ -10185,14 +12049,14 @@
               <a:t> by closing the process POST request to http://localhost:9200/_cluster/nodes/_shutdown</a:t>
             </a:r>
             <a:r>
-              <a:rPr lang="ro-RO" sz="1400" dirty="0" smtClean="0">
+              <a:rPr lang="ro-RO" sz="1400" dirty="0">
                 <a:solidFill>
                   <a:srgbClr val="3C5790"/>
                 </a:solidFill>
               </a:rPr>
               <a:t>.</a:t>
             </a:r>
-            <a:endParaRPr lang="en-US" sz="1400" dirty="0" smtClean="0">
+            <a:endParaRPr lang="en-US" sz="1400" dirty="0">
               <a:solidFill>
                 <a:srgbClr val="3C5790"/>
               </a:solidFill>
@@ -10237,13 +12101,6 @@
   <p:clrMapOvr>
     <a:masterClrMapping/>
   </p:clrMapOvr>
-  <p:timing>
-    <p:tnLst>
-      <p:par>
-        <p:cTn id="1" dur="indefinite" restart="never" nodeType="tmRoot"/>
-      </p:par>
-    </p:tnLst>
-  </p:timing>
 </p:sld>
 </file>
 
